--- a/PCE WG Slide 106.pptx
+++ b/PCE WG Slide 106.pptx
@@ -6,10 +6,10 @@
     <p:sldMasterId id="2147483660" r:id="rId2"/>
   </p:sldMasterIdLst>
   <p:notesMasterIdLst>
-    <p:notesMasterId r:id="rId22"/>
+    <p:notesMasterId r:id="rId23"/>
   </p:notesMasterIdLst>
   <p:handoutMasterIdLst>
-    <p:handoutMasterId r:id="rId23"/>
+    <p:handoutMasterId r:id="rId24"/>
   </p:handoutMasterIdLst>
   <p:sldIdLst>
     <p:sldId id="256" r:id="rId3"/>
@@ -24,13 +24,14 @@
     <p:sldId id="262" r:id="rId12"/>
     <p:sldId id="264" r:id="rId13"/>
     <p:sldId id="286" r:id="rId14"/>
-    <p:sldId id="287" r:id="rId15"/>
-    <p:sldId id="290" r:id="rId16"/>
-    <p:sldId id="265" r:id="rId17"/>
-    <p:sldId id="281" r:id="rId18"/>
-    <p:sldId id="288" r:id="rId19"/>
-    <p:sldId id="278" r:id="rId20"/>
-    <p:sldId id="273" r:id="rId21"/>
+    <p:sldId id="291" r:id="rId15"/>
+    <p:sldId id="287" r:id="rId16"/>
+    <p:sldId id="290" r:id="rId17"/>
+    <p:sldId id="265" r:id="rId18"/>
+    <p:sldId id="281" r:id="rId19"/>
+    <p:sldId id="292" r:id="rId20"/>
+    <p:sldId id="278" r:id="rId21"/>
+    <p:sldId id="273" r:id="rId22"/>
   </p:sldIdLst>
   <p:sldSz cx="9144000" cy="6858000" type="screen4x3"/>
   <p:notesSz cx="6858000" cy="9144000"/>
@@ -711,14 +712,14 @@
           <a:ln w="9525"/>
           <a:extLst>
             <a:ext uri="{909E8E84-426E-40dd-AFC4-6F175D3DCCD1}">
-              <a14:hiddenFill xmlns:a14="http://schemas.microsoft.com/office/drawing/2010/main" xmlns="">
+              <a14:hiddenFill xmlns="" xmlns:a14="http://schemas.microsoft.com/office/drawing/2010/main">
                 <a:solidFill>
                   <a:srgbClr val="FFFFFF"/>
                 </a:solidFill>
               </a14:hiddenFill>
             </a:ext>
             <a:ext uri="{91240B29-F687-4f45-9708-019B960494DF}">
-              <a14:hiddenLine xmlns:a14="http://schemas.microsoft.com/office/drawing/2010/main" xmlns="" w="9525">
+              <a14:hiddenLine xmlns="" xmlns:a14="http://schemas.microsoft.com/office/drawing/2010/main" w="9525">
                 <a:solidFill>
                   <a:srgbClr val="000000"/>
                 </a:solidFill>
@@ -4079,7 +4080,7 @@
                   </a:effectLst>
                   <a:extLst>
                     <a:ext uri="{91240B29-F687-4f45-9708-019B960494DF}">
-                      <a14:hiddenLine xmlns:a14="http://schemas.microsoft.com/office/drawing/2010/main" xmlns="" w="12700">
+                      <a14:hiddenLine xmlns="" xmlns:a14="http://schemas.microsoft.com/office/drawing/2010/main" w="12700">
                         <a:solidFill>
                           <a:srgbClr val="000000"/>
                         </a:solidFill>
@@ -4247,7 +4248,7 @@
                   </a:effectLst>
                   <a:extLst>
                     <a:ext uri="{91240B29-F687-4f45-9708-019B960494DF}">
-                      <a14:hiddenLine xmlns:a14="http://schemas.microsoft.com/office/drawing/2010/main" xmlns="" w="12700">
+                      <a14:hiddenLine xmlns="" xmlns:a14="http://schemas.microsoft.com/office/drawing/2010/main" w="12700">
                         <a:solidFill>
                           <a:srgbClr val="000000"/>
                         </a:solidFill>
@@ -4415,7 +4416,7 @@
                   </a:effectLst>
                   <a:extLst>
                     <a:ext uri="{91240B29-F687-4f45-9708-019B960494DF}">
-                      <a14:hiddenLine xmlns:a14="http://schemas.microsoft.com/office/drawing/2010/main" xmlns="" w="12700">
+                      <a14:hiddenLine xmlns="" xmlns:a14="http://schemas.microsoft.com/office/drawing/2010/main" w="12700">
                         <a:solidFill>
                           <a:srgbClr val="000000"/>
                         </a:solidFill>
@@ -4583,7 +4584,7 @@
                   </a:effectLst>
                   <a:extLst>
                     <a:ext uri="{91240B29-F687-4f45-9708-019B960494DF}">
-                      <a14:hiddenLine xmlns:a14="http://schemas.microsoft.com/office/drawing/2010/main" xmlns="" w="12700">
+                      <a14:hiddenLine xmlns="" xmlns:a14="http://schemas.microsoft.com/office/drawing/2010/main" w="12700">
                         <a:solidFill>
                           <a:srgbClr val="000000"/>
                         </a:solidFill>
@@ -4751,7 +4752,7 @@
                   </a:effectLst>
                   <a:extLst>
                     <a:ext uri="{91240B29-F687-4f45-9708-019B960494DF}">
-                      <a14:hiddenLine xmlns:a14="http://schemas.microsoft.com/office/drawing/2010/main" xmlns="" w="12700">
+                      <a14:hiddenLine xmlns="" xmlns:a14="http://schemas.microsoft.com/office/drawing/2010/main" w="12700">
                         <a:solidFill>
                           <a:srgbClr val="000000"/>
                         </a:solidFill>
@@ -4919,7 +4920,7 @@
                   </a:effectLst>
                   <a:extLst>
                     <a:ext uri="{91240B29-F687-4f45-9708-019B960494DF}">
-                      <a14:hiddenLine xmlns:a14="http://schemas.microsoft.com/office/drawing/2010/main" xmlns="" w="12700">
+                      <a14:hiddenLine xmlns="" xmlns:a14="http://schemas.microsoft.com/office/drawing/2010/main" w="12700">
                         <a:solidFill>
                           <a:srgbClr val="000000"/>
                         </a:solidFill>
@@ -5104,7 +5105,7 @@
                   </a:effectLst>
                   <a:extLst>
                     <a:ext uri="{91240B29-F687-4f45-9708-019B960494DF}">
-                      <a14:hiddenLine xmlns:a14="http://schemas.microsoft.com/office/drawing/2010/main" xmlns="" w="12700">
+                      <a14:hiddenLine xmlns="" xmlns:a14="http://schemas.microsoft.com/office/drawing/2010/main" w="12700">
                         <a:solidFill>
                           <a:srgbClr val="000000"/>
                         </a:solidFill>
@@ -5272,7 +5273,7 @@
                   </a:effectLst>
                   <a:extLst>
                     <a:ext uri="{91240B29-F687-4f45-9708-019B960494DF}">
-                      <a14:hiddenLine xmlns:a14="http://schemas.microsoft.com/office/drawing/2010/main" xmlns="" w="12700">
+                      <a14:hiddenLine xmlns="" xmlns:a14="http://schemas.microsoft.com/office/drawing/2010/main" w="12700">
                         <a:solidFill>
                           <a:srgbClr val="000000"/>
                         </a:solidFill>
@@ -5440,7 +5441,7 @@
                   </a:effectLst>
                   <a:extLst>
                     <a:ext uri="{91240B29-F687-4f45-9708-019B960494DF}">
-                      <a14:hiddenLine xmlns:a14="http://schemas.microsoft.com/office/drawing/2010/main" xmlns="" w="12700">
+                      <a14:hiddenLine xmlns="" xmlns:a14="http://schemas.microsoft.com/office/drawing/2010/main" w="12700">
                         <a:solidFill>
                           <a:srgbClr val="000000"/>
                         </a:solidFill>
@@ -5608,7 +5609,7 @@
                   </a:effectLst>
                   <a:extLst>
                     <a:ext uri="{91240B29-F687-4f45-9708-019B960494DF}">
-                      <a14:hiddenLine xmlns:a14="http://schemas.microsoft.com/office/drawing/2010/main" xmlns="" w="12700">
+                      <a14:hiddenLine xmlns="" xmlns:a14="http://schemas.microsoft.com/office/drawing/2010/main" w="12700">
                         <a:solidFill>
                           <a:srgbClr val="000000"/>
                         </a:solidFill>
@@ -5776,7 +5777,7 @@
                   </a:effectLst>
                   <a:extLst>
                     <a:ext uri="{91240B29-F687-4f45-9708-019B960494DF}">
-                      <a14:hiddenLine xmlns:a14="http://schemas.microsoft.com/office/drawing/2010/main" xmlns="" w="12700">
+                      <a14:hiddenLine xmlns="" xmlns:a14="http://schemas.microsoft.com/office/drawing/2010/main" w="12700">
                         <a:solidFill>
                           <a:srgbClr val="000000"/>
                         </a:solidFill>
@@ -5944,7 +5945,7 @@
                   </a:effectLst>
                   <a:extLst>
                     <a:ext uri="{91240B29-F687-4f45-9708-019B960494DF}">
-                      <a14:hiddenLine xmlns:a14="http://schemas.microsoft.com/office/drawing/2010/main" xmlns="" w="12700">
+                      <a14:hiddenLine xmlns="" xmlns:a14="http://schemas.microsoft.com/office/drawing/2010/main" w="12700">
                         <a:solidFill>
                           <a:srgbClr val="000000"/>
                         </a:solidFill>
@@ -6129,7 +6130,7 @@
                   </a:effectLst>
                   <a:extLst>
                     <a:ext uri="{91240B29-F687-4f45-9708-019B960494DF}">
-                      <a14:hiddenLine xmlns:a14="http://schemas.microsoft.com/office/drawing/2010/main" xmlns="" w="12700">
+                      <a14:hiddenLine xmlns="" xmlns:a14="http://schemas.microsoft.com/office/drawing/2010/main" w="12700">
                         <a:solidFill>
                           <a:srgbClr val="000000"/>
                         </a:solidFill>
@@ -6297,7 +6298,7 @@
                   </a:effectLst>
                   <a:extLst>
                     <a:ext uri="{91240B29-F687-4f45-9708-019B960494DF}">
-                      <a14:hiddenLine xmlns:a14="http://schemas.microsoft.com/office/drawing/2010/main" xmlns="" w="12700">
+                      <a14:hiddenLine xmlns="" xmlns:a14="http://schemas.microsoft.com/office/drawing/2010/main" w="12700">
                         <a:solidFill>
                           <a:srgbClr val="000000"/>
                         </a:solidFill>
@@ -6465,7 +6466,7 @@
                   </a:effectLst>
                   <a:extLst>
                     <a:ext uri="{91240B29-F687-4f45-9708-019B960494DF}">
-                      <a14:hiddenLine xmlns:a14="http://schemas.microsoft.com/office/drawing/2010/main" xmlns="" w="12700">
+                      <a14:hiddenLine xmlns="" xmlns:a14="http://schemas.microsoft.com/office/drawing/2010/main" w="12700">
                         <a:solidFill>
                           <a:srgbClr val="000000"/>
                         </a:solidFill>
@@ -6633,7 +6634,7 @@
                   </a:effectLst>
                   <a:extLst>
                     <a:ext uri="{91240B29-F687-4f45-9708-019B960494DF}">
-                      <a14:hiddenLine xmlns:a14="http://schemas.microsoft.com/office/drawing/2010/main" xmlns="" w="12700">
+                      <a14:hiddenLine xmlns="" xmlns:a14="http://schemas.microsoft.com/office/drawing/2010/main" w="12700">
                         <a:solidFill>
                           <a:srgbClr val="000000"/>
                         </a:solidFill>
@@ -6801,7 +6802,7 @@
                   </a:effectLst>
                   <a:extLst>
                     <a:ext uri="{91240B29-F687-4f45-9708-019B960494DF}">
-                      <a14:hiddenLine xmlns:a14="http://schemas.microsoft.com/office/drawing/2010/main" xmlns="" w="12700">
+                      <a14:hiddenLine xmlns="" xmlns:a14="http://schemas.microsoft.com/office/drawing/2010/main" w="12700">
                         <a:solidFill>
                           <a:srgbClr val="000000"/>
                         </a:solidFill>
@@ -6969,7 +6970,7 @@
                   </a:effectLst>
                   <a:extLst>
                     <a:ext uri="{91240B29-F687-4f45-9708-019B960494DF}">
-                      <a14:hiddenLine xmlns:a14="http://schemas.microsoft.com/office/drawing/2010/main" xmlns="" w="12700">
+                      <a14:hiddenLine xmlns="" xmlns:a14="http://schemas.microsoft.com/office/drawing/2010/main" w="12700">
                         <a:solidFill>
                           <a:srgbClr val="000000"/>
                         </a:solidFill>
@@ -7154,7 +7155,7 @@
                   </a:effectLst>
                   <a:extLst>
                     <a:ext uri="{91240B29-F687-4f45-9708-019B960494DF}">
-                      <a14:hiddenLine xmlns:a14="http://schemas.microsoft.com/office/drawing/2010/main" xmlns="" w="12700">
+                      <a14:hiddenLine xmlns="" xmlns:a14="http://schemas.microsoft.com/office/drawing/2010/main" w="12700">
                         <a:solidFill>
                           <a:srgbClr val="000000"/>
                         </a:solidFill>
@@ -7322,7 +7323,7 @@
                   </a:effectLst>
                   <a:extLst>
                     <a:ext uri="{91240B29-F687-4f45-9708-019B960494DF}">
-                      <a14:hiddenLine xmlns:a14="http://schemas.microsoft.com/office/drawing/2010/main" xmlns="" w="12700">
+                      <a14:hiddenLine xmlns="" xmlns:a14="http://schemas.microsoft.com/office/drawing/2010/main" w="12700">
                         <a:solidFill>
                           <a:srgbClr val="000000"/>
                         </a:solidFill>
@@ -7490,7 +7491,7 @@
                   </a:effectLst>
                   <a:extLst>
                     <a:ext uri="{91240B29-F687-4f45-9708-019B960494DF}">
-                      <a14:hiddenLine xmlns:a14="http://schemas.microsoft.com/office/drawing/2010/main" xmlns="" w="12700">
+                      <a14:hiddenLine xmlns="" xmlns:a14="http://schemas.microsoft.com/office/drawing/2010/main" w="12700">
                         <a:solidFill>
                           <a:srgbClr val="000000"/>
                         </a:solidFill>
@@ -7658,7 +7659,7 @@
                   </a:effectLst>
                   <a:extLst>
                     <a:ext uri="{91240B29-F687-4f45-9708-019B960494DF}">
-                      <a14:hiddenLine xmlns:a14="http://schemas.microsoft.com/office/drawing/2010/main" xmlns="" w="12700">
+                      <a14:hiddenLine xmlns="" xmlns:a14="http://schemas.microsoft.com/office/drawing/2010/main" w="12700">
                         <a:solidFill>
                           <a:srgbClr val="000000"/>
                         </a:solidFill>
@@ -7826,7 +7827,7 @@
                   </a:effectLst>
                   <a:extLst>
                     <a:ext uri="{91240B29-F687-4f45-9708-019B960494DF}">
-                      <a14:hiddenLine xmlns:a14="http://schemas.microsoft.com/office/drawing/2010/main" xmlns="" w="12700">
+                      <a14:hiddenLine xmlns="" xmlns:a14="http://schemas.microsoft.com/office/drawing/2010/main" w="12700">
                         <a:solidFill>
                           <a:srgbClr val="000000"/>
                         </a:solidFill>
@@ -7994,7 +7995,7 @@
                   </a:effectLst>
                   <a:extLst>
                     <a:ext uri="{91240B29-F687-4f45-9708-019B960494DF}">
-                      <a14:hiddenLine xmlns:a14="http://schemas.microsoft.com/office/drawing/2010/main" xmlns="" w="12700">
+                      <a14:hiddenLine xmlns="" xmlns:a14="http://schemas.microsoft.com/office/drawing/2010/main" w="12700">
                         <a:solidFill>
                           <a:srgbClr val="000000"/>
                         </a:solidFill>
@@ -8179,7 +8180,7 @@
                   </a:effectLst>
                   <a:extLst>
                     <a:ext uri="{91240B29-F687-4f45-9708-019B960494DF}">
-                      <a14:hiddenLine xmlns:a14="http://schemas.microsoft.com/office/drawing/2010/main" xmlns="" w="12700">
+                      <a14:hiddenLine xmlns="" xmlns:a14="http://schemas.microsoft.com/office/drawing/2010/main" w="12700">
                         <a:solidFill>
                           <a:srgbClr val="000000"/>
                         </a:solidFill>
@@ -8347,7 +8348,7 @@
                   </a:effectLst>
                   <a:extLst>
                     <a:ext uri="{91240B29-F687-4f45-9708-019B960494DF}">
-                      <a14:hiddenLine xmlns:a14="http://schemas.microsoft.com/office/drawing/2010/main" xmlns="" w="12700">
+                      <a14:hiddenLine xmlns="" xmlns:a14="http://schemas.microsoft.com/office/drawing/2010/main" w="12700">
                         <a:solidFill>
                           <a:srgbClr val="000000"/>
                         </a:solidFill>
@@ -8515,7 +8516,7 @@
                   </a:effectLst>
                   <a:extLst>
                     <a:ext uri="{91240B29-F687-4f45-9708-019B960494DF}">
-                      <a14:hiddenLine xmlns:a14="http://schemas.microsoft.com/office/drawing/2010/main" xmlns="" w="12700">
+                      <a14:hiddenLine xmlns="" xmlns:a14="http://schemas.microsoft.com/office/drawing/2010/main" w="12700">
                         <a:solidFill>
                           <a:srgbClr val="000000"/>
                         </a:solidFill>
@@ -8683,7 +8684,7 @@
                   </a:effectLst>
                   <a:extLst>
                     <a:ext uri="{91240B29-F687-4f45-9708-019B960494DF}">
-                      <a14:hiddenLine xmlns:a14="http://schemas.microsoft.com/office/drawing/2010/main" xmlns="" w="12700">
+                      <a14:hiddenLine xmlns="" xmlns:a14="http://schemas.microsoft.com/office/drawing/2010/main" w="12700">
                         <a:solidFill>
                           <a:srgbClr val="000000"/>
                         </a:solidFill>
@@ -8851,7 +8852,7 @@
                   </a:effectLst>
                   <a:extLst>
                     <a:ext uri="{91240B29-F687-4f45-9708-019B960494DF}">
-                      <a14:hiddenLine xmlns:a14="http://schemas.microsoft.com/office/drawing/2010/main" xmlns="" w="12700">
+                      <a14:hiddenLine xmlns="" xmlns:a14="http://schemas.microsoft.com/office/drawing/2010/main" w="12700">
                         <a:solidFill>
                           <a:srgbClr val="000000"/>
                         </a:solidFill>
@@ -9019,7 +9020,7 @@
                   </a:effectLst>
                   <a:extLst>
                     <a:ext uri="{91240B29-F687-4f45-9708-019B960494DF}">
-                      <a14:hiddenLine xmlns:a14="http://schemas.microsoft.com/office/drawing/2010/main" xmlns="" w="12700">
+                      <a14:hiddenLine xmlns="" xmlns:a14="http://schemas.microsoft.com/office/drawing/2010/main" w="12700">
                         <a:solidFill>
                           <a:srgbClr val="000000"/>
                         </a:solidFill>
@@ -9204,7 +9205,7 @@
                   </a:effectLst>
                   <a:extLst>
                     <a:ext uri="{91240B29-F687-4f45-9708-019B960494DF}">
-                      <a14:hiddenLine xmlns:a14="http://schemas.microsoft.com/office/drawing/2010/main" xmlns="" w="12700">
+                      <a14:hiddenLine xmlns="" xmlns:a14="http://schemas.microsoft.com/office/drawing/2010/main" w="12700">
                         <a:solidFill>
                           <a:srgbClr val="000000"/>
                         </a:solidFill>
@@ -9372,7 +9373,7 @@
                   </a:effectLst>
                   <a:extLst>
                     <a:ext uri="{91240B29-F687-4f45-9708-019B960494DF}">
-                      <a14:hiddenLine xmlns:a14="http://schemas.microsoft.com/office/drawing/2010/main" xmlns="" w="12700">
+                      <a14:hiddenLine xmlns="" xmlns:a14="http://schemas.microsoft.com/office/drawing/2010/main" w="12700">
                         <a:solidFill>
                           <a:srgbClr val="000000"/>
                         </a:solidFill>
@@ -9540,7 +9541,7 @@
                   </a:effectLst>
                   <a:extLst>
                     <a:ext uri="{91240B29-F687-4f45-9708-019B960494DF}">
-                      <a14:hiddenLine xmlns:a14="http://schemas.microsoft.com/office/drawing/2010/main" xmlns="" w="12700">
+                      <a14:hiddenLine xmlns="" xmlns:a14="http://schemas.microsoft.com/office/drawing/2010/main" w="12700">
                         <a:solidFill>
                           <a:srgbClr val="000000"/>
                         </a:solidFill>
@@ -9708,7 +9709,7 @@
                   </a:effectLst>
                   <a:extLst>
                     <a:ext uri="{91240B29-F687-4f45-9708-019B960494DF}">
-                      <a14:hiddenLine xmlns:a14="http://schemas.microsoft.com/office/drawing/2010/main" xmlns="" w="12700">
+                      <a14:hiddenLine xmlns="" xmlns:a14="http://schemas.microsoft.com/office/drawing/2010/main" w="12700">
                         <a:solidFill>
                           <a:srgbClr val="000000"/>
                         </a:solidFill>
@@ -9876,7 +9877,7 @@
                   </a:effectLst>
                   <a:extLst>
                     <a:ext uri="{91240B29-F687-4f45-9708-019B960494DF}">
-                      <a14:hiddenLine xmlns:a14="http://schemas.microsoft.com/office/drawing/2010/main" xmlns="" w="12700">
+                      <a14:hiddenLine xmlns="" xmlns:a14="http://schemas.microsoft.com/office/drawing/2010/main" w="12700">
                         <a:solidFill>
                           <a:srgbClr val="000000"/>
                         </a:solidFill>
@@ -10044,7 +10045,7 @@
                   </a:effectLst>
                   <a:extLst>
                     <a:ext uri="{91240B29-F687-4f45-9708-019B960494DF}">
-                      <a14:hiddenLine xmlns:a14="http://schemas.microsoft.com/office/drawing/2010/main" xmlns="" w="12700">
+                      <a14:hiddenLine xmlns="" xmlns:a14="http://schemas.microsoft.com/office/drawing/2010/main" w="12700">
                         <a:solidFill>
                           <a:srgbClr val="000000"/>
                         </a:solidFill>
@@ -10229,7 +10230,7 @@
                   </a:effectLst>
                   <a:extLst>
                     <a:ext uri="{91240B29-F687-4f45-9708-019B960494DF}">
-                      <a14:hiddenLine xmlns:a14="http://schemas.microsoft.com/office/drawing/2010/main" xmlns="" w="12700">
+                      <a14:hiddenLine xmlns="" xmlns:a14="http://schemas.microsoft.com/office/drawing/2010/main" w="12700">
                         <a:solidFill>
                           <a:srgbClr val="000000"/>
                         </a:solidFill>
@@ -10397,7 +10398,7 @@
                   </a:effectLst>
                   <a:extLst>
                     <a:ext uri="{91240B29-F687-4f45-9708-019B960494DF}">
-                      <a14:hiddenLine xmlns:a14="http://schemas.microsoft.com/office/drawing/2010/main" xmlns="" w="12700">
+                      <a14:hiddenLine xmlns="" xmlns:a14="http://schemas.microsoft.com/office/drawing/2010/main" w="12700">
                         <a:solidFill>
                           <a:srgbClr val="000000"/>
                         </a:solidFill>
@@ -10565,7 +10566,7 @@
                   </a:effectLst>
                   <a:extLst>
                     <a:ext uri="{91240B29-F687-4f45-9708-019B960494DF}">
-                      <a14:hiddenLine xmlns:a14="http://schemas.microsoft.com/office/drawing/2010/main" xmlns="" w="12700">
+                      <a14:hiddenLine xmlns="" xmlns:a14="http://schemas.microsoft.com/office/drawing/2010/main" w="12700">
                         <a:solidFill>
                           <a:srgbClr val="000000"/>
                         </a:solidFill>
@@ -10733,7 +10734,7 @@
                   </a:effectLst>
                   <a:extLst>
                     <a:ext uri="{91240B29-F687-4f45-9708-019B960494DF}">
-                      <a14:hiddenLine xmlns:a14="http://schemas.microsoft.com/office/drawing/2010/main" xmlns="" w="12700">
+                      <a14:hiddenLine xmlns="" xmlns:a14="http://schemas.microsoft.com/office/drawing/2010/main" w="12700">
                         <a:solidFill>
                           <a:srgbClr val="000000"/>
                         </a:solidFill>
@@ -10901,7 +10902,7 @@
                   </a:effectLst>
                   <a:extLst>
                     <a:ext uri="{91240B29-F687-4f45-9708-019B960494DF}">
-                      <a14:hiddenLine xmlns:a14="http://schemas.microsoft.com/office/drawing/2010/main" xmlns="" w="12700">
+                      <a14:hiddenLine xmlns="" xmlns:a14="http://schemas.microsoft.com/office/drawing/2010/main" w="12700">
                         <a:solidFill>
                           <a:srgbClr val="000000"/>
                         </a:solidFill>
@@ -11069,7 +11070,7 @@
                   </a:effectLst>
                   <a:extLst>
                     <a:ext uri="{91240B29-F687-4f45-9708-019B960494DF}">
-                      <a14:hiddenLine xmlns:a14="http://schemas.microsoft.com/office/drawing/2010/main" xmlns="" w="12700">
+                      <a14:hiddenLine xmlns="" xmlns:a14="http://schemas.microsoft.com/office/drawing/2010/main" w="12700">
                         <a:solidFill>
                           <a:srgbClr val="000000"/>
                         </a:solidFill>
@@ -11254,7 +11255,7 @@
                   </a:effectLst>
                   <a:extLst>
                     <a:ext uri="{91240B29-F687-4f45-9708-019B960494DF}">
-                      <a14:hiddenLine xmlns:a14="http://schemas.microsoft.com/office/drawing/2010/main" xmlns="" w="12700">
+                      <a14:hiddenLine xmlns="" xmlns:a14="http://schemas.microsoft.com/office/drawing/2010/main" w="12700">
                         <a:solidFill>
                           <a:srgbClr val="000000"/>
                         </a:solidFill>
@@ -11422,7 +11423,7 @@
                   </a:effectLst>
                   <a:extLst>
                     <a:ext uri="{91240B29-F687-4f45-9708-019B960494DF}">
-                      <a14:hiddenLine xmlns:a14="http://schemas.microsoft.com/office/drawing/2010/main" xmlns="" w="12700">
+                      <a14:hiddenLine xmlns="" xmlns:a14="http://schemas.microsoft.com/office/drawing/2010/main" w="12700">
                         <a:solidFill>
                           <a:srgbClr val="000000"/>
                         </a:solidFill>
@@ -11590,7 +11591,7 @@
                   </a:effectLst>
                   <a:extLst>
                     <a:ext uri="{91240B29-F687-4f45-9708-019B960494DF}">
-                      <a14:hiddenLine xmlns:a14="http://schemas.microsoft.com/office/drawing/2010/main" xmlns="" w="12700">
+                      <a14:hiddenLine xmlns="" xmlns:a14="http://schemas.microsoft.com/office/drawing/2010/main" w="12700">
                         <a:solidFill>
                           <a:srgbClr val="000000"/>
                         </a:solidFill>
@@ -11758,7 +11759,7 @@
                   </a:effectLst>
                   <a:extLst>
                     <a:ext uri="{91240B29-F687-4f45-9708-019B960494DF}">
-                      <a14:hiddenLine xmlns:a14="http://schemas.microsoft.com/office/drawing/2010/main" xmlns="" w="12700">
+                      <a14:hiddenLine xmlns="" xmlns:a14="http://schemas.microsoft.com/office/drawing/2010/main" w="12700">
                         <a:solidFill>
                           <a:srgbClr val="000000"/>
                         </a:solidFill>
@@ -11926,7 +11927,7 @@
                   </a:effectLst>
                   <a:extLst>
                     <a:ext uri="{91240B29-F687-4f45-9708-019B960494DF}">
-                      <a14:hiddenLine xmlns:a14="http://schemas.microsoft.com/office/drawing/2010/main" xmlns="" w="12700">
+                      <a14:hiddenLine xmlns="" xmlns:a14="http://schemas.microsoft.com/office/drawing/2010/main" w="12700">
                         <a:solidFill>
                           <a:srgbClr val="000000"/>
                         </a:solidFill>
@@ -12094,7 +12095,7 @@
                   </a:effectLst>
                   <a:extLst>
                     <a:ext uri="{91240B29-F687-4f45-9708-019B960494DF}">
-                      <a14:hiddenLine xmlns:a14="http://schemas.microsoft.com/office/drawing/2010/main" xmlns="" w="12700">
+                      <a14:hiddenLine xmlns="" xmlns:a14="http://schemas.microsoft.com/office/drawing/2010/main" w="12700">
                         <a:solidFill>
                           <a:srgbClr val="000000"/>
                         </a:solidFill>
@@ -12296,7 +12297,7 @@
                   </a:effectLst>
                   <a:extLst>
                     <a:ext uri="{91240B29-F687-4f45-9708-019B960494DF}">
-                      <a14:hiddenLine xmlns:a14="http://schemas.microsoft.com/office/drawing/2010/main" xmlns="" w="12700">
+                      <a14:hiddenLine xmlns="" xmlns:a14="http://schemas.microsoft.com/office/drawing/2010/main" w="12700">
                         <a:solidFill>
                           <a:srgbClr val="000000"/>
                         </a:solidFill>
@@ -12464,7 +12465,7 @@
                   </a:effectLst>
                   <a:extLst>
                     <a:ext uri="{91240B29-F687-4f45-9708-019B960494DF}">
-                      <a14:hiddenLine xmlns:a14="http://schemas.microsoft.com/office/drawing/2010/main" xmlns="" w="12700">
+                      <a14:hiddenLine xmlns="" xmlns:a14="http://schemas.microsoft.com/office/drawing/2010/main" w="12700">
                         <a:solidFill>
                           <a:srgbClr val="000000"/>
                         </a:solidFill>
@@ -12632,7 +12633,7 @@
                   </a:effectLst>
                   <a:extLst>
                     <a:ext uri="{91240B29-F687-4f45-9708-019B960494DF}">
-                      <a14:hiddenLine xmlns:a14="http://schemas.microsoft.com/office/drawing/2010/main" xmlns="" w="12700">
+                      <a14:hiddenLine xmlns="" xmlns:a14="http://schemas.microsoft.com/office/drawing/2010/main" w="12700">
                         <a:solidFill>
                           <a:srgbClr val="000000"/>
                         </a:solidFill>
@@ -12800,7 +12801,7 @@
                   </a:effectLst>
                   <a:extLst>
                     <a:ext uri="{91240B29-F687-4f45-9708-019B960494DF}">
-                      <a14:hiddenLine xmlns:a14="http://schemas.microsoft.com/office/drawing/2010/main" xmlns="" w="12700">
+                      <a14:hiddenLine xmlns="" xmlns:a14="http://schemas.microsoft.com/office/drawing/2010/main" w="12700">
                         <a:solidFill>
                           <a:srgbClr val="000000"/>
                         </a:solidFill>
@@ -12968,7 +12969,7 @@
                   </a:effectLst>
                   <a:extLst>
                     <a:ext uri="{91240B29-F687-4f45-9708-019B960494DF}">
-                      <a14:hiddenLine xmlns:a14="http://schemas.microsoft.com/office/drawing/2010/main" xmlns="" w="12700">
+                      <a14:hiddenLine xmlns="" xmlns:a14="http://schemas.microsoft.com/office/drawing/2010/main" w="12700">
                         <a:solidFill>
                           <a:srgbClr val="000000"/>
                         </a:solidFill>
@@ -13136,7 +13137,7 @@
                   </a:effectLst>
                   <a:extLst>
                     <a:ext uri="{91240B29-F687-4f45-9708-019B960494DF}">
-                      <a14:hiddenLine xmlns:a14="http://schemas.microsoft.com/office/drawing/2010/main" xmlns="" w="12700">
+                      <a14:hiddenLine xmlns="" xmlns:a14="http://schemas.microsoft.com/office/drawing/2010/main" w="12700">
                         <a:solidFill>
                           <a:srgbClr val="000000"/>
                         </a:solidFill>
@@ -13321,7 +13322,7 @@
                   </a:effectLst>
                   <a:extLst>
                     <a:ext uri="{91240B29-F687-4f45-9708-019B960494DF}">
-                      <a14:hiddenLine xmlns:a14="http://schemas.microsoft.com/office/drawing/2010/main" xmlns="" w="12700">
+                      <a14:hiddenLine xmlns="" xmlns:a14="http://schemas.microsoft.com/office/drawing/2010/main" w="12700">
                         <a:solidFill>
                           <a:srgbClr val="000000"/>
                         </a:solidFill>
@@ -13489,7 +13490,7 @@
                   </a:effectLst>
                   <a:extLst>
                     <a:ext uri="{91240B29-F687-4f45-9708-019B960494DF}">
-                      <a14:hiddenLine xmlns:a14="http://schemas.microsoft.com/office/drawing/2010/main" xmlns="" w="12700">
+                      <a14:hiddenLine xmlns="" xmlns:a14="http://schemas.microsoft.com/office/drawing/2010/main" w="12700">
                         <a:solidFill>
                           <a:srgbClr val="000000"/>
                         </a:solidFill>
@@ -13657,7 +13658,7 @@
                   </a:effectLst>
                   <a:extLst>
                     <a:ext uri="{91240B29-F687-4f45-9708-019B960494DF}">
-                      <a14:hiddenLine xmlns:a14="http://schemas.microsoft.com/office/drawing/2010/main" xmlns="" w="12700">
+                      <a14:hiddenLine xmlns="" xmlns:a14="http://schemas.microsoft.com/office/drawing/2010/main" w="12700">
                         <a:solidFill>
                           <a:srgbClr val="000000"/>
                         </a:solidFill>
@@ -13825,7 +13826,7 @@
                   </a:effectLst>
                   <a:extLst>
                     <a:ext uri="{91240B29-F687-4f45-9708-019B960494DF}">
-                      <a14:hiddenLine xmlns:a14="http://schemas.microsoft.com/office/drawing/2010/main" xmlns="" w="12700">
+                      <a14:hiddenLine xmlns="" xmlns:a14="http://schemas.microsoft.com/office/drawing/2010/main" w="12700">
                         <a:solidFill>
                           <a:srgbClr val="000000"/>
                         </a:solidFill>
@@ -13993,7 +13994,7 @@
                   </a:effectLst>
                   <a:extLst>
                     <a:ext uri="{91240B29-F687-4f45-9708-019B960494DF}">
-                      <a14:hiddenLine xmlns:a14="http://schemas.microsoft.com/office/drawing/2010/main" xmlns="" w="12700">
+                      <a14:hiddenLine xmlns="" xmlns:a14="http://schemas.microsoft.com/office/drawing/2010/main" w="12700">
                         <a:solidFill>
                           <a:srgbClr val="000000"/>
                         </a:solidFill>
@@ -14161,7 +14162,7 @@
                   </a:effectLst>
                   <a:extLst>
                     <a:ext uri="{91240B29-F687-4f45-9708-019B960494DF}">
-                      <a14:hiddenLine xmlns:a14="http://schemas.microsoft.com/office/drawing/2010/main" xmlns="" w="12700">
+                      <a14:hiddenLine xmlns="" xmlns:a14="http://schemas.microsoft.com/office/drawing/2010/main" w="12700">
                         <a:solidFill>
                           <a:srgbClr val="000000"/>
                         </a:solidFill>
@@ -14346,7 +14347,7 @@
                   </a:effectLst>
                   <a:extLst>
                     <a:ext uri="{91240B29-F687-4f45-9708-019B960494DF}">
-                      <a14:hiddenLine xmlns:a14="http://schemas.microsoft.com/office/drawing/2010/main" xmlns="" w="12700">
+                      <a14:hiddenLine xmlns="" xmlns:a14="http://schemas.microsoft.com/office/drawing/2010/main" w="12700">
                         <a:solidFill>
                           <a:srgbClr val="000000"/>
                         </a:solidFill>
@@ -14514,7 +14515,7 @@
                   </a:effectLst>
                   <a:extLst>
                     <a:ext uri="{91240B29-F687-4f45-9708-019B960494DF}">
-                      <a14:hiddenLine xmlns:a14="http://schemas.microsoft.com/office/drawing/2010/main" xmlns="" w="12700">
+                      <a14:hiddenLine xmlns="" xmlns:a14="http://schemas.microsoft.com/office/drawing/2010/main" w="12700">
                         <a:solidFill>
                           <a:srgbClr val="000000"/>
                         </a:solidFill>
@@ -14682,7 +14683,7 @@
                   </a:effectLst>
                   <a:extLst>
                     <a:ext uri="{91240B29-F687-4f45-9708-019B960494DF}">
-                      <a14:hiddenLine xmlns:a14="http://schemas.microsoft.com/office/drawing/2010/main" xmlns="" w="12700">
+                      <a14:hiddenLine xmlns="" xmlns:a14="http://schemas.microsoft.com/office/drawing/2010/main" w="12700">
                         <a:solidFill>
                           <a:srgbClr val="000000"/>
                         </a:solidFill>
@@ -14850,7 +14851,7 @@
                   </a:effectLst>
                   <a:extLst>
                     <a:ext uri="{91240B29-F687-4f45-9708-019B960494DF}">
-                      <a14:hiddenLine xmlns:a14="http://schemas.microsoft.com/office/drawing/2010/main" xmlns="" w="12700">
+                      <a14:hiddenLine xmlns="" xmlns:a14="http://schemas.microsoft.com/office/drawing/2010/main" w="12700">
                         <a:solidFill>
                           <a:srgbClr val="000000"/>
                         </a:solidFill>
@@ -15018,7 +15019,7 @@
                   </a:effectLst>
                   <a:extLst>
                     <a:ext uri="{91240B29-F687-4f45-9708-019B960494DF}">
-                      <a14:hiddenLine xmlns:a14="http://schemas.microsoft.com/office/drawing/2010/main" xmlns="" w="12700">
+                      <a14:hiddenLine xmlns="" xmlns:a14="http://schemas.microsoft.com/office/drawing/2010/main" w="12700">
                         <a:solidFill>
                           <a:srgbClr val="000000"/>
                         </a:solidFill>
@@ -15186,7 +15187,7 @@
                   </a:effectLst>
                   <a:extLst>
                     <a:ext uri="{91240B29-F687-4f45-9708-019B960494DF}">
-                      <a14:hiddenLine xmlns:a14="http://schemas.microsoft.com/office/drawing/2010/main" xmlns="" w="12700">
+                      <a14:hiddenLine xmlns="" xmlns:a14="http://schemas.microsoft.com/office/drawing/2010/main" w="12700">
                         <a:solidFill>
                           <a:srgbClr val="000000"/>
                         </a:solidFill>
@@ -15371,7 +15372,7 @@
                   </a:effectLst>
                   <a:extLst>
                     <a:ext uri="{91240B29-F687-4f45-9708-019B960494DF}">
-                      <a14:hiddenLine xmlns:a14="http://schemas.microsoft.com/office/drawing/2010/main" xmlns="" w="12700">
+                      <a14:hiddenLine xmlns="" xmlns:a14="http://schemas.microsoft.com/office/drawing/2010/main" w="12700">
                         <a:solidFill>
                           <a:srgbClr val="000000"/>
                         </a:solidFill>
@@ -15539,7 +15540,7 @@
                   </a:effectLst>
                   <a:extLst>
                     <a:ext uri="{91240B29-F687-4f45-9708-019B960494DF}">
-                      <a14:hiddenLine xmlns:a14="http://schemas.microsoft.com/office/drawing/2010/main" xmlns="" w="12700">
+                      <a14:hiddenLine xmlns="" xmlns:a14="http://schemas.microsoft.com/office/drawing/2010/main" w="12700">
                         <a:solidFill>
                           <a:srgbClr val="000000"/>
                         </a:solidFill>
@@ -15707,7 +15708,7 @@
                   </a:effectLst>
                   <a:extLst>
                     <a:ext uri="{91240B29-F687-4f45-9708-019B960494DF}">
-                      <a14:hiddenLine xmlns:a14="http://schemas.microsoft.com/office/drawing/2010/main" xmlns="" w="12700">
+                      <a14:hiddenLine xmlns="" xmlns:a14="http://schemas.microsoft.com/office/drawing/2010/main" w="12700">
                         <a:solidFill>
                           <a:srgbClr val="000000"/>
                         </a:solidFill>
@@ -15875,7 +15876,7 @@
                   </a:effectLst>
                   <a:extLst>
                     <a:ext uri="{91240B29-F687-4f45-9708-019B960494DF}">
-                      <a14:hiddenLine xmlns:a14="http://schemas.microsoft.com/office/drawing/2010/main" xmlns="" w="12700">
+                      <a14:hiddenLine xmlns="" xmlns:a14="http://schemas.microsoft.com/office/drawing/2010/main" w="12700">
                         <a:solidFill>
                           <a:srgbClr val="000000"/>
                         </a:solidFill>
@@ -16043,7 +16044,7 @@
                   </a:effectLst>
                   <a:extLst>
                     <a:ext uri="{91240B29-F687-4f45-9708-019B960494DF}">
-                      <a14:hiddenLine xmlns:a14="http://schemas.microsoft.com/office/drawing/2010/main" xmlns="" w="12700">
+                      <a14:hiddenLine xmlns="" xmlns:a14="http://schemas.microsoft.com/office/drawing/2010/main" w="12700">
                         <a:solidFill>
                           <a:srgbClr val="000000"/>
                         </a:solidFill>
@@ -16211,7 +16212,7 @@
                   </a:effectLst>
                   <a:extLst>
                     <a:ext uri="{91240B29-F687-4f45-9708-019B960494DF}">
-                      <a14:hiddenLine xmlns:a14="http://schemas.microsoft.com/office/drawing/2010/main" xmlns="" w="12700">
+                      <a14:hiddenLine xmlns="" xmlns:a14="http://schemas.microsoft.com/office/drawing/2010/main" w="12700">
                         <a:solidFill>
                           <a:srgbClr val="000000"/>
                         </a:solidFill>
@@ -16396,7 +16397,7 @@
                   </a:effectLst>
                   <a:extLst>
                     <a:ext uri="{91240B29-F687-4f45-9708-019B960494DF}">
-                      <a14:hiddenLine xmlns:a14="http://schemas.microsoft.com/office/drawing/2010/main" xmlns="" w="12700">
+                      <a14:hiddenLine xmlns="" xmlns:a14="http://schemas.microsoft.com/office/drawing/2010/main" w="12700">
                         <a:solidFill>
                           <a:srgbClr val="000000"/>
                         </a:solidFill>
@@ -16564,7 +16565,7 @@
                   </a:effectLst>
                   <a:extLst>
                     <a:ext uri="{91240B29-F687-4f45-9708-019B960494DF}">
-                      <a14:hiddenLine xmlns:a14="http://schemas.microsoft.com/office/drawing/2010/main" xmlns="" w="12700">
+                      <a14:hiddenLine xmlns="" xmlns:a14="http://schemas.microsoft.com/office/drawing/2010/main" w="12700">
                         <a:solidFill>
                           <a:srgbClr val="000000"/>
                         </a:solidFill>
@@ -16732,7 +16733,7 @@
                   </a:effectLst>
                   <a:extLst>
                     <a:ext uri="{91240B29-F687-4f45-9708-019B960494DF}">
-                      <a14:hiddenLine xmlns:a14="http://schemas.microsoft.com/office/drawing/2010/main" xmlns="" w="12700">
+                      <a14:hiddenLine xmlns="" xmlns:a14="http://schemas.microsoft.com/office/drawing/2010/main" w="12700">
                         <a:solidFill>
                           <a:srgbClr val="000000"/>
                         </a:solidFill>
@@ -16900,7 +16901,7 @@
                   </a:effectLst>
                   <a:extLst>
                     <a:ext uri="{91240B29-F687-4f45-9708-019B960494DF}">
-                      <a14:hiddenLine xmlns:a14="http://schemas.microsoft.com/office/drawing/2010/main" xmlns="" w="12700">
+                      <a14:hiddenLine xmlns="" xmlns:a14="http://schemas.microsoft.com/office/drawing/2010/main" w="12700">
                         <a:solidFill>
                           <a:srgbClr val="000000"/>
                         </a:solidFill>
@@ -17068,7 +17069,7 @@
                   </a:effectLst>
                   <a:extLst>
                     <a:ext uri="{91240B29-F687-4f45-9708-019B960494DF}">
-                      <a14:hiddenLine xmlns:a14="http://schemas.microsoft.com/office/drawing/2010/main" xmlns="" w="12700">
+                      <a14:hiddenLine xmlns="" xmlns:a14="http://schemas.microsoft.com/office/drawing/2010/main" w="12700">
                         <a:solidFill>
                           <a:srgbClr val="000000"/>
                         </a:solidFill>
@@ -17236,7 +17237,7 @@
                   </a:effectLst>
                   <a:extLst>
                     <a:ext uri="{91240B29-F687-4f45-9708-019B960494DF}">
-                      <a14:hiddenLine xmlns:a14="http://schemas.microsoft.com/office/drawing/2010/main" xmlns="" w="12700">
+                      <a14:hiddenLine xmlns="" xmlns:a14="http://schemas.microsoft.com/office/drawing/2010/main" w="12700">
                         <a:solidFill>
                           <a:srgbClr val="000000"/>
                         </a:solidFill>
@@ -17421,7 +17422,7 @@
                   </a:effectLst>
                   <a:extLst>
                     <a:ext uri="{91240B29-F687-4f45-9708-019B960494DF}">
-                      <a14:hiddenLine xmlns:a14="http://schemas.microsoft.com/office/drawing/2010/main" xmlns="" w="12700">
+                      <a14:hiddenLine xmlns="" xmlns:a14="http://schemas.microsoft.com/office/drawing/2010/main" w="12700">
                         <a:solidFill>
                           <a:srgbClr val="000000"/>
                         </a:solidFill>
@@ -17589,7 +17590,7 @@
                   </a:effectLst>
                   <a:extLst>
                     <a:ext uri="{91240B29-F687-4f45-9708-019B960494DF}">
-                      <a14:hiddenLine xmlns:a14="http://schemas.microsoft.com/office/drawing/2010/main" xmlns="" w="12700">
+                      <a14:hiddenLine xmlns="" xmlns:a14="http://schemas.microsoft.com/office/drawing/2010/main" w="12700">
                         <a:solidFill>
                           <a:srgbClr val="000000"/>
                         </a:solidFill>
@@ -17757,7 +17758,7 @@
                   </a:effectLst>
                   <a:extLst>
                     <a:ext uri="{91240B29-F687-4f45-9708-019B960494DF}">
-                      <a14:hiddenLine xmlns:a14="http://schemas.microsoft.com/office/drawing/2010/main" xmlns="" w="12700">
+                      <a14:hiddenLine xmlns="" xmlns:a14="http://schemas.microsoft.com/office/drawing/2010/main" w="12700">
                         <a:solidFill>
                           <a:srgbClr val="000000"/>
                         </a:solidFill>
@@ -17925,7 +17926,7 @@
                   </a:effectLst>
                   <a:extLst>
                     <a:ext uri="{91240B29-F687-4f45-9708-019B960494DF}">
-                      <a14:hiddenLine xmlns:a14="http://schemas.microsoft.com/office/drawing/2010/main" xmlns="" w="12700">
+                      <a14:hiddenLine xmlns="" xmlns:a14="http://schemas.microsoft.com/office/drawing/2010/main" w="12700">
                         <a:solidFill>
                           <a:srgbClr val="000000"/>
                         </a:solidFill>
@@ -18093,7 +18094,7 @@
                   </a:effectLst>
                   <a:extLst>
                     <a:ext uri="{91240B29-F687-4f45-9708-019B960494DF}">
-                      <a14:hiddenLine xmlns:a14="http://schemas.microsoft.com/office/drawing/2010/main" xmlns="" w="12700">
+                      <a14:hiddenLine xmlns="" xmlns:a14="http://schemas.microsoft.com/office/drawing/2010/main" w="12700">
                         <a:solidFill>
                           <a:srgbClr val="000000"/>
                         </a:solidFill>
@@ -18261,7 +18262,7 @@
                   </a:effectLst>
                   <a:extLst>
                     <a:ext uri="{91240B29-F687-4f45-9708-019B960494DF}">
-                      <a14:hiddenLine xmlns:a14="http://schemas.microsoft.com/office/drawing/2010/main" xmlns="" w="12700">
+                      <a14:hiddenLine xmlns="" xmlns:a14="http://schemas.microsoft.com/office/drawing/2010/main" w="12700">
                         <a:solidFill>
                           <a:srgbClr val="000000"/>
                         </a:solidFill>
@@ -18446,7 +18447,7 @@
                   </a:effectLst>
                   <a:extLst>
                     <a:ext uri="{91240B29-F687-4f45-9708-019B960494DF}">
-                      <a14:hiddenLine xmlns:a14="http://schemas.microsoft.com/office/drawing/2010/main" xmlns="" w="12700">
+                      <a14:hiddenLine xmlns="" xmlns:a14="http://schemas.microsoft.com/office/drawing/2010/main" w="12700">
                         <a:solidFill>
                           <a:srgbClr val="000000"/>
                         </a:solidFill>
@@ -18614,7 +18615,7 @@
                   </a:effectLst>
                   <a:extLst>
                     <a:ext uri="{91240B29-F687-4f45-9708-019B960494DF}">
-                      <a14:hiddenLine xmlns:a14="http://schemas.microsoft.com/office/drawing/2010/main" xmlns="" w="12700">
+                      <a14:hiddenLine xmlns="" xmlns:a14="http://schemas.microsoft.com/office/drawing/2010/main" w="12700">
                         <a:solidFill>
                           <a:srgbClr val="000000"/>
                         </a:solidFill>
@@ -18782,7 +18783,7 @@
                   </a:effectLst>
                   <a:extLst>
                     <a:ext uri="{91240B29-F687-4f45-9708-019B960494DF}">
-                      <a14:hiddenLine xmlns:a14="http://schemas.microsoft.com/office/drawing/2010/main" xmlns="" w="12700">
+                      <a14:hiddenLine xmlns="" xmlns:a14="http://schemas.microsoft.com/office/drawing/2010/main" w="12700">
                         <a:solidFill>
                           <a:srgbClr val="000000"/>
                         </a:solidFill>
@@ -18950,7 +18951,7 @@
                   </a:effectLst>
                   <a:extLst>
                     <a:ext uri="{91240B29-F687-4f45-9708-019B960494DF}">
-                      <a14:hiddenLine xmlns:a14="http://schemas.microsoft.com/office/drawing/2010/main" xmlns="" w="12700">
+                      <a14:hiddenLine xmlns="" xmlns:a14="http://schemas.microsoft.com/office/drawing/2010/main" w="12700">
                         <a:solidFill>
                           <a:srgbClr val="000000"/>
                         </a:solidFill>
@@ -19118,7 +19119,7 @@
                   </a:effectLst>
                   <a:extLst>
                     <a:ext uri="{91240B29-F687-4f45-9708-019B960494DF}">
-                      <a14:hiddenLine xmlns:a14="http://schemas.microsoft.com/office/drawing/2010/main" xmlns="" w="12700">
+                      <a14:hiddenLine xmlns="" xmlns:a14="http://schemas.microsoft.com/office/drawing/2010/main" w="12700">
                         <a:solidFill>
                           <a:srgbClr val="000000"/>
                         </a:solidFill>
@@ -19286,7 +19287,7 @@
                   </a:effectLst>
                   <a:extLst>
                     <a:ext uri="{91240B29-F687-4f45-9708-019B960494DF}">
-                      <a14:hiddenLine xmlns:a14="http://schemas.microsoft.com/office/drawing/2010/main" xmlns="" w="12700">
+                      <a14:hiddenLine xmlns="" xmlns:a14="http://schemas.microsoft.com/office/drawing/2010/main" w="12700">
                         <a:solidFill>
                           <a:srgbClr val="000000"/>
                         </a:solidFill>
@@ -19471,7 +19472,7 @@
                   </a:effectLst>
                   <a:extLst>
                     <a:ext uri="{91240B29-F687-4f45-9708-019B960494DF}">
-                      <a14:hiddenLine xmlns:a14="http://schemas.microsoft.com/office/drawing/2010/main" xmlns="" w="12700">
+                      <a14:hiddenLine xmlns="" xmlns:a14="http://schemas.microsoft.com/office/drawing/2010/main" w="12700">
                         <a:solidFill>
                           <a:srgbClr val="000000"/>
                         </a:solidFill>
@@ -19639,7 +19640,7 @@
                   </a:effectLst>
                   <a:extLst>
                     <a:ext uri="{91240B29-F687-4f45-9708-019B960494DF}">
-                      <a14:hiddenLine xmlns:a14="http://schemas.microsoft.com/office/drawing/2010/main" xmlns="" w="12700">
+                      <a14:hiddenLine xmlns="" xmlns:a14="http://schemas.microsoft.com/office/drawing/2010/main" w="12700">
                         <a:solidFill>
                           <a:srgbClr val="000000"/>
                         </a:solidFill>
@@ -19807,7 +19808,7 @@
                   </a:effectLst>
                   <a:extLst>
                     <a:ext uri="{91240B29-F687-4f45-9708-019B960494DF}">
-                      <a14:hiddenLine xmlns:a14="http://schemas.microsoft.com/office/drawing/2010/main" xmlns="" w="12700">
+                      <a14:hiddenLine xmlns="" xmlns:a14="http://schemas.microsoft.com/office/drawing/2010/main" w="12700">
                         <a:solidFill>
                           <a:srgbClr val="000000"/>
                         </a:solidFill>
@@ -19975,7 +19976,7 @@
                   </a:effectLst>
                   <a:extLst>
                     <a:ext uri="{91240B29-F687-4f45-9708-019B960494DF}">
-                      <a14:hiddenLine xmlns:a14="http://schemas.microsoft.com/office/drawing/2010/main" xmlns="" w="12700">
+                      <a14:hiddenLine xmlns="" xmlns:a14="http://schemas.microsoft.com/office/drawing/2010/main" w="12700">
                         <a:solidFill>
                           <a:srgbClr val="000000"/>
                         </a:solidFill>
@@ -20143,7 +20144,7 @@
                   </a:effectLst>
                   <a:extLst>
                     <a:ext uri="{91240B29-F687-4f45-9708-019B960494DF}">
-                      <a14:hiddenLine xmlns:a14="http://schemas.microsoft.com/office/drawing/2010/main" xmlns="" w="12700">
+                      <a14:hiddenLine xmlns="" xmlns:a14="http://schemas.microsoft.com/office/drawing/2010/main" w="12700">
                         <a:solidFill>
                           <a:srgbClr val="000000"/>
                         </a:solidFill>
@@ -20311,7 +20312,7 @@
                   </a:effectLst>
                   <a:extLst>
                     <a:ext uri="{91240B29-F687-4f45-9708-019B960494DF}">
-                      <a14:hiddenLine xmlns:a14="http://schemas.microsoft.com/office/drawing/2010/main" xmlns="" w="12700">
+                      <a14:hiddenLine xmlns="" xmlns:a14="http://schemas.microsoft.com/office/drawing/2010/main" w="12700">
                         <a:solidFill>
                           <a:srgbClr val="000000"/>
                         </a:solidFill>
@@ -20634,14 +20635,14 @@
           </a:ln>
           <a:extLst>
             <a:ext uri="{909E8E84-426E-40dd-AFC4-6F175D3DCCD1}">
-              <a14:hiddenFill xmlns:a14="http://schemas.microsoft.com/office/drawing/2010/main" xmlns="">
+              <a14:hiddenFill xmlns="" xmlns:a14="http://schemas.microsoft.com/office/drawing/2010/main">
                 <a:solidFill>
                   <a:srgbClr val="FFFFFF"/>
                 </a:solidFill>
               </a14:hiddenFill>
             </a:ext>
             <a:ext uri="{91240B29-F687-4f45-9708-019B960494DF}">
-              <a14:hiddenLine xmlns:a14="http://schemas.microsoft.com/office/drawing/2010/main" xmlns="" w="12700">
+              <a14:hiddenLine xmlns="" xmlns:a14="http://schemas.microsoft.com/office/drawing/2010/main" w="12700">
                 <a:solidFill>
                   <a:srgbClr val="000000"/>
                 </a:solidFill>
@@ -20692,14 +20693,14 @@
           </a:ln>
           <a:extLst>
             <a:ext uri="{909E8E84-426E-40dd-AFC4-6F175D3DCCD1}">
-              <a14:hiddenFill xmlns:a14="http://schemas.microsoft.com/office/drawing/2010/main" xmlns="">
+              <a14:hiddenFill xmlns="" xmlns:a14="http://schemas.microsoft.com/office/drawing/2010/main">
                 <a:solidFill>
                   <a:srgbClr val="FFFFFF"/>
                 </a:solidFill>
               </a14:hiddenFill>
             </a:ext>
             <a:ext uri="{91240B29-F687-4f45-9708-019B960494DF}">
-              <a14:hiddenLine xmlns:a14="http://schemas.microsoft.com/office/drawing/2010/main" xmlns="" w="12700">
+              <a14:hiddenLine xmlns="" xmlns:a14="http://schemas.microsoft.com/office/drawing/2010/main" w="12700">
                 <a:solidFill>
                   <a:srgbClr val="000000"/>
                 </a:solidFill>
@@ -20789,14 +20790,14 @@
           </a:ln>
           <a:extLst>
             <a:ext uri="{909E8E84-426E-40dd-AFC4-6F175D3DCCD1}">
-              <a14:hiddenFill xmlns:a14="http://schemas.microsoft.com/office/drawing/2010/main" xmlns="">
+              <a14:hiddenFill xmlns="" xmlns:a14="http://schemas.microsoft.com/office/drawing/2010/main">
                 <a:solidFill>
                   <a:srgbClr val="FFFFFF"/>
                 </a:solidFill>
               </a14:hiddenFill>
             </a:ext>
             <a:ext uri="{91240B29-F687-4f45-9708-019B960494DF}">
-              <a14:hiddenLine xmlns:a14="http://schemas.microsoft.com/office/drawing/2010/main" xmlns="" w="12700">
+              <a14:hiddenLine xmlns="" xmlns:a14="http://schemas.microsoft.com/office/drawing/2010/main" w="12700">
                 <a:solidFill>
                   <a:srgbClr val="000000"/>
                 </a:solidFill>
@@ -21311,12 +21312,12 @@
         <p:spPr>
           <a:xfrm>
             <a:off x="827584" y="3886200"/>
-            <a:ext cx="7488832" cy="1752600"/>
+            <a:ext cx="7488832" cy="1991072"/>
           </a:xfrm>
         </p:spPr>
         <p:txBody>
           <a:bodyPr>
-            <a:normAutofit/>
+            <a:normAutofit fontScale="92500" lnSpcReduction="10000"/>
           </a:bodyPr>
           <a:lstStyle/>
           <a:p>
@@ -21349,6 +21350,12 @@
             </a:endParaRPr>
           </a:p>
           <a:p>
+            <a:r>
+              <a:rPr lang="en-US" sz="2000" dirty="0" smtClean="0">
+                <a:latin typeface="Calibri Light" panose="020F0302020204030204" pitchFamily="34" charset="0"/>
+              </a:rPr>
+              <a:t>Chairs</a:t>
+            </a:r>
             <a:endParaRPr lang="en-US" sz="2000" dirty="0">
               <a:latin typeface="Calibri Light" panose="020F0302020204030204" pitchFamily="34" charset="0"/>
             </a:endParaRPr>
@@ -21370,10 +21377,16 @@
               <a:rPr lang="en-US" sz="2000" dirty="0">
                 <a:latin typeface="Calibri Light" panose="020F0302020204030204" pitchFamily="34" charset="0"/>
               </a:rPr>
-              <a:t> (</a:t>
-            </a:r>
-            <a:r>
-              <a:rPr lang="en-US" sz="2000" dirty="0">
+              <a:t> </a:t>
+            </a:r>
+            <a:r>
+              <a:rPr lang="en-US" sz="2000" dirty="0" smtClean="0">
+                <a:latin typeface="Calibri Light" panose="020F0302020204030204" pitchFamily="34" charset="0"/>
+              </a:rPr>
+              <a:t>( </a:t>
+            </a:r>
+            <a:r>
+              <a:rPr lang="en-US" sz="2000" dirty="0" smtClean="0">
                 <a:latin typeface="Calibri Light" panose="020F0302020204030204" pitchFamily="34" charset="0"/>
                 <a:hlinkClick r:id="rId2"/>
               </a:rPr>
@@ -21383,8 +21396,11 @@
               <a:rPr lang="en-US" sz="2000" dirty="0" smtClean="0">
                 <a:latin typeface="Calibri Light" panose="020F0302020204030204" pitchFamily="34" charset="0"/>
               </a:rPr>
-              <a:t>)</a:t>
-            </a:r>
+              <a:t> )</a:t>
+            </a:r>
+            <a:endParaRPr lang="en-US" sz="2000" dirty="0" smtClean="0">
+              <a:latin typeface="Calibri Light" panose="020F0302020204030204" pitchFamily="34" charset="0"/>
+            </a:endParaRPr>
           </a:p>
           <a:p>
             <a:r>
@@ -21409,11 +21425,17 @@
               <a:rPr lang="en-US" sz="2000" dirty="0" smtClean="0">
                 <a:latin typeface="Calibri Light" panose="020F0302020204030204" pitchFamily="34" charset="0"/>
               </a:rPr>
-              <a:t> (</a:t>
+              <a:t> </a:t>
             </a:r>
             <a:r>
               <a:rPr lang="en-US" sz="2000" dirty="0" smtClean="0">
                 <a:latin typeface="Calibri Light" panose="020F0302020204030204" pitchFamily="34" charset="0"/>
+              </a:rPr>
+              <a:t>( </a:t>
+            </a:r>
+            <a:r>
+              <a:rPr lang="en-US" sz="2000" dirty="0" smtClean="0">
+                <a:latin typeface="Calibri Light" panose="020F0302020204030204" pitchFamily="34" charset="0"/>
                 <a:hlinkClick r:id="rId3"/>
               </a:rPr>
               <a:t>dhruv.ietf@gmail.com</a:t>
@@ -21422,7 +21444,54 @@
               <a:rPr lang="en-US" sz="2000" dirty="0" smtClean="0">
                 <a:latin typeface="Calibri Light" panose="020F0302020204030204" pitchFamily="34" charset="0"/>
               </a:rPr>
-              <a:t>)</a:t>
+              <a:t> )</a:t>
+            </a:r>
+          </a:p>
+          <a:p>
+            <a:r>
+              <a:rPr lang="en-US" sz="2000" dirty="0" smtClean="0">
+                <a:latin typeface="Calibri Light" panose="020F0302020204030204" pitchFamily="34" charset="0"/>
+              </a:rPr>
+              <a:t>Secretary</a:t>
+            </a:r>
+          </a:p>
+          <a:p>
+            <a:r>
+              <a:rPr lang="en-US" sz="2000" dirty="0" err="1" smtClean="0">
+                <a:latin typeface="Calibri Light" panose="020F0302020204030204" pitchFamily="34" charset="0"/>
+              </a:rPr>
+              <a:t>Hariharan</a:t>
+            </a:r>
+            <a:r>
+              <a:rPr lang="en-US" sz="2000" dirty="0" smtClean="0">
+                <a:latin typeface="Calibri Light" panose="020F0302020204030204" pitchFamily="34" charset="0"/>
+              </a:rPr>
+              <a:t> </a:t>
+            </a:r>
+            <a:r>
+              <a:rPr lang="en-US" sz="2000" dirty="0" err="1" smtClean="0">
+                <a:latin typeface="Calibri Light" panose="020F0302020204030204" pitchFamily="34" charset="0"/>
+              </a:rPr>
+              <a:t>Ananthakrishnan</a:t>
+            </a:r>
+            <a:r>
+              <a:rPr lang="en-US" sz="2000" dirty="0" smtClean="0">
+                <a:latin typeface="Calibri Light" panose="020F0302020204030204" pitchFamily="34" charset="0"/>
+              </a:rPr>
+              <a:t> ( </a:t>
+            </a:r>
+            <a:r>
+              <a:rPr lang="en-US" sz="2000" dirty="0" smtClean="0">
+                <a:latin typeface="Calibri Light" panose="020F0302020204030204" pitchFamily="34" charset="0"/>
+                <a:hlinkClick r:id="rId4"/>
+              </a:rPr>
+              <a:t>hari@netfix.com</a:t>
+            </a:r>
+            <a:r>
+              <a:rPr lang="en-US" sz="2000" dirty="0" smtClean="0">
+                <a:latin typeface="Calibri Light" panose="020F0302020204030204" pitchFamily="34" charset="0"/>
+              </a:rPr>
+              <a:t> )</a:t>
             </a:r>
             <a:endParaRPr lang="en-US" sz="2000" dirty="0" smtClean="0">
               <a:latin typeface="Calibri Light" panose="020F0302020204030204" pitchFamily="34" charset="0"/>
@@ -21651,13 +21720,7 @@
               <a:rPr lang="en-US" sz="2100" dirty="0" smtClean="0">
                 <a:latin typeface="Calibri Light" panose="020F0302020204030204" pitchFamily="34" charset="0"/>
               </a:rPr>
-              <a:t>(Cluster </a:t>
-            </a:r>
-            <a:r>
-              <a:rPr lang="en-US" sz="2100" dirty="0" smtClean="0">
-                <a:latin typeface="Calibri Light" panose="020F0302020204030204" pitchFamily="34" charset="0"/>
-              </a:rPr>
-              <a:t>C340</a:t>
+              <a:t>(Cluster C340</a:t>
             </a:r>
             <a:r>
               <a:rPr lang="en-US" sz="2100" dirty="0">
@@ -21665,9 +21728,6 @@
               </a:rPr>
               <a:t>, AUTH48-DONE)</a:t>
             </a:r>
-            <a:endParaRPr lang="en-US" sz="2100" dirty="0">
-              <a:latin typeface="Calibri Light" panose="020F0302020204030204" pitchFamily="34" charset="0"/>
-            </a:endParaRPr>
           </a:p>
           <a:p>
             <a:pPr lvl="1"/>
@@ -22227,7 +22287,19 @@
               <a:rPr lang="en-US" sz="2100" dirty="0" smtClean="0">
                 <a:latin typeface="Calibri Light" panose="020F0302020204030204" pitchFamily="34" charset="0"/>
               </a:rPr>
-              <a:t>(DISCUSS is cleared, last pending comments)</a:t>
+              <a:t>(DISCUSS is cleared, </a:t>
+            </a:r>
+            <a:r>
+              <a:rPr lang="en-US" sz="2100" dirty="0" smtClean="0">
+                <a:latin typeface="Calibri Light" panose="020F0302020204030204" pitchFamily="34" charset="0"/>
+              </a:rPr>
+              <a:t>last few </a:t>
+            </a:r>
+            <a:r>
+              <a:rPr lang="en-US" sz="2100" dirty="0" smtClean="0">
+                <a:latin typeface="Calibri Light" panose="020F0302020204030204" pitchFamily="34" charset="0"/>
+              </a:rPr>
+              <a:t>pending comments)</a:t>
             </a:r>
           </a:p>
           <a:p>
@@ -22491,12 +22563,12 @@
       </p:grpSpPr>
       <p:sp>
         <p:nvSpPr>
-          <p:cNvPr id="4" name="Titre 3"/>
+          <p:cNvPr id="2" name="Title 1"/>
           <p:cNvSpPr>
             <a:spLocks noGrp="1"/>
           </p:cNvSpPr>
           <p:nvPr>
-            <p:ph type="ctrTitle"/>
+            <p:ph type="title"/>
           </p:nvPr>
         </p:nvSpPr>
         <p:spPr/>
@@ -22505,21 +22577,156 @@
           <a:lstStyle/>
           <a:p>
             <a:r>
-              <a:rPr lang="en-US" dirty="0" smtClean="0"/>
-              <a:t>Status of WG I-Ds &amp; Next Steps</a:t>
-            </a:r>
-            <a:endParaRPr lang="en-US" dirty="0"/>
+              <a:rPr lang="en-IN" dirty="0"/>
+              <a:t>Liaisons and Communications</a:t>
+            </a:r>
           </a:p>
         </p:txBody>
       </p:sp>
       <p:sp>
         <p:nvSpPr>
-          <p:cNvPr id="5" name="Sous-titre 4"/>
+          <p:cNvPr id="3" name="Content Placeholder 2"/>
           <p:cNvSpPr>
             <a:spLocks noGrp="1"/>
           </p:cNvSpPr>
           <p:nvPr>
-            <p:ph type="subTitle" idx="1"/>
+            <p:ph idx="1"/>
+          </p:nvPr>
+        </p:nvSpPr>
+        <p:spPr/>
+        <p:txBody>
+          <a:bodyPr>
+            <a:normAutofit/>
+          </a:bodyPr>
+          <a:lstStyle/>
+          <a:p>
+            <a:r>
+              <a:rPr lang="en-US" sz="2600" dirty="0" smtClean="0">
+                <a:latin typeface="Calibri Light" panose="020F0302020204030204" pitchFamily="34" charset="0"/>
+              </a:rPr>
+              <a:t>Outgoing:</a:t>
+            </a:r>
+          </a:p>
+          <a:p>
+            <a:pPr lvl="1"/>
+            <a:r>
+              <a:rPr lang="en-US" sz="2300" dirty="0" smtClean="0">
+                <a:latin typeface="Calibri Light" panose="020F0302020204030204" pitchFamily="34" charset="0"/>
+              </a:rPr>
+              <a:t>none</a:t>
+            </a:r>
+          </a:p>
+          <a:p>
+            <a:r>
+              <a:rPr lang="en-US" sz="2600" dirty="0" smtClean="0">
+                <a:latin typeface="Calibri Light" panose="020F0302020204030204" pitchFamily="34" charset="0"/>
+              </a:rPr>
+              <a:t>Incoming</a:t>
+            </a:r>
+            <a:r>
+              <a:rPr lang="en-US" sz="2600" dirty="0">
+                <a:latin typeface="Calibri Light" panose="020F0302020204030204" pitchFamily="34" charset="0"/>
+              </a:rPr>
+              <a:t>: </a:t>
+            </a:r>
+          </a:p>
+          <a:p>
+            <a:pPr lvl="1"/>
+            <a:r>
+              <a:rPr lang="en-US" sz="2300" dirty="0" smtClean="0">
+                <a:latin typeface="Calibri Light" panose="020F0302020204030204" pitchFamily="34" charset="0"/>
+              </a:rPr>
+              <a:t>ITU-T-SG-15 </a:t>
+            </a:r>
+            <a:r>
+              <a:rPr lang="en-US" sz="2300" dirty="0">
+                <a:latin typeface="Calibri Light" panose="020F0302020204030204" pitchFamily="34" charset="0"/>
+              </a:rPr>
+              <a:t>- LS </a:t>
+            </a:r>
+            <a:endParaRPr lang="en-US" sz="2300" dirty="0" smtClean="0">
+              <a:latin typeface="Calibri Light" panose="020F0302020204030204" pitchFamily="34" charset="0"/>
+            </a:endParaRPr>
+          </a:p>
+          <a:p>
+            <a:pPr lvl="1"/>
+            <a:r>
+              <a:rPr lang="en-US" sz="2300" dirty="0">
+                <a:latin typeface="Calibri Light" panose="020F0302020204030204" pitchFamily="34" charset="0"/>
+              </a:rPr>
+              <a:t>2019-10-02 </a:t>
+            </a:r>
+          </a:p>
+          <a:p>
+            <a:pPr lvl="1"/>
+            <a:r>
+              <a:rPr lang="en-US" sz="2300" dirty="0">
+                <a:latin typeface="Calibri Light" panose="020F0302020204030204" pitchFamily="34" charset="0"/>
+              </a:rPr>
+              <a:t>LS on OTNT Standardization Work Plan</a:t>
+            </a:r>
+          </a:p>
+          <a:p>
+            <a:pPr lvl="1"/>
+            <a:r>
+              <a:rPr lang="en-US" sz="2300" dirty="0" smtClean="0">
+                <a:latin typeface="Calibri Light" panose="020F0302020204030204" pitchFamily="34" charset="0"/>
+              </a:rPr>
+              <a:t>Deadline </a:t>
+            </a:r>
+            <a:r>
+              <a:rPr lang="en-US" sz="2300" dirty="0">
+                <a:latin typeface="Calibri Light" panose="020F0302020204030204" pitchFamily="34" charset="0"/>
+              </a:rPr>
+              <a:t>for response </a:t>
+            </a:r>
+            <a:r>
+              <a:rPr lang="en-US" sz="2300" dirty="0" smtClean="0">
+                <a:latin typeface="Calibri Light" panose="020F0302020204030204" pitchFamily="34" charset="0"/>
+              </a:rPr>
+              <a:t>2020-01-06</a:t>
+            </a:r>
+          </a:p>
+          <a:p>
+            <a:pPr lvl="1"/>
+            <a:r>
+              <a:rPr lang="en-US" sz="2300" dirty="0" smtClean="0">
+                <a:latin typeface="Calibri Light" panose="020F0302020204030204" pitchFamily="34" charset="0"/>
+              </a:rPr>
+              <a:t>To CCAMP</a:t>
+            </a:r>
+            <a:r>
+              <a:rPr lang="en-US" sz="2300" dirty="0">
+                <a:latin typeface="Calibri Light" panose="020F0302020204030204" pitchFamily="34" charset="0"/>
+              </a:rPr>
+              <a:t>, MPLS, PALS, PCE, TEAS </a:t>
+            </a:r>
+            <a:endParaRPr lang="en-US" sz="2300" dirty="0" smtClean="0">
+              <a:latin typeface="Calibri Light" panose="020F0302020204030204" pitchFamily="34" charset="0"/>
+            </a:endParaRPr>
+          </a:p>
+          <a:p>
+            <a:pPr lvl="1"/>
+            <a:r>
+              <a:rPr lang="en-US" sz="2300" dirty="0">
+                <a:latin typeface="Calibri Light" panose="020F0302020204030204" pitchFamily="34" charset="0"/>
+              </a:rPr>
+              <a:t>Scott Mansfield is responsible for compiling an answer with inputs from relevant WGs.</a:t>
+            </a:r>
+            <a:endParaRPr lang="en-IN" sz="2300" dirty="0">
+              <a:latin typeface="Calibri Light" panose="020F0302020204030204" pitchFamily="34" charset="0"/>
+            </a:endParaRPr>
+          </a:p>
+        </p:txBody>
+      </p:sp>
+      <p:sp>
+        <p:nvSpPr>
+          <p:cNvPr id="4" name="Footer Placeholder 3"/>
+          <p:cNvSpPr>
+            <a:spLocks noGrp="1"/>
+          </p:cNvSpPr>
+          <p:nvPr>
+            <p:ph type="ftr" sz="quarter" idx="11"/>
           </p:nvPr>
         </p:nvSpPr>
         <p:spPr/>
@@ -22527,6 +22734,33 @@
           <a:bodyPr/>
           <a:lstStyle/>
           <a:p>
+            <a:r>
+              <a:rPr lang="en-US" smtClean="0"/>
+              <a:t>PCE WG @ IETF 106, Singapore</a:t>
+            </a:r>
+            <a:endParaRPr lang="en-US"/>
+          </a:p>
+        </p:txBody>
+      </p:sp>
+      <p:sp>
+        <p:nvSpPr>
+          <p:cNvPr id="5" name="Slide Number Placeholder 4"/>
+          <p:cNvSpPr>
+            <a:spLocks noGrp="1"/>
+          </p:cNvSpPr>
+          <p:nvPr>
+            <p:ph type="sldNum" sz="quarter" idx="12"/>
+          </p:nvPr>
+        </p:nvSpPr>
+        <p:spPr/>
+        <p:txBody>
+          <a:bodyPr/>
+          <a:lstStyle/>
+          <a:p>
+            <a:fld id="{B46CAD5C-20D6-4792-892D-3D51AC2D7322}" type="slidenum">
+              <a:rPr lang="en-US" smtClean="0"/>
+              <a:t>13</a:t>
+            </a:fld>
             <a:endParaRPr lang="en-US"/>
           </a:p>
         </p:txBody>
@@ -22534,7 +22768,7 @@
     </p:spTree>
     <p:extLst>
       <p:ext uri="{BB962C8B-B14F-4D97-AF65-F5344CB8AC3E}">
-        <p14:creationId xmlns:p14="http://schemas.microsoft.com/office/powerpoint/2010/main" val="4195372733"/>
+        <p14:creationId xmlns:p14="http://schemas.microsoft.com/office/powerpoint/2010/main" val="1897932831"/>
       </p:ext>
     </p:extLst>
   </p:cSld>
@@ -22563,239 +22797,12 @@
       </p:grpSpPr>
       <p:sp>
         <p:nvSpPr>
-          <p:cNvPr id="2" name="Titre 1"/>
+          <p:cNvPr id="4" name="Titre 3"/>
           <p:cNvSpPr>
             <a:spLocks noGrp="1"/>
           </p:cNvSpPr>
           <p:nvPr>
-            <p:ph type="title"/>
-          </p:nvPr>
-        </p:nvSpPr>
-        <p:spPr/>
-        <p:txBody>
-          <a:bodyPr>
-            <a:normAutofit/>
-          </a:bodyPr>
-          <a:lstStyle/>
-          <a:p>
-            <a:r>
-              <a:rPr lang="en-US" dirty="0" smtClean="0"/>
-              <a:t>Post WG </a:t>
-            </a:r>
-            <a:r>
-              <a:rPr lang="en-US" dirty="0" smtClean="0"/>
-              <a:t>LC</a:t>
-            </a:r>
-            <a:endParaRPr lang="en-US" dirty="0"/>
-          </a:p>
-        </p:txBody>
-      </p:sp>
-      <p:sp>
-        <p:nvSpPr>
-          <p:cNvPr id="3" name="Espace réservé du contenu 2"/>
-          <p:cNvSpPr>
-            <a:spLocks noGrp="1"/>
-          </p:cNvSpPr>
-          <p:nvPr>
-            <p:ph idx="1"/>
-          </p:nvPr>
-        </p:nvSpPr>
-        <p:spPr>
-          <a:xfrm>
-            <a:off x="457200" y="1600200"/>
-            <a:ext cx="8229600" cy="5069160"/>
-          </a:xfrm>
-        </p:spPr>
-        <p:txBody>
-          <a:bodyPr>
-            <a:normAutofit/>
-          </a:bodyPr>
-          <a:lstStyle/>
-          <a:p>
-            <a:r>
-              <a:rPr lang="en-US" sz="2400" dirty="0" smtClean="0">
-                <a:latin typeface="Calibri Light" panose="020F0302020204030204" pitchFamily="34" charset="0"/>
-              </a:rPr>
-              <a:t>draft-</a:t>
-            </a:r>
-            <a:r>
-              <a:rPr lang="en-US" sz="2400" dirty="0" err="1" smtClean="0">
-                <a:latin typeface="Calibri Light" panose="020F0302020204030204" pitchFamily="34" charset="0"/>
-              </a:rPr>
-              <a:t>ietf</a:t>
-            </a:r>
-            <a:r>
-              <a:rPr lang="en-US" sz="2400" dirty="0" smtClean="0">
-                <a:latin typeface="Calibri Light" panose="020F0302020204030204" pitchFamily="34" charset="0"/>
-              </a:rPr>
-              <a:t>-</a:t>
-            </a:r>
-            <a:r>
-              <a:rPr lang="en-US" sz="2400" dirty="0" err="1" smtClean="0">
-                <a:latin typeface="Calibri Light" panose="020F0302020204030204" pitchFamily="34" charset="0"/>
-              </a:rPr>
-              <a:t>pce</a:t>
-            </a:r>
-            <a:r>
-              <a:rPr lang="en-US" sz="2400" dirty="0" smtClean="0">
-                <a:latin typeface="Calibri Light" panose="020F0302020204030204" pitchFamily="34" charset="0"/>
-              </a:rPr>
-              <a:t>-</a:t>
-            </a:r>
-            <a:r>
-              <a:rPr lang="en-US" sz="2400" dirty="0" err="1" smtClean="0">
-                <a:latin typeface="Calibri Light" panose="020F0302020204030204" pitchFamily="34" charset="0"/>
-              </a:rPr>
-              <a:t>stateful</a:t>
-            </a:r>
-            <a:r>
-              <a:rPr lang="en-US" sz="2400" dirty="0" smtClean="0">
-                <a:latin typeface="Calibri Light" panose="020F0302020204030204" pitchFamily="34" charset="0"/>
-              </a:rPr>
-              <a:t>-flags</a:t>
-            </a:r>
-          </a:p>
-          <a:p>
-            <a:pPr lvl="1"/>
-            <a:r>
-              <a:rPr lang="en-US" sz="2100" dirty="0">
-                <a:latin typeface="Calibri Light" panose="020F0302020204030204" pitchFamily="34" charset="0"/>
-              </a:rPr>
-              <a:t>Was </a:t>
-            </a:r>
-            <a:r>
-              <a:rPr lang="en-US" sz="2100" dirty="0" smtClean="0">
-                <a:latin typeface="Calibri Light" panose="020F0302020204030204" pitchFamily="34" charset="0"/>
-              </a:rPr>
-              <a:t>draft-</a:t>
-            </a:r>
-            <a:r>
-              <a:rPr lang="en-US" sz="2100" dirty="0" err="1" smtClean="0">
-                <a:latin typeface="Calibri Light" panose="020F0302020204030204" pitchFamily="34" charset="0"/>
-              </a:rPr>
-              <a:t>farrel</a:t>
-            </a:r>
-            <a:r>
-              <a:rPr lang="en-US" sz="2100" dirty="0" smtClean="0">
-                <a:latin typeface="Calibri Light" panose="020F0302020204030204" pitchFamily="34" charset="0"/>
-              </a:rPr>
-              <a:t>-</a:t>
-            </a:r>
-            <a:r>
-              <a:rPr lang="en-US" sz="2100" dirty="0" err="1" smtClean="0">
-                <a:latin typeface="Calibri Light" panose="020F0302020204030204" pitchFamily="34" charset="0"/>
-              </a:rPr>
-              <a:t>pce</a:t>
-            </a:r>
-            <a:r>
-              <a:rPr lang="en-US" sz="2100" dirty="0" smtClean="0">
-                <a:latin typeface="Calibri Light" panose="020F0302020204030204" pitchFamily="34" charset="0"/>
-              </a:rPr>
-              <a:t>-</a:t>
-            </a:r>
-            <a:r>
-              <a:rPr lang="en-US" sz="2100" dirty="0" err="1" smtClean="0">
-                <a:latin typeface="Calibri Light" panose="020F0302020204030204" pitchFamily="34" charset="0"/>
-              </a:rPr>
-              <a:t>stateful</a:t>
-            </a:r>
-            <a:r>
-              <a:rPr lang="en-US" sz="2100" dirty="0" smtClean="0">
-                <a:latin typeface="Calibri Light" panose="020F0302020204030204" pitchFamily="34" charset="0"/>
-              </a:rPr>
-              <a:t>-flags</a:t>
-            </a:r>
-          </a:p>
-          <a:p>
-            <a:pPr lvl="1"/>
-            <a:r>
-              <a:rPr lang="en-US" sz="2100" dirty="0" smtClean="0">
-                <a:latin typeface="Calibri Light" panose="020F0302020204030204" pitchFamily="34" charset="0"/>
-              </a:rPr>
-              <a:t>Ready to ship to AD – 2</a:t>
-            </a:r>
-            <a:r>
-              <a:rPr lang="en-US" sz="2100" baseline="30000" dirty="0" smtClean="0">
-                <a:latin typeface="Calibri Light" panose="020F0302020204030204" pitchFamily="34" charset="0"/>
-              </a:rPr>
-              <a:t>nd</a:t>
-            </a:r>
-            <a:r>
-              <a:rPr lang="en-US" sz="2100" dirty="0" smtClean="0">
-                <a:latin typeface="Calibri Light" panose="020F0302020204030204" pitchFamily="34" charset="0"/>
-              </a:rPr>
-              <a:t> try! </a:t>
-            </a:r>
-          </a:p>
-          <a:p>
-            <a:r>
-              <a:rPr lang="en-US" sz="2500" dirty="0" smtClean="0">
-                <a:latin typeface="Calibri Light" panose="020F0302020204030204" pitchFamily="34" charset="0"/>
-              </a:rPr>
-              <a:t>draft-</a:t>
-            </a:r>
-            <a:r>
-              <a:rPr lang="en-US" sz="2500" dirty="0" err="1" smtClean="0">
-                <a:latin typeface="Calibri Light" panose="020F0302020204030204" pitchFamily="34" charset="0"/>
-              </a:rPr>
-              <a:t>ietf</a:t>
-            </a:r>
-            <a:r>
-              <a:rPr lang="en-US" sz="2500" dirty="0" smtClean="0">
-                <a:latin typeface="Calibri Light" panose="020F0302020204030204" pitchFamily="34" charset="0"/>
-              </a:rPr>
-              <a:t>-</a:t>
-            </a:r>
-            <a:r>
-              <a:rPr lang="en-US" sz="2500" dirty="0" err="1" smtClean="0">
-                <a:latin typeface="Calibri Light" panose="020F0302020204030204" pitchFamily="34" charset="0"/>
-              </a:rPr>
-              <a:t>pce-pcep-flowspec</a:t>
-            </a:r>
-            <a:endParaRPr lang="en-US" sz="2500" dirty="0" smtClean="0">
-              <a:latin typeface="Calibri Light" panose="020F0302020204030204" pitchFamily="34" charset="0"/>
-            </a:endParaRPr>
-          </a:p>
-          <a:p>
-            <a:pPr lvl="1"/>
-            <a:r>
-              <a:rPr lang="en-US" sz="2100" dirty="0" smtClean="0">
-                <a:latin typeface="Calibri Light" panose="020F0302020204030204" pitchFamily="34" charset="0"/>
-              </a:rPr>
-              <a:t>Late IPR disclosure </a:t>
-            </a:r>
-          </a:p>
-          <a:p>
-            <a:pPr lvl="1"/>
-            <a:r>
-              <a:rPr lang="en-US" sz="2100" dirty="0" smtClean="0">
-                <a:latin typeface="Calibri Light" panose="020F0302020204030204" pitchFamily="34" charset="0"/>
-              </a:rPr>
-              <a:t>WG LC was extended</a:t>
-            </a:r>
-          </a:p>
-          <a:p>
-            <a:pPr lvl="1"/>
-            <a:r>
-              <a:rPr lang="en-US" sz="2100" dirty="0" smtClean="0">
-                <a:latin typeface="Calibri Light" panose="020F0302020204030204" pitchFamily="34" charset="0"/>
-              </a:rPr>
-              <a:t>Shepherd review done </a:t>
-            </a:r>
-            <a:endParaRPr lang="en-US" sz="2100" dirty="0">
-              <a:latin typeface="Calibri Light" panose="020F0302020204030204" pitchFamily="34" charset="0"/>
-            </a:endParaRPr>
-          </a:p>
-        </p:txBody>
-      </p:sp>
-      <p:sp>
-        <p:nvSpPr>
-          <p:cNvPr id="4" name="Footer Placeholder 3"/>
-          <p:cNvSpPr>
-            <a:spLocks noGrp="1"/>
-          </p:cNvSpPr>
-          <p:nvPr>
-            <p:ph type="ftr" sz="quarter" idx="11"/>
+            <p:ph type="ctrTitle"/>
           </p:nvPr>
         </p:nvSpPr>
         <p:spPr/>
@@ -22804,21 +22811,21 @@
           <a:lstStyle/>
           <a:p>
             <a:r>
-              <a:rPr lang="en-US" smtClean="0"/>
-              <a:t>PCE WG @ IETF 106, Singapore</a:t>
-            </a:r>
-            <a:endParaRPr lang="en-US"/>
+              <a:rPr lang="en-US" dirty="0" smtClean="0"/>
+              <a:t>Status of WG I-Ds &amp; Next Steps</a:t>
+            </a:r>
+            <a:endParaRPr lang="en-US" dirty="0"/>
           </a:p>
         </p:txBody>
       </p:sp>
       <p:sp>
         <p:nvSpPr>
-          <p:cNvPr id="5" name="Slide Number Placeholder 4"/>
+          <p:cNvPr id="5" name="Sous-titre 4"/>
           <p:cNvSpPr>
             <a:spLocks noGrp="1"/>
           </p:cNvSpPr>
           <p:nvPr>
-            <p:ph type="sldNum" sz="quarter" idx="12"/>
+            <p:ph type="subTitle" idx="1"/>
           </p:nvPr>
         </p:nvSpPr>
         <p:spPr/>
@@ -22826,10 +22833,6 @@
           <a:bodyPr/>
           <a:lstStyle/>
           <a:p>
-            <a:fld id="{B46CAD5C-20D6-4792-892D-3D51AC2D7322}" type="slidenum">
-              <a:rPr lang="en-US" smtClean="0"/>
-              <a:t>14</a:t>
-            </a:fld>
             <a:endParaRPr lang="en-US"/>
           </a:p>
         </p:txBody>
@@ -22837,7 +22840,7 @@
     </p:spTree>
     <p:extLst>
       <p:ext uri="{BB962C8B-B14F-4D97-AF65-F5344CB8AC3E}">
-        <p14:creationId xmlns:p14="http://schemas.microsoft.com/office/powerpoint/2010/main" val="1332107465"/>
+        <p14:creationId xmlns:p14="http://schemas.microsoft.com/office/powerpoint/2010/main" val="4195372733"/>
       </p:ext>
     </p:extLst>
   </p:cSld>
@@ -22882,12 +22885,8 @@
           <a:lstStyle/>
           <a:p>
             <a:r>
-              <a:rPr lang="en-US" dirty="0"/>
-              <a:t>WG documents </a:t>
-            </a:r>
-            <a:r>
               <a:rPr lang="en-US" dirty="0" smtClean="0"/>
-              <a:t>nearing WG LC</a:t>
+              <a:t>Post WG LC</a:t>
             </a:r>
             <a:endParaRPr lang="en-US" dirty="0"/>
           </a:p>
@@ -22916,314 +22915,178 @@
           <a:lstStyle/>
           <a:p>
             <a:r>
-              <a:rPr lang="en-US" sz="2400" dirty="0">
+              <a:rPr lang="en-US" sz="2400" dirty="0" smtClean="0">
                 <a:latin typeface="Calibri Light" panose="020F0302020204030204" pitchFamily="34" charset="0"/>
               </a:rPr>
               <a:t>draft-</a:t>
             </a:r>
             <a:r>
-              <a:rPr lang="en-US" sz="2400" dirty="0" err="1">
+              <a:rPr lang="en-US" sz="2400" dirty="0" err="1" smtClean="0">
                 <a:latin typeface="Calibri Light" panose="020F0302020204030204" pitchFamily="34" charset="0"/>
               </a:rPr>
               <a:t>ietf</a:t>
             </a:r>
             <a:r>
-              <a:rPr lang="en-US" sz="2400" dirty="0">
+              <a:rPr lang="en-US" sz="2400" dirty="0" smtClean="0">
                 <a:latin typeface="Calibri Light" panose="020F0302020204030204" pitchFamily="34" charset="0"/>
               </a:rPr>
               <a:t>-</a:t>
             </a:r>
             <a:r>
-              <a:rPr lang="en-US" sz="2400" dirty="0" err="1">
+              <a:rPr lang="en-US" sz="2400" dirty="0" err="1" smtClean="0">
                 <a:latin typeface="Calibri Light" panose="020F0302020204030204" pitchFamily="34" charset="0"/>
               </a:rPr>
               <a:t>pce</a:t>
             </a:r>
             <a:r>
-              <a:rPr lang="en-US" sz="2400" dirty="0">
-                <a:latin typeface="Calibri Light" panose="020F0302020204030204" pitchFamily="34" charset="0"/>
-              </a:rPr>
-              <a:t>-association-</a:t>
-            </a:r>
-            <a:r>
               <a:rPr lang="en-US" sz="2400" dirty="0" smtClean="0">
                 <a:latin typeface="Calibri Light" panose="020F0302020204030204" pitchFamily="34" charset="0"/>
               </a:rPr>
-              <a:t>policy</a:t>
-            </a:r>
-          </a:p>
-          <a:p>
+              <a:t>-</a:t>
+            </a:r>
+            <a:r>
+              <a:rPr lang="en-US" sz="2400" dirty="0" err="1" smtClean="0">
+                <a:latin typeface="Calibri Light" panose="020F0302020204030204" pitchFamily="34" charset="0"/>
+              </a:rPr>
+              <a:t>stateful</a:t>
+            </a:r>
             <a:r>
               <a:rPr lang="en-US" sz="2400" dirty="0" smtClean="0">
                 <a:latin typeface="Calibri Light" panose="020F0302020204030204" pitchFamily="34" charset="0"/>
               </a:rPr>
+              <a:t>-flags</a:t>
+            </a:r>
+          </a:p>
+          <a:p>
+            <a:pPr lvl="1"/>
+            <a:r>
+              <a:rPr lang="en-US" sz="2100" dirty="0">
+                <a:latin typeface="Calibri Light" panose="020F0302020204030204" pitchFamily="34" charset="0"/>
+              </a:rPr>
+              <a:t>Was </a:t>
+            </a:r>
+            <a:r>
+              <a:rPr lang="en-US" sz="2100" dirty="0" smtClean="0">
+                <a:latin typeface="Calibri Light" panose="020F0302020204030204" pitchFamily="34" charset="0"/>
+              </a:rPr>
               <a:t>draft-</a:t>
             </a:r>
             <a:r>
-              <a:rPr lang="en-US" sz="2400" dirty="0" err="1" smtClean="0">
+              <a:rPr lang="en-US" sz="2100" dirty="0" err="1" smtClean="0">
+                <a:latin typeface="Calibri Light" panose="020F0302020204030204" pitchFamily="34" charset="0"/>
+              </a:rPr>
+              <a:t>farrel</a:t>
+            </a:r>
+            <a:r>
+              <a:rPr lang="en-US" sz="2100" dirty="0" smtClean="0">
+                <a:latin typeface="Calibri Light" panose="020F0302020204030204" pitchFamily="34" charset="0"/>
+              </a:rPr>
+              <a:t>-</a:t>
+            </a:r>
+            <a:r>
+              <a:rPr lang="en-US" sz="2100" dirty="0" err="1" smtClean="0">
+                <a:latin typeface="Calibri Light" panose="020F0302020204030204" pitchFamily="34" charset="0"/>
+              </a:rPr>
+              <a:t>pce</a:t>
+            </a:r>
+            <a:r>
+              <a:rPr lang="en-US" sz="2100" dirty="0" smtClean="0">
+                <a:latin typeface="Calibri Light" panose="020F0302020204030204" pitchFamily="34" charset="0"/>
+              </a:rPr>
+              <a:t>-</a:t>
+            </a:r>
+            <a:r>
+              <a:rPr lang="en-US" sz="2100" dirty="0" err="1" smtClean="0">
+                <a:latin typeface="Calibri Light" panose="020F0302020204030204" pitchFamily="34" charset="0"/>
+              </a:rPr>
+              <a:t>stateful</a:t>
+            </a:r>
+            <a:r>
+              <a:rPr lang="en-US" sz="2100" dirty="0" smtClean="0">
+                <a:latin typeface="Calibri Light" panose="020F0302020204030204" pitchFamily="34" charset="0"/>
+              </a:rPr>
+              <a:t>-flags</a:t>
+            </a:r>
+          </a:p>
+          <a:p>
+            <a:pPr lvl="1"/>
+            <a:r>
+              <a:rPr lang="en-US" sz="2100" dirty="0" smtClean="0">
+                <a:latin typeface="Calibri Light" panose="020F0302020204030204" pitchFamily="34" charset="0"/>
+              </a:rPr>
+              <a:t>Ready to ship to AD – 2</a:t>
+            </a:r>
+            <a:r>
+              <a:rPr lang="en-US" sz="2100" baseline="30000" dirty="0" smtClean="0">
+                <a:latin typeface="Calibri Light" panose="020F0302020204030204" pitchFamily="34" charset="0"/>
+              </a:rPr>
+              <a:t>nd</a:t>
+            </a:r>
+            <a:r>
+              <a:rPr lang="en-US" sz="2100" dirty="0" smtClean="0">
+                <a:latin typeface="Calibri Light" panose="020F0302020204030204" pitchFamily="34" charset="0"/>
+              </a:rPr>
+              <a:t> try! </a:t>
+            </a:r>
+          </a:p>
+          <a:p>
+            <a:r>
+              <a:rPr lang="en-US" sz="2500" dirty="0" smtClean="0">
+                <a:latin typeface="Calibri Light" panose="020F0302020204030204" pitchFamily="34" charset="0"/>
+              </a:rPr>
+              <a:t>draft-</a:t>
+            </a:r>
+            <a:r>
+              <a:rPr lang="en-US" sz="2500" dirty="0" err="1" smtClean="0">
                 <a:latin typeface="Calibri Light" panose="020F0302020204030204" pitchFamily="34" charset="0"/>
               </a:rPr>
               <a:t>ietf</a:t>
             </a:r>
             <a:r>
-              <a:rPr lang="en-US" sz="2400" dirty="0" smtClean="0">
+              <a:rPr lang="en-US" sz="2500" dirty="0" smtClean="0">
                 <a:latin typeface="Calibri Light" panose="020F0302020204030204" pitchFamily="34" charset="0"/>
               </a:rPr>
               <a:t>-</a:t>
             </a:r>
             <a:r>
-              <a:rPr lang="en-US" sz="2400" dirty="0" err="1" smtClean="0">
-                <a:latin typeface="Calibri Light" panose="020F0302020204030204" pitchFamily="34" charset="0"/>
-              </a:rPr>
-              <a:t>pce</a:t>
-            </a:r>
-            <a:r>
-              <a:rPr lang="en-US" sz="2400" dirty="0" smtClean="0">
-                <a:latin typeface="Calibri Light" panose="020F0302020204030204" pitchFamily="34" charset="0"/>
-              </a:rPr>
-              <a:t>-association-</a:t>
-            </a:r>
-            <a:r>
-              <a:rPr lang="en-US" sz="2400" dirty="0" err="1" smtClean="0">
-                <a:latin typeface="Calibri Light" panose="020F0302020204030204" pitchFamily="34" charset="0"/>
-              </a:rPr>
-              <a:t>bidir</a:t>
-            </a:r>
-            <a:endParaRPr lang="en-US" sz="2400" dirty="0" smtClean="0">
+              <a:rPr lang="en-US" sz="2500" dirty="0" err="1" smtClean="0">
+                <a:latin typeface="Calibri Light" panose="020F0302020204030204" pitchFamily="34" charset="0"/>
+              </a:rPr>
+              <a:t>pce-pcep-flowspec</a:t>
+            </a:r>
+            <a:endParaRPr lang="en-US" sz="2500" dirty="0" smtClean="0">
               <a:latin typeface="Calibri Light" panose="020F0302020204030204" pitchFamily="34" charset="0"/>
             </a:endParaRPr>
           </a:p>
           <a:p>
-            <a:r>
-              <a:rPr lang="en-US" sz="2400" dirty="0">
-                <a:latin typeface="Calibri Light" panose="020F0302020204030204" pitchFamily="34" charset="0"/>
-              </a:rPr>
-              <a:t>draft-</a:t>
-            </a:r>
-            <a:r>
-              <a:rPr lang="en-US" sz="2400" dirty="0" err="1">
-                <a:latin typeface="Calibri Light" panose="020F0302020204030204" pitchFamily="34" charset="0"/>
-              </a:rPr>
-              <a:t>ietf</a:t>
-            </a:r>
-            <a:r>
-              <a:rPr lang="en-US" sz="2400" dirty="0">
-                <a:latin typeface="Calibri Light" panose="020F0302020204030204" pitchFamily="34" charset="0"/>
-              </a:rPr>
-              <a:t>-</a:t>
-            </a:r>
-            <a:r>
-              <a:rPr lang="en-US" sz="2400" dirty="0" err="1">
-                <a:latin typeface="Calibri Light" panose="020F0302020204030204" pitchFamily="34" charset="0"/>
-              </a:rPr>
-              <a:t>pce-pcep-stateful-pce-gmpls</a:t>
-            </a:r>
-            <a:r>
-              <a:rPr lang="en-US" sz="2400" dirty="0">
-                <a:latin typeface="Calibri Light" panose="020F0302020204030204" pitchFamily="34" charset="0"/>
-              </a:rPr>
-              <a:t>	</a:t>
-            </a:r>
-            <a:endParaRPr lang="en-US" sz="2400" dirty="0">
-              <a:latin typeface="Calibri Light" panose="020F0302020204030204" pitchFamily="34" charset="0"/>
-            </a:endParaRPr>
-          </a:p>
-          <a:p>
             <a:pPr lvl="1"/>
             <a:r>
-              <a:rPr lang="en-US" sz="2100" dirty="0">
-                <a:latin typeface="Calibri Light" panose="020F0302020204030204" pitchFamily="34" charset="0"/>
-              </a:rPr>
-              <a:t>Was merged with draft-</a:t>
-            </a:r>
-            <a:r>
-              <a:rPr lang="en-US" sz="2100" dirty="0" err="1">
-                <a:latin typeface="Calibri Light" panose="020F0302020204030204" pitchFamily="34" charset="0"/>
-              </a:rPr>
-              <a:t>ietf</a:t>
-            </a:r>
-            <a:r>
-              <a:rPr lang="en-US" sz="2100" dirty="0">
-                <a:latin typeface="Calibri Light" panose="020F0302020204030204" pitchFamily="34" charset="0"/>
-              </a:rPr>
-              <a:t>-</a:t>
-            </a:r>
-            <a:r>
-              <a:rPr lang="en-US" sz="2100" dirty="0" err="1">
-                <a:latin typeface="Calibri Light" panose="020F0302020204030204" pitchFamily="34" charset="0"/>
-              </a:rPr>
-              <a:t>pce</a:t>
-            </a:r>
-            <a:r>
-              <a:rPr lang="en-US" sz="2100" dirty="0">
-                <a:latin typeface="Calibri Light" panose="020F0302020204030204" pitchFamily="34" charset="0"/>
-              </a:rPr>
-              <a:t>-remote-initiated-</a:t>
-            </a:r>
-            <a:r>
-              <a:rPr lang="en-US" sz="2100" dirty="0" err="1">
-                <a:latin typeface="Calibri Light" panose="020F0302020204030204" pitchFamily="34" charset="0"/>
-              </a:rPr>
-              <a:t>gmpls</a:t>
-            </a:r>
-            <a:r>
-              <a:rPr lang="en-US" sz="2100" dirty="0">
-                <a:latin typeface="Calibri Light" panose="020F0302020204030204" pitchFamily="34" charset="0"/>
-              </a:rPr>
-              <a:t>-</a:t>
-            </a:r>
-            <a:r>
-              <a:rPr lang="en-US" sz="2100" dirty="0" err="1">
-                <a:latin typeface="Calibri Light" panose="020F0302020204030204" pitchFamily="34" charset="0"/>
-              </a:rPr>
-              <a:t>lsp</a:t>
+              <a:rPr lang="en-US" sz="2100" dirty="0" smtClean="0">
+                <a:latin typeface="Calibri Light" panose="020F0302020204030204" pitchFamily="34" charset="0"/>
+              </a:rPr>
+              <a:t>Late IPR disclosure </a:t>
+            </a:r>
+          </a:p>
+          <a:p>
+            <a:pPr lvl="1"/>
+            <a:r>
+              <a:rPr lang="en-US" sz="2100" dirty="0" smtClean="0">
+                <a:latin typeface="Calibri Light" panose="020F0302020204030204" pitchFamily="34" charset="0"/>
+              </a:rPr>
+              <a:t>WG LC was extended</a:t>
+            </a:r>
+          </a:p>
+          <a:p>
+            <a:pPr lvl="1"/>
+            <a:r>
+              <a:rPr lang="en-US" sz="2100" dirty="0" smtClean="0">
+                <a:latin typeface="Calibri Light" panose="020F0302020204030204" pitchFamily="34" charset="0"/>
+              </a:rPr>
+              <a:t>Shepherd review done </a:t>
             </a:r>
             <a:endParaRPr lang="en-US" sz="2100" dirty="0">
               <a:latin typeface="Calibri Light" panose="020F0302020204030204" pitchFamily="34" charset="0"/>
             </a:endParaRPr>
-          </a:p>
-          <a:p>
-            <a:pPr lvl="1"/>
-            <a:r>
-              <a:rPr lang="en-US" sz="2100" dirty="0" smtClean="0">
-                <a:latin typeface="Calibri Light" panose="020F0302020204030204" pitchFamily="34" charset="0"/>
-              </a:rPr>
-              <a:t>A </a:t>
-            </a:r>
-            <a:r>
-              <a:rPr lang="en-US" sz="2100" dirty="0">
-                <a:latin typeface="Calibri Light" panose="020F0302020204030204" pitchFamily="34" charset="0"/>
-              </a:rPr>
-              <a:t>new editorial update </a:t>
-            </a:r>
-            <a:r>
-              <a:rPr lang="en-US" sz="2100" dirty="0" smtClean="0">
-                <a:latin typeface="Calibri Light" panose="020F0302020204030204" pitchFamily="34" charset="0"/>
-              </a:rPr>
-              <a:t>was done</a:t>
-            </a:r>
-            <a:endParaRPr lang="en-US" sz="2100" dirty="0">
-              <a:latin typeface="Calibri Light" panose="020F0302020204030204" pitchFamily="34" charset="0"/>
-            </a:endParaRPr>
-          </a:p>
-          <a:p>
-            <a:pPr lvl="1"/>
-            <a:r>
-              <a:rPr lang="en-US" sz="2100" dirty="0" smtClean="0">
-                <a:latin typeface="Calibri Light" panose="020F0302020204030204" pitchFamily="34" charset="0"/>
-              </a:rPr>
-              <a:t>Reorganization for readability would be useful </a:t>
-            </a:r>
-          </a:p>
-          <a:p>
-            <a:r>
-              <a:rPr lang="en-US" sz="2500" dirty="0" smtClean="0">
-                <a:latin typeface="Calibri Light" panose="020F0302020204030204" pitchFamily="34" charset="0"/>
-              </a:rPr>
-              <a:t>draft-</a:t>
-            </a:r>
-            <a:r>
-              <a:rPr lang="en-US" sz="2500" dirty="0" err="1" smtClean="0">
-                <a:latin typeface="Calibri Light" panose="020F0302020204030204" pitchFamily="34" charset="0"/>
-              </a:rPr>
-              <a:t>ietf</a:t>
-            </a:r>
-            <a:r>
-              <a:rPr lang="en-US" sz="2500" dirty="0" smtClean="0">
-                <a:latin typeface="Calibri Light" panose="020F0302020204030204" pitchFamily="34" charset="0"/>
-              </a:rPr>
-              <a:t>-</a:t>
-            </a:r>
-            <a:r>
-              <a:rPr lang="en-US" sz="2500" dirty="0" err="1" smtClean="0">
-                <a:latin typeface="Calibri Light" panose="020F0302020204030204" pitchFamily="34" charset="0"/>
-              </a:rPr>
-              <a:t>pce</a:t>
-            </a:r>
-            <a:r>
-              <a:rPr lang="en-US" sz="2500" dirty="0" smtClean="0">
-                <a:latin typeface="Calibri Light" panose="020F0302020204030204" pitchFamily="34" charset="0"/>
-              </a:rPr>
-              <a:t>-</a:t>
-            </a:r>
-            <a:r>
-              <a:rPr lang="en-US" sz="2500" dirty="0" err="1" smtClean="0">
-                <a:latin typeface="Calibri Light" panose="020F0302020204030204" pitchFamily="34" charset="0"/>
-              </a:rPr>
-              <a:t>pcep</a:t>
-            </a:r>
-            <a:r>
-              <a:rPr lang="en-US" sz="2500" dirty="0" smtClean="0">
-                <a:latin typeface="Calibri Light" panose="020F0302020204030204" pitchFamily="34" charset="0"/>
-              </a:rPr>
-              <a:t>-yang</a:t>
-            </a:r>
-          </a:p>
-          <a:p>
-            <a:pPr lvl="1"/>
-            <a:r>
-              <a:rPr lang="en-US" sz="2100" dirty="0" smtClean="0">
-                <a:latin typeface="Calibri Light" panose="020F0302020204030204" pitchFamily="34" charset="0"/>
-              </a:rPr>
-              <a:t>TE yang dependencies are progressing </a:t>
-            </a:r>
-          </a:p>
-          <a:p>
-            <a:pPr lvl="1"/>
-            <a:r>
-              <a:rPr lang="en-US" sz="2100" dirty="0" smtClean="0">
-                <a:latin typeface="Calibri Light" panose="020F0302020204030204" pitchFamily="34" charset="0"/>
-              </a:rPr>
-              <a:t>Dependency </a:t>
-            </a:r>
-            <a:r>
-              <a:rPr lang="en-US" sz="2100" dirty="0">
-                <a:latin typeface="Calibri Light" panose="020F0302020204030204" pitchFamily="34" charset="0"/>
-              </a:rPr>
-              <a:t>on  </a:t>
-            </a:r>
-            <a:r>
-              <a:rPr lang="en-US" sz="2100" dirty="0" smtClean="0">
-                <a:latin typeface="Calibri Light" panose="020F0302020204030204" pitchFamily="34" charset="0"/>
-              </a:rPr>
-              <a:t>draft-</a:t>
-            </a:r>
-            <a:r>
-              <a:rPr lang="en-US" sz="2100" dirty="0" err="1" smtClean="0">
-                <a:latin typeface="Calibri Light" panose="020F0302020204030204" pitchFamily="34" charset="0"/>
-              </a:rPr>
-              <a:t>ietf</a:t>
-            </a:r>
-            <a:r>
-              <a:rPr lang="en-US" sz="2100" dirty="0" smtClean="0">
-                <a:latin typeface="Calibri Light" panose="020F0302020204030204" pitchFamily="34" charset="0"/>
-              </a:rPr>
-              <a:t>-</a:t>
-            </a:r>
-            <a:r>
-              <a:rPr lang="en-US" sz="2100" dirty="0" err="1" smtClean="0">
-                <a:latin typeface="Calibri Light" panose="020F0302020204030204" pitchFamily="34" charset="0"/>
-              </a:rPr>
-              <a:t>netconf</a:t>
-            </a:r>
-            <a:r>
-              <a:rPr lang="en-US" sz="2100" dirty="0" smtClean="0">
-                <a:latin typeface="Calibri Light" panose="020F0302020204030204" pitchFamily="34" charset="0"/>
-              </a:rPr>
-              <a:t>-</a:t>
-            </a:r>
-            <a:r>
-              <a:rPr lang="en-US" sz="2100" dirty="0" err="1" smtClean="0">
-                <a:latin typeface="Calibri Light" panose="020F0302020204030204" pitchFamily="34" charset="0"/>
-              </a:rPr>
-              <a:t>tls</a:t>
-            </a:r>
-            <a:r>
-              <a:rPr lang="en-US" sz="2100" dirty="0" smtClean="0">
-                <a:latin typeface="Calibri Light" panose="020F0302020204030204" pitchFamily="34" charset="0"/>
-              </a:rPr>
-              <a:t>-client-server (used for PCEPS/TLS) might take longer</a:t>
-            </a:r>
           </a:p>
         </p:txBody>
       </p:sp>
@@ -23276,7 +23139,7 @@
     </p:spTree>
     <p:extLst>
       <p:ext uri="{BB962C8B-B14F-4D97-AF65-F5344CB8AC3E}">
-        <p14:creationId xmlns:p14="http://schemas.microsoft.com/office/powerpoint/2010/main" val="975627608"/>
+        <p14:creationId xmlns:p14="http://schemas.microsoft.com/office/powerpoint/2010/main" val="1332107465"/>
       </p:ext>
     </p:extLst>
   </p:cSld>
@@ -23305,7 +23168,7 @@
       </p:grpSpPr>
       <p:sp>
         <p:nvSpPr>
-          <p:cNvPr id="2" name="Title 1"/>
+          <p:cNvPr id="2" name="Titre 1"/>
           <p:cNvSpPr>
             <a:spLocks noGrp="1"/>
           </p:cNvSpPr>
@@ -23315,20 +23178,26 @@
         </p:nvSpPr>
         <p:spPr/>
         <p:txBody>
-          <a:bodyPr/>
+          <a:bodyPr>
+            <a:normAutofit/>
+          </a:bodyPr>
           <a:lstStyle/>
           <a:p>
             <a:r>
+              <a:rPr lang="en-US" dirty="0"/>
+              <a:t>WG documents </a:t>
+            </a:r>
+            <a:r>
               <a:rPr lang="en-US" dirty="0" smtClean="0"/>
-              <a:t>WG documents</a:t>
-            </a:r>
-            <a:endParaRPr lang="en-IN" dirty="0"/>
+              <a:t>nearing WG LC</a:t>
+            </a:r>
+            <a:endParaRPr lang="en-US" dirty="0"/>
           </a:p>
         </p:txBody>
       </p:sp>
       <p:sp>
         <p:nvSpPr>
-          <p:cNvPr id="3" name="Content Placeholder 2"/>
+          <p:cNvPr id="3" name="Espace réservé du contenu 2"/>
           <p:cNvSpPr>
             <a:spLocks noGrp="1"/>
           </p:cNvSpPr>
@@ -23336,346 +23205,410 @@
             <p:ph idx="1"/>
           </p:nvPr>
         </p:nvSpPr>
-        <p:spPr/>
+        <p:spPr>
+          <a:xfrm>
+            <a:off x="457200" y="1600200"/>
+            <a:ext cx="8229600" cy="5069160"/>
+          </a:xfrm>
+        </p:spPr>
         <p:txBody>
           <a:bodyPr>
-            <a:normAutofit fontScale="92500" lnSpcReduction="20000"/>
+            <a:normAutofit/>
           </a:bodyPr>
           <a:lstStyle/>
           <a:p>
             <a:r>
-              <a:rPr lang="en-US" dirty="0">
+              <a:rPr lang="en-US" sz="2400" dirty="0" smtClean="0">
+                <a:latin typeface="Calibri Light" panose="020F0302020204030204" pitchFamily="34" charset="0"/>
+              </a:rPr>
+              <a:t>d</a:t>
+            </a:r>
+            <a:r>
+              <a:rPr lang="en-US" sz="2400" dirty="0">
+                <a:latin typeface="Calibri Light" panose="020F0302020204030204" pitchFamily="34" charset="0"/>
+              </a:rPr>
+              <a:t>raft-</a:t>
+            </a:r>
+            <a:r>
+              <a:rPr lang="en-US" sz="2400" dirty="0" err="1">
+                <a:latin typeface="Calibri Light" panose="020F0302020204030204" pitchFamily="34" charset="0"/>
+              </a:rPr>
+              <a:t>ietf</a:t>
+            </a:r>
+            <a:r>
+              <a:rPr lang="en-US" sz="2400" dirty="0">
+                <a:latin typeface="Calibri Light" panose="020F0302020204030204" pitchFamily="34" charset="0"/>
+              </a:rPr>
+              <a:t>-</a:t>
+            </a:r>
+            <a:r>
+              <a:rPr lang="en-US" sz="2400" dirty="0" err="1">
+                <a:latin typeface="Calibri Light" panose="020F0302020204030204" pitchFamily="34" charset="0"/>
+              </a:rPr>
+              <a:t>pce</a:t>
+            </a:r>
+            <a:r>
+              <a:rPr lang="en-US" sz="2400" dirty="0">
+                <a:latin typeface="Calibri Light" panose="020F0302020204030204" pitchFamily="34" charset="0"/>
+              </a:rPr>
+              <a:t>-</a:t>
+            </a:r>
+            <a:r>
+              <a:rPr lang="en-US" sz="2400" dirty="0" err="1">
+                <a:latin typeface="Calibri Light" panose="020F0302020204030204" pitchFamily="34" charset="0"/>
+              </a:rPr>
+              <a:t>stateful</a:t>
+            </a:r>
+            <a:r>
+              <a:rPr lang="en-US" sz="2400" dirty="0">
+                <a:latin typeface="Calibri Light" panose="020F0302020204030204" pitchFamily="34" charset="0"/>
+              </a:rPr>
+              <a:t>-</a:t>
+            </a:r>
+            <a:r>
+              <a:rPr lang="en-US" sz="2400" dirty="0" err="1">
+                <a:latin typeface="Calibri Light" panose="020F0302020204030204" pitchFamily="34" charset="0"/>
+              </a:rPr>
+              <a:t>pce</a:t>
+            </a:r>
+            <a:r>
+              <a:rPr lang="en-US" sz="2400" dirty="0">
+                <a:latin typeface="Calibri Light" panose="020F0302020204030204" pitchFamily="34" charset="0"/>
+              </a:rPr>
+              <a:t>-</a:t>
+            </a:r>
+            <a:r>
+              <a:rPr lang="en-US" sz="2400" dirty="0" err="1">
+                <a:latin typeface="Calibri Light" panose="020F0302020204030204" pitchFamily="34" charset="0"/>
+              </a:rPr>
+              <a:t>lsp</a:t>
+            </a:r>
+            <a:r>
+              <a:rPr lang="en-US" sz="2400" dirty="0">
+                <a:latin typeface="Calibri Light" panose="020F0302020204030204" pitchFamily="34" charset="0"/>
+              </a:rPr>
+              <a:t>-scheduling</a:t>
+            </a:r>
+          </a:p>
+          <a:p>
+            <a:r>
+              <a:rPr lang="en-US" sz="2400" dirty="0" smtClean="0">
                 <a:latin typeface="Calibri Light" panose="020F0302020204030204" pitchFamily="34" charset="0"/>
               </a:rPr>
               <a:t>draft-</a:t>
             </a:r>
             <a:r>
-              <a:rPr lang="en-US" dirty="0" err="1">
+              <a:rPr lang="en-US" sz="2400" dirty="0" err="1" smtClean="0">
                 <a:latin typeface="Calibri Light" panose="020F0302020204030204" pitchFamily="34" charset="0"/>
               </a:rPr>
               <a:t>ietf</a:t>
             </a:r>
             <a:r>
-              <a:rPr lang="en-US" dirty="0">
+              <a:rPr lang="en-US" sz="2400" dirty="0" smtClean="0">
                 <a:latin typeface="Calibri Light" panose="020F0302020204030204" pitchFamily="34" charset="0"/>
               </a:rPr>
               <a:t>-</a:t>
             </a:r>
             <a:r>
-              <a:rPr lang="en-US" dirty="0" err="1">
+              <a:rPr lang="en-US" sz="2400" dirty="0" err="1" smtClean="0">
                 <a:latin typeface="Calibri Light" panose="020F0302020204030204" pitchFamily="34" charset="0"/>
               </a:rPr>
               <a:t>pce</a:t>
             </a:r>
             <a:r>
-              <a:rPr lang="en-US" dirty="0">
-                <a:latin typeface="Calibri Light" panose="020F0302020204030204" pitchFamily="34" charset="0"/>
-              </a:rPr>
-              <a:t>-</a:t>
-            </a:r>
-            <a:r>
-              <a:rPr lang="en-US" dirty="0" err="1">
-                <a:latin typeface="Calibri Light" panose="020F0302020204030204" pitchFamily="34" charset="0"/>
-              </a:rPr>
-              <a:t>pcep</a:t>
-            </a:r>
-            <a:r>
-              <a:rPr lang="en-US" dirty="0">
-                <a:latin typeface="Calibri Light" panose="020F0302020204030204" pitchFamily="34" charset="0"/>
-              </a:rPr>
-              <a:t>-extension-for-</a:t>
-            </a:r>
-            <a:r>
-              <a:rPr lang="en-US" dirty="0" err="1">
-                <a:latin typeface="Calibri Light" panose="020F0302020204030204" pitchFamily="34" charset="0"/>
-              </a:rPr>
-              <a:t>pce</a:t>
-            </a:r>
-            <a:r>
-              <a:rPr lang="en-US" dirty="0">
-                <a:latin typeface="Calibri Light" panose="020F0302020204030204" pitchFamily="34" charset="0"/>
-              </a:rPr>
-              <a:t>-</a:t>
-            </a:r>
-            <a:r>
-              <a:rPr lang="en-US" dirty="0" smtClean="0">
-                <a:latin typeface="Calibri Light" panose="020F0302020204030204" pitchFamily="34" charset="0"/>
-              </a:rPr>
-              <a:t>controller</a:t>
-            </a:r>
-          </a:p>
-          <a:p>
-            <a:pPr lvl="1"/>
-            <a:r>
-              <a:rPr lang="en-US" dirty="0" smtClean="0">
-                <a:latin typeface="Calibri Light" panose="020F0302020204030204" pitchFamily="34" charset="0"/>
-              </a:rPr>
-              <a:t>update </a:t>
-            </a:r>
-            <a:r>
-              <a:rPr lang="en-US" dirty="0">
-                <a:latin typeface="Calibri Light" panose="020F0302020204030204" pitchFamily="34" charset="0"/>
-              </a:rPr>
-              <a:t>posted on 2019-07-</a:t>
-            </a:r>
-            <a:r>
-              <a:rPr lang="en-US" dirty="0" smtClean="0">
-                <a:latin typeface="Calibri Light" panose="020F0302020204030204" pitchFamily="34" charset="0"/>
-              </a:rPr>
-              <a:t>08</a:t>
-            </a:r>
-          </a:p>
-          <a:p>
-            <a:pPr lvl="1"/>
-            <a:r>
-              <a:rPr lang="en-US" dirty="0" smtClean="0">
-                <a:latin typeface="Calibri Light" panose="020F0302020204030204" pitchFamily="34" charset="0"/>
-              </a:rPr>
-              <a:t>Added Implementation Status</a:t>
-            </a:r>
-            <a:endParaRPr lang="en-US" dirty="0">
+              <a:rPr lang="en-US" sz="2400" dirty="0" smtClean="0">
+                <a:latin typeface="Calibri Light" panose="020F0302020204030204" pitchFamily="34" charset="0"/>
+              </a:rPr>
+              <a:t>-association-policy</a:t>
+            </a:r>
+            <a:endParaRPr lang="en-US" sz="2400" dirty="0" smtClean="0">
               <a:latin typeface="Calibri Light" panose="020F0302020204030204" pitchFamily="34" charset="0"/>
             </a:endParaRPr>
           </a:p>
           <a:p>
             <a:r>
-              <a:rPr lang="en-US" dirty="0">
+              <a:rPr lang="en-US" sz="2400" dirty="0" smtClean="0">
                 <a:latin typeface="Calibri Light" panose="020F0302020204030204" pitchFamily="34" charset="0"/>
               </a:rPr>
               <a:t>draft-</a:t>
             </a:r>
             <a:r>
-              <a:rPr lang="en-US" dirty="0" err="1">
+              <a:rPr lang="en-US" sz="2400" dirty="0" err="1" smtClean="0">
                 <a:latin typeface="Calibri Light" panose="020F0302020204030204" pitchFamily="34" charset="0"/>
               </a:rPr>
               <a:t>ietf</a:t>
             </a:r>
             <a:r>
-              <a:rPr lang="en-US" dirty="0">
+              <a:rPr lang="en-US" sz="2400" dirty="0" smtClean="0">
                 <a:latin typeface="Calibri Light" panose="020F0302020204030204" pitchFamily="34" charset="0"/>
               </a:rPr>
               <a:t>-</a:t>
             </a:r>
             <a:r>
-              <a:rPr lang="en-US" dirty="0" err="1">
+              <a:rPr lang="en-US" sz="2400" dirty="0" err="1" smtClean="0">
                 <a:latin typeface="Calibri Light" panose="020F0302020204030204" pitchFamily="34" charset="0"/>
               </a:rPr>
               <a:t>pce</a:t>
             </a:r>
             <a:r>
-              <a:rPr lang="en-US" dirty="0">
-                <a:latin typeface="Calibri Light" panose="020F0302020204030204" pitchFamily="34" charset="0"/>
-              </a:rPr>
-              <a:t>-</a:t>
-            </a:r>
-            <a:r>
-              <a:rPr lang="en-US" dirty="0" err="1">
-                <a:latin typeface="Calibri Light" panose="020F0302020204030204" pitchFamily="34" charset="0"/>
-              </a:rPr>
-              <a:t>pcep</a:t>
-            </a:r>
-            <a:r>
-              <a:rPr lang="en-US" dirty="0">
-                <a:latin typeface="Calibri Light" panose="020F0302020204030204" pitchFamily="34" charset="0"/>
-              </a:rPr>
-              <a:t>-extension-native-</a:t>
-            </a:r>
-            <a:r>
-              <a:rPr lang="en-US" dirty="0" err="1" smtClean="0">
-                <a:latin typeface="Calibri Light" panose="020F0302020204030204" pitchFamily="34" charset="0"/>
-              </a:rPr>
-              <a:t>ip</a:t>
-            </a:r>
-            <a:endParaRPr lang="en-US" dirty="0" smtClean="0">
+              <a:rPr lang="en-US" sz="2400" dirty="0" smtClean="0">
+                <a:latin typeface="Calibri Light" panose="020F0302020204030204" pitchFamily="34" charset="0"/>
+              </a:rPr>
+              <a:t>-association-</a:t>
+            </a:r>
+            <a:r>
+              <a:rPr lang="en-US" sz="2400" dirty="0" err="1" smtClean="0">
+                <a:latin typeface="Calibri Light" panose="020F0302020204030204" pitchFamily="34" charset="0"/>
+              </a:rPr>
+              <a:t>bidir</a:t>
+            </a:r>
+            <a:endParaRPr lang="en-US" sz="2400" dirty="0" smtClean="0">
               <a:latin typeface="Calibri Light" panose="020F0302020204030204" pitchFamily="34" charset="0"/>
             </a:endParaRPr>
           </a:p>
           <a:p>
+            <a:r>
+              <a:rPr lang="en-US" sz="2400" dirty="0">
+                <a:latin typeface="Calibri Light" panose="020F0302020204030204" pitchFamily="34" charset="0"/>
+              </a:rPr>
+              <a:t>draft-</a:t>
+            </a:r>
+            <a:r>
+              <a:rPr lang="en-US" sz="2400" dirty="0" err="1">
+                <a:latin typeface="Calibri Light" panose="020F0302020204030204" pitchFamily="34" charset="0"/>
+              </a:rPr>
+              <a:t>ietf</a:t>
+            </a:r>
+            <a:r>
+              <a:rPr lang="en-US" sz="2400" dirty="0">
+                <a:latin typeface="Calibri Light" panose="020F0302020204030204" pitchFamily="34" charset="0"/>
+              </a:rPr>
+              <a:t>-</a:t>
+            </a:r>
+            <a:r>
+              <a:rPr lang="en-US" sz="2400" dirty="0" err="1">
+                <a:latin typeface="Calibri Light" panose="020F0302020204030204" pitchFamily="34" charset="0"/>
+              </a:rPr>
+              <a:t>pce-pcep-stateful-pce-gmpls</a:t>
+            </a:r>
+            <a:r>
+              <a:rPr lang="en-US" sz="2400" dirty="0">
+                <a:latin typeface="Calibri Light" panose="020F0302020204030204" pitchFamily="34" charset="0"/>
+              </a:rPr>
+              <a:t>	</a:t>
+            </a:r>
+          </a:p>
+          <a:p>
             <a:pPr lvl="1"/>
             <a:r>
-              <a:rPr lang="en-US" dirty="0" smtClean="0">
-                <a:latin typeface="Calibri Light" panose="020F0302020204030204" pitchFamily="34" charset="0"/>
-              </a:rPr>
-              <a:t>Presented at IETF 104, no update since. </a:t>
-            </a:r>
-            <a:endParaRPr lang="en-US" dirty="0">
+              <a:rPr lang="en-US" sz="2100" dirty="0">
+                <a:latin typeface="Calibri Light" panose="020F0302020204030204" pitchFamily="34" charset="0"/>
+              </a:rPr>
+              <a:t>Was merged with draft-</a:t>
+            </a:r>
+            <a:r>
+              <a:rPr lang="en-US" sz="2100" dirty="0" err="1">
+                <a:latin typeface="Calibri Light" panose="020F0302020204030204" pitchFamily="34" charset="0"/>
+              </a:rPr>
+              <a:t>ietf</a:t>
+            </a:r>
+            <a:r>
+              <a:rPr lang="en-US" sz="2100" dirty="0">
+                <a:latin typeface="Calibri Light" panose="020F0302020204030204" pitchFamily="34" charset="0"/>
+              </a:rPr>
+              <a:t>-</a:t>
+            </a:r>
+            <a:r>
+              <a:rPr lang="en-US" sz="2100" dirty="0" err="1">
+                <a:latin typeface="Calibri Light" panose="020F0302020204030204" pitchFamily="34" charset="0"/>
+              </a:rPr>
+              <a:t>pce</a:t>
+            </a:r>
+            <a:r>
+              <a:rPr lang="en-US" sz="2100" dirty="0">
+                <a:latin typeface="Calibri Light" panose="020F0302020204030204" pitchFamily="34" charset="0"/>
+              </a:rPr>
+              <a:t>-remote-initiated-</a:t>
+            </a:r>
+            <a:r>
+              <a:rPr lang="en-US" sz="2100" dirty="0" err="1">
+                <a:latin typeface="Calibri Light" panose="020F0302020204030204" pitchFamily="34" charset="0"/>
+              </a:rPr>
+              <a:t>gmpls</a:t>
+            </a:r>
+            <a:r>
+              <a:rPr lang="en-US" sz="2100" dirty="0">
+                <a:latin typeface="Calibri Light" panose="020F0302020204030204" pitchFamily="34" charset="0"/>
+              </a:rPr>
+              <a:t>-</a:t>
+            </a:r>
+            <a:r>
+              <a:rPr lang="en-US" sz="2100" dirty="0" err="1">
+                <a:latin typeface="Calibri Light" panose="020F0302020204030204" pitchFamily="34" charset="0"/>
+              </a:rPr>
+              <a:t>lsp</a:t>
+            </a:r>
+            <a:endParaRPr lang="en-US" sz="2100" dirty="0">
               <a:latin typeface="Calibri Light" panose="020F0302020204030204" pitchFamily="34" charset="0"/>
             </a:endParaRPr>
           </a:p>
           <a:p>
-            <a:r>
-              <a:rPr lang="en-US" dirty="0">
-                <a:latin typeface="Calibri Light" panose="020F0302020204030204" pitchFamily="34" charset="0"/>
-              </a:rPr>
-              <a:t>draft-</a:t>
-            </a:r>
-            <a:r>
-              <a:rPr lang="en-US" dirty="0" err="1">
-                <a:latin typeface="Calibri Light" panose="020F0302020204030204" pitchFamily="34" charset="0"/>
-              </a:rPr>
-              <a:t>ietf</a:t>
-            </a:r>
-            <a:r>
-              <a:rPr lang="en-US" dirty="0">
-                <a:latin typeface="Calibri Light" panose="020F0302020204030204" pitchFamily="34" charset="0"/>
-              </a:rPr>
-              <a:t>-</a:t>
-            </a:r>
-            <a:r>
-              <a:rPr lang="en-US" dirty="0" err="1">
-                <a:latin typeface="Calibri Light" panose="020F0302020204030204" pitchFamily="34" charset="0"/>
-              </a:rPr>
-              <a:t>pce</a:t>
-            </a:r>
-            <a:r>
-              <a:rPr lang="en-US" dirty="0">
-                <a:latin typeface="Calibri Light" panose="020F0302020204030204" pitchFamily="34" charset="0"/>
-              </a:rPr>
-              <a:t>-</a:t>
-            </a:r>
-            <a:r>
-              <a:rPr lang="en-US" dirty="0" err="1">
-                <a:latin typeface="Calibri Light" panose="020F0302020204030204" pitchFamily="34" charset="0"/>
-              </a:rPr>
-              <a:t>stateful</a:t>
-            </a:r>
-            <a:r>
-              <a:rPr lang="en-US" dirty="0">
-                <a:latin typeface="Calibri Light" panose="020F0302020204030204" pitchFamily="34" charset="0"/>
-              </a:rPr>
-              <a:t>-</a:t>
-            </a:r>
-            <a:r>
-              <a:rPr lang="en-US" dirty="0" err="1">
-                <a:latin typeface="Calibri Light" panose="020F0302020204030204" pitchFamily="34" charset="0"/>
-              </a:rPr>
-              <a:t>pce</a:t>
-            </a:r>
-            <a:r>
-              <a:rPr lang="en-US" dirty="0">
-                <a:latin typeface="Calibri Light" panose="020F0302020204030204" pitchFamily="34" charset="0"/>
-              </a:rPr>
-              <a:t>-</a:t>
-            </a:r>
-            <a:r>
-              <a:rPr lang="en-US" dirty="0" err="1">
-                <a:latin typeface="Calibri Light" panose="020F0302020204030204" pitchFamily="34" charset="0"/>
-              </a:rPr>
-              <a:t>lsp</a:t>
-            </a:r>
-            <a:r>
-              <a:rPr lang="en-US" dirty="0">
-                <a:latin typeface="Calibri Light" panose="020F0302020204030204" pitchFamily="34" charset="0"/>
-              </a:rPr>
-              <a:t>-</a:t>
-            </a:r>
-            <a:r>
-              <a:rPr lang="en-US" dirty="0" smtClean="0">
-                <a:latin typeface="Calibri Light" panose="020F0302020204030204" pitchFamily="34" charset="0"/>
-              </a:rPr>
-              <a:t>scheduling</a:t>
-            </a:r>
-          </a:p>
-          <a:p>
             <a:pPr lvl="1"/>
             <a:r>
-              <a:rPr lang="en-US" dirty="0" smtClean="0">
-                <a:latin typeface="Calibri Light" panose="020F0302020204030204" pitchFamily="34" charset="0"/>
-              </a:rPr>
-              <a:t>update </a:t>
-            </a:r>
-            <a:r>
-              <a:rPr lang="en-US" dirty="0">
-                <a:latin typeface="Calibri Light" panose="020F0302020204030204" pitchFamily="34" charset="0"/>
-              </a:rPr>
-              <a:t>posted on 2019-07-</a:t>
-            </a:r>
-            <a:r>
-              <a:rPr lang="en-US" dirty="0" smtClean="0">
-                <a:latin typeface="Calibri Light" panose="020F0302020204030204" pitchFamily="34" charset="0"/>
-              </a:rPr>
-              <a:t>07 (refresh), no update. </a:t>
-            </a:r>
-          </a:p>
-          <a:p>
-            <a:r>
-              <a:rPr lang="en-US" dirty="0">
-                <a:latin typeface="Calibri Light" panose="020F0302020204030204" pitchFamily="34" charset="0"/>
-              </a:rPr>
-              <a:t>Recent WG I-</a:t>
-            </a:r>
-            <a:r>
-              <a:rPr lang="en-US" dirty="0" smtClean="0">
-                <a:latin typeface="Calibri Light" panose="020F0302020204030204" pitchFamily="34" charset="0"/>
-              </a:rPr>
-              <a:t>D adopted</a:t>
-            </a:r>
-          </a:p>
-          <a:p>
-            <a:pPr lvl="1"/>
-            <a:r>
-              <a:rPr lang="en-US" dirty="0" smtClean="0">
-                <a:latin typeface="Calibri Light" panose="020F0302020204030204" pitchFamily="34" charset="0"/>
-              </a:rPr>
-              <a:t>draft</a:t>
-            </a:r>
-            <a:r>
-              <a:rPr lang="en-US" dirty="0">
-                <a:latin typeface="Calibri Light" panose="020F0302020204030204" pitchFamily="34" charset="0"/>
-              </a:rPr>
-              <a:t>-</a:t>
-            </a:r>
-            <a:r>
-              <a:rPr lang="en-US" dirty="0" err="1">
-                <a:latin typeface="Calibri Light" panose="020F0302020204030204" pitchFamily="34" charset="0"/>
-              </a:rPr>
-              <a:t>ietf</a:t>
-            </a:r>
-            <a:r>
-              <a:rPr lang="en-US" dirty="0">
-                <a:latin typeface="Calibri Light" panose="020F0302020204030204" pitchFamily="34" charset="0"/>
-              </a:rPr>
-              <a:t>-</a:t>
-            </a:r>
-            <a:r>
-              <a:rPr lang="en-US" dirty="0" err="1">
-                <a:latin typeface="Calibri Light" panose="020F0302020204030204" pitchFamily="34" charset="0"/>
-              </a:rPr>
-              <a:t>pce</a:t>
-            </a:r>
-            <a:r>
-              <a:rPr lang="en-US" dirty="0">
-                <a:latin typeface="Calibri Light" panose="020F0302020204030204" pitchFamily="34" charset="0"/>
-              </a:rPr>
-              <a:t>-flexible-</a:t>
-            </a:r>
-            <a:r>
-              <a:rPr lang="en-US" dirty="0" smtClean="0">
-                <a:latin typeface="Calibri Light" panose="020F0302020204030204" pitchFamily="34" charset="0"/>
-              </a:rPr>
-              <a:t>grid</a:t>
-            </a:r>
-            <a:endParaRPr lang="en-US" dirty="0">
+              <a:rPr lang="en-US" sz="2100" dirty="0" smtClean="0">
+                <a:latin typeface="Calibri Light" panose="020F0302020204030204" pitchFamily="34" charset="0"/>
+              </a:rPr>
+              <a:t>A </a:t>
+            </a:r>
+            <a:r>
+              <a:rPr lang="en-US" sz="2100" dirty="0">
+                <a:latin typeface="Calibri Light" panose="020F0302020204030204" pitchFamily="34" charset="0"/>
+              </a:rPr>
+              <a:t>new editorial update </a:t>
+            </a:r>
+            <a:r>
+              <a:rPr lang="en-US" sz="2100" dirty="0" smtClean="0">
+                <a:latin typeface="Calibri Light" panose="020F0302020204030204" pitchFamily="34" charset="0"/>
+              </a:rPr>
+              <a:t>was done</a:t>
+            </a:r>
+            <a:endParaRPr lang="en-US" sz="2100" dirty="0">
               <a:latin typeface="Calibri Light" panose="020F0302020204030204" pitchFamily="34" charset="0"/>
             </a:endParaRPr>
           </a:p>
           <a:p>
             <a:pPr lvl="1"/>
             <a:r>
-              <a:rPr lang="en-US" dirty="0">
-                <a:latin typeface="Calibri Light" panose="020F0302020204030204" pitchFamily="34" charset="0"/>
-              </a:rPr>
-              <a:t>draft-ietf-pce-segment-routing-</a:t>
-            </a:r>
-            <a:r>
-              <a:rPr lang="en-US" dirty="0" smtClean="0">
-                <a:latin typeface="Calibri Light" panose="020F0302020204030204" pitchFamily="34" charset="0"/>
-              </a:rPr>
-              <a:t>ipv6</a:t>
-            </a:r>
-            <a:endParaRPr lang="en-IN" dirty="0" smtClean="0">
+              <a:rPr lang="en-US" sz="2100" dirty="0" smtClean="0">
+                <a:latin typeface="Calibri Light" panose="020F0302020204030204" pitchFamily="34" charset="0"/>
+              </a:rPr>
+              <a:t>Some reorganization </a:t>
+            </a:r>
+            <a:r>
+              <a:rPr lang="en-US" sz="2100" dirty="0" smtClean="0">
+                <a:latin typeface="Calibri Light" panose="020F0302020204030204" pitchFamily="34" charset="0"/>
+              </a:rPr>
+              <a:t>for readability would be </a:t>
+            </a:r>
+            <a:r>
+              <a:rPr lang="en-US" sz="2100" dirty="0" smtClean="0">
+                <a:latin typeface="Calibri Light" panose="020F0302020204030204" pitchFamily="34" charset="0"/>
+              </a:rPr>
+              <a:t>further useful </a:t>
+            </a:r>
+            <a:endParaRPr lang="en-US" sz="2100" dirty="0" smtClean="0">
               <a:latin typeface="Calibri Light" panose="020F0302020204030204" pitchFamily="34" charset="0"/>
             </a:endParaRPr>
+          </a:p>
+          <a:p>
+            <a:r>
+              <a:rPr lang="en-US" sz="2500" dirty="0" smtClean="0">
+                <a:latin typeface="Calibri Light" panose="020F0302020204030204" pitchFamily="34" charset="0"/>
+              </a:rPr>
+              <a:t>draft-</a:t>
+            </a:r>
+            <a:r>
+              <a:rPr lang="en-US" sz="2500" dirty="0" err="1" smtClean="0">
+                <a:latin typeface="Calibri Light" panose="020F0302020204030204" pitchFamily="34" charset="0"/>
+              </a:rPr>
+              <a:t>ietf</a:t>
+            </a:r>
+            <a:r>
+              <a:rPr lang="en-US" sz="2500" dirty="0" smtClean="0">
+                <a:latin typeface="Calibri Light" panose="020F0302020204030204" pitchFamily="34" charset="0"/>
+              </a:rPr>
+              <a:t>-</a:t>
+            </a:r>
+            <a:r>
+              <a:rPr lang="en-US" sz="2500" dirty="0" err="1" smtClean="0">
+                <a:latin typeface="Calibri Light" panose="020F0302020204030204" pitchFamily="34" charset="0"/>
+              </a:rPr>
+              <a:t>pce</a:t>
+            </a:r>
+            <a:r>
+              <a:rPr lang="en-US" sz="2500" dirty="0" smtClean="0">
+                <a:latin typeface="Calibri Light" panose="020F0302020204030204" pitchFamily="34" charset="0"/>
+              </a:rPr>
+              <a:t>-</a:t>
+            </a:r>
+            <a:r>
+              <a:rPr lang="en-US" sz="2500" dirty="0" err="1" smtClean="0">
+                <a:latin typeface="Calibri Light" panose="020F0302020204030204" pitchFamily="34" charset="0"/>
+              </a:rPr>
+              <a:t>pcep</a:t>
+            </a:r>
+            <a:r>
+              <a:rPr lang="en-US" sz="2500" dirty="0" smtClean="0">
+                <a:latin typeface="Calibri Light" panose="020F0302020204030204" pitchFamily="34" charset="0"/>
+              </a:rPr>
+              <a:t>-yang</a:t>
+            </a:r>
+          </a:p>
+          <a:p>
+            <a:pPr lvl="1"/>
+            <a:r>
+              <a:rPr lang="en-US" sz="2100" dirty="0" smtClean="0">
+                <a:latin typeface="Calibri Light" panose="020F0302020204030204" pitchFamily="34" charset="0"/>
+              </a:rPr>
+              <a:t>TE yang dependencies are progressing </a:t>
+            </a:r>
+          </a:p>
+          <a:p>
+            <a:pPr lvl="1"/>
+            <a:r>
+              <a:rPr lang="en-US" sz="2100" dirty="0" smtClean="0">
+                <a:latin typeface="Calibri Light" panose="020F0302020204030204" pitchFamily="34" charset="0"/>
+              </a:rPr>
+              <a:t>Dependency </a:t>
+            </a:r>
+            <a:r>
+              <a:rPr lang="en-US" sz="2100" dirty="0">
+                <a:latin typeface="Calibri Light" panose="020F0302020204030204" pitchFamily="34" charset="0"/>
+              </a:rPr>
+              <a:t>on  </a:t>
+            </a:r>
+            <a:r>
+              <a:rPr lang="en-US" sz="2100" dirty="0" smtClean="0">
+                <a:latin typeface="Calibri Light" panose="020F0302020204030204" pitchFamily="34" charset="0"/>
+              </a:rPr>
+              <a:t>draft-</a:t>
+            </a:r>
+            <a:r>
+              <a:rPr lang="en-US" sz="2100" dirty="0" err="1" smtClean="0">
+                <a:latin typeface="Calibri Light" panose="020F0302020204030204" pitchFamily="34" charset="0"/>
+              </a:rPr>
+              <a:t>ietf</a:t>
+            </a:r>
+            <a:r>
+              <a:rPr lang="en-US" sz="2100" dirty="0" smtClean="0">
+                <a:latin typeface="Calibri Light" panose="020F0302020204030204" pitchFamily="34" charset="0"/>
+              </a:rPr>
+              <a:t>-</a:t>
+            </a:r>
+            <a:r>
+              <a:rPr lang="en-US" sz="2100" dirty="0" err="1" smtClean="0">
+                <a:latin typeface="Calibri Light" panose="020F0302020204030204" pitchFamily="34" charset="0"/>
+              </a:rPr>
+              <a:t>netconf</a:t>
+            </a:r>
+            <a:r>
+              <a:rPr lang="en-US" sz="2100" dirty="0" smtClean="0">
+                <a:latin typeface="Calibri Light" panose="020F0302020204030204" pitchFamily="34" charset="0"/>
+              </a:rPr>
+              <a:t>-</a:t>
+            </a:r>
+            <a:r>
+              <a:rPr lang="en-US" sz="2100" dirty="0" err="1" smtClean="0">
+                <a:latin typeface="Calibri Light" panose="020F0302020204030204" pitchFamily="34" charset="0"/>
+              </a:rPr>
+              <a:t>tls</a:t>
+            </a:r>
+            <a:r>
+              <a:rPr lang="en-US" sz="2100" dirty="0" smtClean="0">
+                <a:latin typeface="Calibri Light" panose="020F0302020204030204" pitchFamily="34" charset="0"/>
+              </a:rPr>
+              <a:t>-client-server (used for PCEPS/TLS) might take longer</a:t>
+            </a:r>
           </a:p>
         </p:txBody>
       </p:sp>
@@ -23728,7 +23661,7 @@
     </p:spTree>
     <p:extLst>
       <p:ext uri="{BB962C8B-B14F-4D97-AF65-F5344CB8AC3E}">
-        <p14:creationId xmlns:p14="http://schemas.microsoft.com/office/powerpoint/2010/main" val="1197636399"/>
+        <p14:creationId xmlns:p14="http://schemas.microsoft.com/office/powerpoint/2010/main" val="975627608"/>
       </p:ext>
     </p:extLst>
   </p:cSld>
@@ -23771,25 +23704,10 @@
           <a:lstStyle/>
           <a:p>
             <a:r>
-              <a:rPr lang="en-US" dirty="0"/>
-              <a:t>draft-</a:t>
-            </a:r>
-            <a:r>
-              <a:rPr lang="en-US" dirty="0" err="1"/>
-              <a:t>ietf</a:t>
-            </a:r>
-            <a:r>
-              <a:rPr lang="en-US" dirty="0"/>
-              <a:t>-</a:t>
-            </a:r>
-            <a:r>
-              <a:rPr lang="en-US" dirty="0" err="1"/>
-              <a:t>pce</a:t>
-            </a:r>
-            <a:r>
-              <a:rPr lang="en-US" dirty="0"/>
-              <a:t>-enhanced-errors</a:t>
-            </a:r>
+              <a:rPr lang="en-US" dirty="0" smtClean="0"/>
+              <a:t>WG documents</a:t>
+            </a:r>
+            <a:endParaRPr lang="en-IN" dirty="0"/>
           </a:p>
         </p:txBody>
       </p:sp>
@@ -23806,129 +23724,197 @@
         <p:spPr/>
         <p:txBody>
           <a:bodyPr>
-            <a:normAutofit fontScale="85000" lnSpcReduction="20000"/>
+            <a:normAutofit/>
           </a:bodyPr>
           <a:lstStyle/>
           <a:p>
             <a:r>
-              <a:rPr lang="en-US" dirty="0" smtClean="0">
-                <a:latin typeface="+mn-lt"/>
-              </a:rPr>
-              <a:t>Guideline (as per mailing list discussion)</a:t>
-            </a:r>
+              <a:rPr lang="en-US" sz="2600" dirty="0" smtClean="0">
+                <a:latin typeface="Calibri Light" panose="020F0302020204030204" pitchFamily="34" charset="0"/>
+              </a:rPr>
+              <a:t>draft-</a:t>
+            </a:r>
+            <a:r>
+              <a:rPr lang="en-US" sz="2600" dirty="0" err="1" smtClean="0">
+                <a:latin typeface="Calibri Light" panose="020F0302020204030204" pitchFamily="34" charset="0"/>
+              </a:rPr>
+              <a:t>ietf</a:t>
+            </a:r>
+            <a:r>
+              <a:rPr lang="en-US" sz="2600" dirty="0" smtClean="0">
+                <a:latin typeface="Calibri Light" panose="020F0302020204030204" pitchFamily="34" charset="0"/>
+              </a:rPr>
+              <a:t>-</a:t>
+            </a:r>
+            <a:r>
+              <a:rPr lang="en-US" sz="2600" dirty="0" err="1" smtClean="0">
+                <a:latin typeface="Calibri Light" panose="020F0302020204030204" pitchFamily="34" charset="0"/>
+              </a:rPr>
+              <a:t>pce</a:t>
+            </a:r>
+            <a:r>
+              <a:rPr lang="en-US" sz="2600" dirty="0" smtClean="0">
+                <a:latin typeface="Calibri Light" panose="020F0302020204030204" pitchFamily="34" charset="0"/>
+              </a:rPr>
+              <a:t>-</a:t>
+            </a:r>
+            <a:r>
+              <a:rPr lang="en-US" sz="2600" dirty="0" err="1" smtClean="0">
+                <a:latin typeface="Calibri Light" panose="020F0302020204030204" pitchFamily="34" charset="0"/>
+              </a:rPr>
+              <a:t>pcep</a:t>
+            </a:r>
+            <a:r>
+              <a:rPr lang="en-US" sz="2600" dirty="0" smtClean="0">
+                <a:latin typeface="Calibri Light" panose="020F0302020204030204" pitchFamily="34" charset="0"/>
+              </a:rPr>
+              <a:t>-extension-native-</a:t>
+            </a:r>
+            <a:r>
+              <a:rPr lang="en-US" sz="2600" dirty="0" err="1" smtClean="0">
+                <a:latin typeface="Calibri Light" panose="020F0302020204030204" pitchFamily="34" charset="0"/>
+              </a:rPr>
+              <a:t>ip</a:t>
+            </a:r>
+            <a:endParaRPr lang="en-US" sz="2600" dirty="0" smtClean="0">
+              <a:latin typeface="Calibri Light" panose="020F0302020204030204" pitchFamily="34" charset="0"/>
+            </a:endParaRPr>
           </a:p>
           <a:p>
             <a:pPr lvl="1"/>
             <a:r>
-              <a:rPr lang="en-US" dirty="0">
-                <a:latin typeface="+mn-lt"/>
-              </a:rPr>
-              <a:t>Error and Notification handling as per [I-</a:t>
-            </a:r>
-            <a:r>
-              <a:rPr lang="en-US" dirty="0" err="1">
-                <a:latin typeface="+mn-lt"/>
-              </a:rPr>
-              <a:t>D.ietf</a:t>
-            </a:r>
-            <a:r>
-              <a:rPr lang="en-US" dirty="0">
-                <a:latin typeface="+mn-lt"/>
+              <a:rPr lang="en-US" sz="2100" dirty="0" smtClean="0">
+                <a:latin typeface="Calibri Light" panose="020F0302020204030204" pitchFamily="34" charset="0"/>
+              </a:rPr>
+              <a:t>Presented at IETF </a:t>
+            </a:r>
+            <a:r>
+              <a:rPr lang="en-US" sz="2100" dirty="0" smtClean="0">
+                <a:latin typeface="Calibri Light" panose="020F0302020204030204" pitchFamily="34" charset="0"/>
+              </a:rPr>
+              <a:t>104 </a:t>
+            </a:r>
+          </a:p>
+          <a:p>
+            <a:pPr lvl="1"/>
+            <a:r>
+              <a:rPr lang="en-US" sz="2100" dirty="0" smtClean="0">
+                <a:latin typeface="Calibri Light" panose="020F0302020204030204" pitchFamily="34" charset="0"/>
+              </a:rPr>
+              <a:t>Update (-04)</a:t>
+            </a:r>
+          </a:p>
+          <a:p>
+            <a:pPr lvl="2"/>
+            <a:r>
+              <a:rPr lang="en-IN" sz="2100" dirty="0">
+                <a:latin typeface="Calibri Light" panose="020F0302020204030204" pitchFamily="34" charset="0"/>
+              </a:rPr>
+              <a:t>Route </a:t>
+            </a:r>
+            <a:r>
+              <a:rPr lang="en-IN" sz="2100" dirty="0" smtClean="0">
+                <a:latin typeface="Calibri Light" panose="020F0302020204030204" pitchFamily="34" charset="0"/>
+              </a:rPr>
+              <a:t>Priority added in </a:t>
+            </a:r>
+            <a:r>
+              <a:rPr lang="en-IN" sz="2100" dirty="0">
+                <a:latin typeface="Calibri Light" panose="020F0302020204030204" pitchFamily="34" charset="0"/>
+              </a:rPr>
+              <a:t>Explicit Peer Route TLV</a:t>
+            </a:r>
+            <a:r>
+              <a:rPr lang="en-US" sz="2100" dirty="0" smtClean="0">
+                <a:latin typeface="Calibri Light" panose="020F0302020204030204" pitchFamily="34" charset="0"/>
+              </a:rPr>
+              <a:t> </a:t>
+            </a:r>
+          </a:p>
+          <a:p>
+            <a:pPr lvl="2"/>
+            <a:r>
+              <a:rPr lang="en-US" sz="2100" dirty="0" smtClean="0">
+                <a:latin typeface="Calibri Light" panose="020F0302020204030204" pitchFamily="34" charset="0"/>
+              </a:rPr>
+              <a:t>Editorial changes</a:t>
+            </a:r>
+            <a:endParaRPr lang="en-US" sz="2100" dirty="0">
+              <a:latin typeface="Calibri Light" panose="020F0302020204030204" pitchFamily="34" charset="0"/>
+            </a:endParaRPr>
+          </a:p>
+          <a:p>
+            <a:r>
+              <a:rPr lang="en-US" sz="2400" dirty="0" smtClean="0">
+                <a:latin typeface="Calibri Light" panose="020F0302020204030204" pitchFamily="34" charset="0"/>
+              </a:rPr>
+              <a:t>draft-</a:t>
+            </a:r>
+            <a:r>
+              <a:rPr lang="en-US" sz="2400" dirty="0" err="1" smtClean="0">
+                <a:latin typeface="Calibri Light" panose="020F0302020204030204" pitchFamily="34" charset="0"/>
+              </a:rPr>
+              <a:t>ietf</a:t>
+            </a:r>
+            <a:r>
+              <a:rPr lang="en-US" sz="2400" dirty="0" smtClean="0">
+                <a:latin typeface="Calibri Light" panose="020F0302020204030204" pitchFamily="34" charset="0"/>
               </a:rPr>
               <a:t>-</a:t>
             </a:r>
             <a:r>
-              <a:rPr lang="en-US" dirty="0" err="1">
-                <a:latin typeface="+mn-lt"/>
+              <a:rPr lang="en-US" sz="2400" dirty="0" err="1" smtClean="0">
+                <a:latin typeface="Calibri Light" panose="020F0302020204030204" pitchFamily="34" charset="0"/>
               </a:rPr>
               <a:t>pce</a:t>
             </a:r>
             <a:r>
-              <a:rPr lang="en-US" dirty="0">
-                <a:latin typeface="+mn-lt"/>
-              </a:rPr>
-              <a:t>-enhanced-errors] should be considered in PCE documents that include new errors and notifications. A requirement for the authors of these drafts is to evaluate the applicability of the procedure in [I-</a:t>
-            </a:r>
-            <a:r>
-              <a:rPr lang="en-US" dirty="0" err="1">
-                <a:latin typeface="+mn-lt"/>
-              </a:rPr>
-              <a:t>D.ietf</a:t>
-            </a:r>
-            <a:r>
-              <a:rPr lang="en-US" dirty="0">
-                <a:latin typeface="+mn-lt"/>
-              </a:rPr>
-              <a:t>-</a:t>
-            </a:r>
-            <a:r>
-              <a:rPr lang="en-US" dirty="0" err="1">
-                <a:latin typeface="+mn-lt"/>
-              </a:rPr>
-              <a:t>pce</a:t>
-            </a:r>
-            <a:r>
-              <a:rPr lang="en-US" dirty="0">
-                <a:latin typeface="+mn-lt"/>
-              </a:rPr>
-              <a:t>-enhanced-errors] and provide details about the "Error-criticality" TLV and "Propagation" TLV for errors and notifications defined in the draft. Examples of this can be found in section 5.4.3 of [I-</a:t>
-            </a:r>
-            <a:r>
-              <a:rPr lang="en-US" dirty="0" err="1">
-                <a:latin typeface="+mn-lt"/>
-              </a:rPr>
-              <a:t>D.ietf</a:t>
-            </a:r>
-            <a:r>
-              <a:rPr lang="en-US" dirty="0">
-                <a:latin typeface="+mn-lt"/>
-              </a:rPr>
-              <a:t>-</a:t>
-            </a:r>
-            <a:r>
-              <a:rPr lang="en-US" dirty="0" err="1">
-                <a:latin typeface="+mn-lt"/>
-              </a:rPr>
-              <a:t>pce</a:t>
-            </a:r>
-            <a:r>
-              <a:rPr lang="en-US" dirty="0">
-                <a:latin typeface="+mn-lt"/>
-              </a:rPr>
-              <a:t>-enhanced-errors]</a:t>
-            </a:r>
-            <a:r>
-              <a:rPr lang="en-US" dirty="0" smtClean="0">
-                <a:latin typeface="+mn-lt"/>
-              </a:rPr>
-              <a:t>.</a:t>
-            </a:r>
-          </a:p>
-          <a:p>
-            <a:r>
-              <a:rPr lang="en-US" dirty="0" smtClean="0">
-                <a:latin typeface="+mn-lt"/>
-              </a:rPr>
-              <a:t>Thoughts on the guideline? </a:t>
-            </a:r>
-          </a:p>
-          <a:p>
-            <a:r>
-              <a:rPr lang="en-US" dirty="0" smtClean="0">
-                <a:latin typeface="+mn-lt"/>
-              </a:rPr>
-              <a:t>Guideline to be put in the Wiki or the I-D</a:t>
-            </a:r>
-          </a:p>
-          <a:p>
-            <a:r>
-              <a:rPr lang="en-US" dirty="0" smtClean="0">
-                <a:latin typeface="+mn-lt"/>
-              </a:rPr>
-              <a:t>Work with the WG I-D authors </a:t>
-            </a:r>
-            <a:endParaRPr lang="en-US" dirty="0">
-              <a:latin typeface="+mn-lt"/>
+              <a:rPr lang="en-US" sz="2400" dirty="0" smtClean="0">
+                <a:latin typeface="Calibri Light" panose="020F0302020204030204" pitchFamily="34" charset="0"/>
+              </a:rPr>
+              <a:t>-enhanced-errors</a:t>
+            </a:r>
+          </a:p>
+          <a:p>
+            <a:pPr lvl="1"/>
+            <a:r>
+              <a:rPr lang="en-US" sz="2100" dirty="0" smtClean="0">
+                <a:latin typeface="Calibri Light" panose="020F0302020204030204" pitchFamily="34" charset="0"/>
+              </a:rPr>
+              <a:t>Presented at IETF 104</a:t>
+            </a:r>
+          </a:p>
+          <a:p>
+            <a:pPr lvl="1"/>
+            <a:r>
+              <a:rPr lang="en-US" sz="2100" dirty="0" smtClean="0">
+                <a:latin typeface="Calibri Light" panose="020F0302020204030204" pitchFamily="34" charset="0"/>
+              </a:rPr>
+              <a:t>Update (-06)</a:t>
+            </a:r>
+          </a:p>
+          <a:p>
+            <a:pPr lvl="2"/>
+            <a:r>
+              <a:rPr lang="en-US" sz="2100" dirty="0" smtClean="0">
+                <a:latin typeface="Calibri Light" panose="020F0302020204030204" pitchFamily="34" charset="0"/>
+              </a:rPr>
+              <a:t>Agreed guideline for future documents are added</a:t>
+            </a:r>
+            <a:endParaRPr lang="en-US" sz="2100" dirty="0">
+              <a:latin typeface="Calibri Light" panose="020F0302020204030204" pitchFamily="34" charset="0"/>
+            </a:endParaRPr>
+          </a:p>
+          <a:p>
+            <a:pPr lvl="2"/>
+            <a:r>
+              <a:rPr lang="en-US" sz="2100" dirty="0" smtClean="0">
+                <a:latin typeface="Calibri Light" panose="020F0302020204030204" pitchFamily="34" charset="0"/>
+              </a:rPr>
+              <a:t> Editorial changes</a:t>
+            </a:r>
+            <a:endParaRPr lang="en-US" sz="2100" dirty="0">
+              <a:latin typeface="Calibri Light" panose="020F0302020204030204" pitchFamily="34" charset="0"/>
             </a:endParaRPr>
           </a:p>
         </p:txBody>
@@ -23982,7 +23968,7 @@
     </p:spTree>
     <p:extLst>
       <p:ext uri="{BB962C8B-B14F-4D97-AF65-F5344CB8AC3E}">
-        <p14:creationId xmlns:p14="http://schemas.microsoft.com/office/powerpoint/2010/main" val="4185782037"/>
+        <p14:creationId xmlns:p14="http://schemas.microsoft.com/office/powerpoint/2010/main" val="1197636399"/>
       </p:ext>
     </p:extLst>
   </p:cSld>
@@ -23993,6 +23979,244 @@
 </file>
 
 <file path=ppt/slides/slide18.xml><?xml version="1.0" encoding="utf-8"?>
+<p:sld xmlns:a="http://schemas.openxmlformats.org/drawingml/2006/main" xmlns:r="http://schemas.openxmlformats.org/officeDocument/2006/relationships" xmlns:p="http://schemas.openxmlformats.org/presentationml/2006/main">
+  <p:cSld>
+    <p:spTree>
+      <p:nvGrpSpPr>
+        <p:cNvPr id="1" name=""/>
+        <p:cNvGrpSpPr/>
+        <p:nvPr/>
+      </p:nvGrpSpPr>
+      <p:grpSpPr>
+        <a:xfrm>
+          <a:off x="0" y="0"/>
+          <a:ext cx="0" cy="0"/>
+          <a:chOff x="0" y="0"/>
+          <a:chExt cx="0" cy="0"/>
+        </a:xfrm>
+      </p:grpSpPr>
+      <p:sp>
+        <p:nvSpPr>
+          <p:cNvPr id="2" name="Title 1"/>
+          <p:cNvSpPr>
+            <a:spLocks noGrp="1"/>
+          </p:cNvSpPr>
+          <p:nvPr>
+            <p:ph type="title"/>
+          </p:nvPr>
+        </p:nvSpPr>
+        <p:spPr/>
+        <p:txBody>
+          <a:bodyPr/>
+          <a:lstStyle/>
+          <a:p>
+            <a:r>
+              <a:rPr lang="en-US" dirty="0" smtClean="0"/>
+              <a:t>Recent WG documents</a:t>
+            </a:r>
+            <a:endParaRPr lang="en-IN" dirty="0"/>
+          </a:p>
+        </p:txBody>
+      </p:sp>
+      <p:sp>
+        <p:nvSpPr>
+          <p:cNvPr id="3" name="Content Placeholder 2"/>
+          <p:cNvSpPr>
+            <a:spLocks noGrp="1"/>
+          </p:cNvSpPr>
+          <p:nvPr>
+            <p:ph idx="1"/>
+          </p:nvPr>
+        </p:nvSpPr>
+        <p:spPr/>
+        <p:txBody>
+          <a:bodyPr>
+            <a:normAutofit/>
+          </a:bodyPr>
+          <a:lstStyle/>
+          <a:p>
+            <a:r>
+              <a:rPr lang="en-IN" sz="2400" dirty="0" smtClean="0">
+                <a:latin typeface="Calibri Light" panose="020F0302020204030204" pitchFamily="34" charset="0"/>
+              </a:rPr>
+              <a:t>draft-</a:t>
+            </a:r>
+            <a:r>
+              <a:rPr lang="en-IN" sz="2400" dirty="0" err="1" smtClean="0">
+                <a:latin typeface="Calibri Light" panose="020F0302020204030204" pitchFamily="34" charset="0"/>
+              </a:rPr>
+              <a:t>ietf</a:t>
+            </a:r>
+            <a:r>
+              <a:rPr lang="en-IN" sz="2400" dirty="0" smtClean="0">
+                <a:latin typeface="Calibri Light" panose="020F0302020204030204" pitchFamily="34" charset="0"/>
+              </a:rPr>
+              <a:t>-</a:t>
+            </a:r>
+            <a:r>
+              <a:rPr lang="en-IN" sz="2400" dirty="0" err="1" smtClean="0">
+                <a:latin typeface="Calibri Light" panose="020F0302020204030204" pitchFamily="34" charset="0"/>
+              </a:rPr>
+              <a:t>pce</a:t>
+            </a:r>
+            <a:r>
+              <a:rPr lang="en-IN" sz="2400" dirty="0" smtClean="0">
+                <a:latin typeface="Calibri Light" panose="020F0302020204030204" pitchFamily="34" charset="0"/>
+              </a:rPr>
+              <a:t>-flexible-grid</a:t>
+            </a:r>
+          </a:p>
+          <a:p>
+            <a:pPr lvl="1"/>
+            <a:r>
+              <a:rPr lang="en-US" sz="2100" dirty="0" smtClean="0">
+                <a:latin typeface="Calibri Light" panose="020F0302020204030204" pitchFamily="34" charset="0"/>
+              </a:rPr>
+              <a:t>Adopted before 104</a:t>
+            </a:r>
+          </a:p>
+          <a:p>
+            <a:pPr lvl="1"/>
+            <a:r>
+              <a:rPr lang="en-US" sz="2100" dirty="0" smtClean="0">
+                <a:latin typeface="Calibri Light" panose="020F0302020204030204" pitchFamily="34" charset="0"/>
+              </a:rPr>
+              <a:t>Update (-02)</a:t>
+            </a:r>
+            <a:endParaRPr lang="en-IN" sz="2100" dirty="0" smtClean="0">
+              <a:latin typeface="Calibri Light" panose="020F0302020204030204" pitchFamily="34" charset="0"/>
+            </a:endParaRPr>
+          </a:p>
+          <a:p>
+            <a:pPr lvl="2"/>
+            <a:r>
+              <a:rPr lang="en-US" sz="2100" dirty="0" smtClean="0">
+                <a:latin typeface="Calibri Light" panose="020F0302020204030204" pitchFamily="34" charset="0"/>
+              </a:rPr>
+              <a:t>Good cleanup of document</a:t>
+            </a:r>
+          </a:p>
+          <a:p>
+            <a:r>
+              <a:rPr lang="en-US" sz="2400" dirty="0" smtClean="0">
+                <a:latin typeface="Calibri Light" panose="020F0302020204030204" pitchFamily="34" charset="0"/>
+              </a:rPr>
+              <a:t>draft-ietf-pce-segment-routing-ipv6</a:t>
+            </a:r>
+          </a:p>
+          <a:p>
+            <a:pPr lvl="1"/>
+            <a:r>
+              <a:rPr lang="en-US" sz="2100" dirty="0">
+                <a:latin typeface="Calibri Light" panose="020F0302020204030204" pitchFamily="34" charset="0"/>
+              </a:rPr>
+              <a:t>Adopted before </a:t>
+            </a:r>
+            <a:r>
+              <a:rPr lang="en-US" sz="2100" dirty="0" smtClean="0">
+                <a:latin typeface="Calibri Light" panose="020F0302020204030204" pitchFamily="34" charset="0"/>
+              </a:rPr>
+              <a:t>104</a:t>
+            </a:r>
+          </a:p>
+          <a:p>
+            <a:pPr lvl="1"/>
+            <a:r>
+              <a:rPr lang="en-US" sz="2100" dirty="0" smtClean="0">
+                <a:latin typeface="Calibri Light" panose="020F0302020204030204" pitchFamily="34" charset="0"/>
+              </a:rPr>
+              <a:t>Update (-03)</a:t>
+            </a:r>
+          </a:p>
+          <a:p>
+            <a:pPr lvl="2"/>
+            <a:r>
+              <a:rPr lang="en-US" sz="2100" dirty="0" smtClean="0">
+                <a:latin typeface="Calibri Light" panose="020F0302020204030204" pitchFamily="34" charset="0"/>
+              </a:rPr>
+              <a:t>Rearranging of text</a:t>
+            </a:r>
+          </a:p>
+          <a:p>
+            <a:pPr lvl="2"/>
+            <a:r>
+              <a:rPr lang="en-US" sz="2100" dirty="0" smtClean="0">
+                <a:latin typeface="Calibri Light" panose="020F0302020204030204" pitchFamily="34" charset="0"/>
+              </a:rPr>
+              <a:t>Syncing with changes in PCEP-SR</a:t>
+            </a:r>
+          </a:p>
+          <a:p>
+            <a:pPr lvl="2"/>
+            <a:r>
+              <a:rPr lang="en-US" sz="2100" dirty="0" smtClean="0">
+                <a:latin typeface="Calibri Light" panose="020F0302020204030204" pitchFamily="34" charset="0"/>
+              </a:rPr>
+              <a:t>Editorial changes</a:t>
+            </a:r>
+          </a:p>
+        </p:txBody>
+      </p:sp>
+      <p:sp>
+        <p:nvSpPr>
+          <p:cNvPr id="4" name="Footer Placeholder 3"/>
+          <p:cNvSpPr>
+            <a:spLocks noGrp="1"/>
+          </p:cNvSpPr>
+          <p:nvPr>
+            <p:ph type="ftr" sz="quarter" idx="11"/>
+          </p:nvPr>
+        </p:nvSpPr>
+        <p:spPr/>
+        <p:txBody>
+          <a:bodyPr/>
+          <a:lstStyle/>
+          <a:p>
+            <a:r>
+              <a:rPr lang="en-US" smtClean="0"/>
+              <a:t>PCE WG @ IETF 106, Singapore</a:t>
+            </a:r>
+            <a:endParaRPr lang="en-US"/>
+          </a:p>
+        </p:txBody>
+      </p:sp>
+      <p:sp>
+        <p:nvSpPr>
+          <p:cNvPr id="5" name="Slide Number Placeholder 4"/>
+          <p:cNvSpPr>
+            <a:spLocks noGrp="1"/>
+          </p:cNvSpPr>
+          <p:nvPr>
+            <p:ph type="sldNum" sz="quarter" idx="12"/>
+          </p:nvPr>
+        </p:nvSpPr>
+        <p:spPr/>
+        <p:txBody>
+          <a:bodyPr/>
+          <a:lstStyle/>
+          <a:p>
+            <a:fld id="{B46CAD5C-20D6-4792-892D-3D51AC2D7322}" type="slidenum">
+              <a:rPr lang="en-US" smtClean="0"/>
+              <a:t>18</a:t>
+            </a:fld>
+            <a:endParaRPr lang="en-US"/>
+          </a:p>
+        </p:txBody>
+      </p:sp>
+    </p:spTree>
+    <p:extLst>
+      <p:ext uri="{BB962C8B-B14F-4D97-AF65-F5344CB8AC3E}">
+        <p14:creationId xmlns:p14="http://schemas.microsoft.com/office/powerpoint/2010/main" val="960611053"/>
+      </p:ext>
+    </p:extLst>
+  </p:cSld>
+  <p:clrMapOvr>
+    <a:masterClrMapping/>
+  </p:clrMapOvr>
+</p:sld>
+</file>
+
+<file path=ppt/slides/slide19.xml><?xml version="1.0" encoding="utf-8"?>
 <p:sld xmlns:a="http://schemas.openxmlformats.org/drawingml/2006/main" xmlns:r="http://schemas.openxmlformats.org/officeDocument/2006/relationships" xmlns:p="http://schemas.openxmlformats.org/presentationml/2006/main">
   <p:cSld>
     <p:spTree>
@@ -24412,7 +24636,7 @@
           <a:p>
             <a:fld id="{B46CAD5C-20D6-4792-892D-3D51AC2D7322}" type="slidenum">
               <a:rPr lang="en-US" smtClean="0"/>
-              <a:t>18</a:t>
+              <a:t>19</a:t>
             </a:fld>
             <a:endParaRPr lang="en-US"/>
           </a:p>
@@ -24422,77 +24646,6 @@
     <p:extLst>
       <p:ext uri="{BB962C8B-B14F-4D97-AF65-F5344CB8AC3E}">
         <p14:creationId xmlns:p14="http://schemas.microsoft.com/office/powerpoint/2010/main" val="2194100049"/>
-      </p:ext>
-    </p:extLst>
-  </p:cSld>
-  <p:clrMapOvr>
-    <a:masterClrMapping/>
-  </p:clrMapOvr>
-</p:sld>
-</file>
-
-<file path=ppt/slides/slide19.xml><?xml version="1.0" encoding="utf-8"?>
-<p:sld xmlns:a="http://schemas.openxmlformats.org/drawingml/2006/main" xmlns:r="http://schemas.openxmlformats.org/officeDocument/2006/relationships" xmlns:p="http://schemas.openxmlformats.org/presentationml/2006/main">
-  <p:cSld>
-    <p:spTree>
-      <p:nvGrpSpPr>
-        <p:cNvPr id="1" name=""/>
-        <p:cNvGrpSpPr/>
-        <p:nvPr/>
-      </p:nvGrpSpPr>
-      <p:grpSpPr>
-        <a:xfrm>
-          <a:off x="0" y="0"/>
-          <a:ext cx="0" cy="0"/>
-          <a:chOff x="0" y="0"/>
-          <a:chExt cx="0" cy="0"/>
-        </a:xfrm>
-      </p:grpSpPr>
-      <p:sp>
-        <p:nvSpPr>
-          <p:cNvPr id="4" name="Titre 3"/>
-          <p:cNvSpPr>
-            <a:spLocks noGrp="1"/>
-          </p:cNvSpPr>
-          <p:nvPr>
-            <p:ph type="ctrTitle"/>
-          </p:nvPr>
-        </p:nvSpPr>
-        <p:spPr/>
-        <p:txBody>
-          <a:bodyPr/>
-          <a:lstStyle/>
-          <a:p>
-            <a:r>
-              <a:rPr lang="en-US" dirty="0"/>
-              <a:t>Thanks</a:t>
-            </a:r>
-          </a:p>
-        </p:txBody>
-      </p:sp>
-      <p:sp>
-        <p:nvSpPr>
-          <p:cNvPr id="5" name="Sous-titre 4"/>
-          <p:cNvSpPr>
-            <a:spLocks noGrp="1"/>
-          </p:cNvSpPr>
-          <p:nvPr>
-            <p:ph type="subTitle" idx="1"/>
-          </p:nvPr>
-        </p:nvSpPr>
-        <p:spPr/>
-        <p:txBody>
-          <a:bodyPr/>
-          <a:lstStyle/>
-          <a:p>
-            <a:endParaRPr lang="en-US"/>
-          </a:p>
-        </p:txBody>
-      </p:sp>
-    </p:spTree>
-    <p:extLst>
-      <p:ext uri="{BB962C8B-B14F-4D97-AF65-F5344CB8AC3E}">
-        <p14:creationId xmlns:p14="http://schemas.microsoft.com/office/powerpoint/2010/main" val="2446400100"/>
       </p:ext>
     </p:extLst>
   </p:cSld>
@@ -24877,6 +25030,77 @@
 </p:sld>
 </file>
 
+<file path=ppt/slides/slide20.xml><?xml version="1.0" encoding="utf-8"?>
+<p:sld xmlns:a="http://schemas.openxmlformats.org/drawingml/2006/main" xmlns:r="http://schemas.openxmlformats.org/officeDocument/2006/relationships" xmlns:p="http://schemas.openxmlformats.org/presentationml/2006/main">
+  <p:cSld>
+    <p:spTree>
+      <p:nvGrpSpPr>
+        <p:cNvPr id="1" name=""/>
+        <p:cNvGrpSpPr/>
+        <p:nvPr/>
+      </p:nvGrpSpPr>
+      <p:grpSpPr>
+        <a:xfrm>
+          <a:off x="0" y="0"/>
+          <a:ext cx="0" cy="0"/>
+          <a:chOff x="0" y="0"/>
+          <a:chExt cx="0" cy="0"/>
+        </a:xfrm>
+      </p:grpSpPr>
+      <p:sp>
+        <p:nvSpPr>
+          <p:cNvPr id="4" name="Titre 3"/>
+          <p:cNvSpPr>
+            <a:spLocks noGrp="1"/>
+          </p:cNvSpPr>
+          <p:nvPr>
+            <p:ph type="ctrTitle"/>
+          </p:nvPr>
+        </p:nvSpPr>
+        <p:spPr/>
+        <p:txBody>
+          <a:bodyPr/>
+          <a:lstStyle/>
+          <a:p>
+            <a:r>
+              <a:rPr lang="en-US" dirty="0"/>
+              <a:t>Thanks</a:t>
+            </a:r>
+          </a:p>
+        </p:txBody>
+      </p:sp>
+      <p:sp>
+        <p:nvSpPr>
+          <p:cNvPr id="5" name="Sous-titre 4"/>
+          <p:cNvSpPr>
+            <a:spLocks noGrp="1"/>
+          </p:cNvSpPr>
+          <p:nvPr>
+            <p:ph type="subTitle" idx="1"/>
+          </p:nvPr>
+        </p:nvSpPr>
+        <p:spPr/>
+        <p:txBody>
+          <a:bodyPr/>
+          <a:lstStyle/>
+          <a:p>
+            <a:endParaRPr lang="en-US"/>
+          </a:p>
+        </p:txBody>
+      </p:sp>
+    </p:spTree>
+    <p:extLst>
+      <p:ext uri="{BB962C8B-B14F-4D97-AF65-F5344CB8AC3E}">
+        <p14:creationId xmlns:p14="http://schemas.microsoft.com/office/powerpoint/2010/main" val="2446400100"/>
+      </p:ext>
+    </p:extLst>
+  </p:cSld>
+  <p:clrMapOvr>
+    <a:masterClrMapping/>
+  </p:clrMapOvr>
+</p:sld>
+</file>
+
 <file path=ppt/slides/slide3.xml><?xml version="1.0" encoding="utf-8"?>
 <p:sld xmlns:a="http://schemas.openxmlformats.org/drawingml/2006/main" xmlns:r="http://schemas.openxmlformats.org/officeDocument/2006/relationships" xmlns:p="http://schemas.openxmlformats.org/presentationml/2006/main">
   <p:cSld>
@@ -25162,43 +25386,7 @@
               <a:rPr lang="en-US" dirty="0" smtClean="0">
                 <a:latin typeface="Calibri Light" panose="020F0302020204030204" pitchFamily="34" charset="0"/>
               </a:rPr>
-              <a:t>Adrian </a:t>
-            </a:r>
-            <a:r>
-              <a:rPr lang="en-US" dirty="0" smtClean="0">
-                <a:latin typeface="Calibri Light" panose="020F0302020204030204" pitchFamily="34" charset="0"/>
-              </a:rPr>
-              <a:t>stepped </a:t>
-            </a:r>
-            <a:r>
-              <a:rPr lang="en-US" dirty="0" smtClean="0">
-                <a:latin typeface="Calibri Light" panose="020F0302020204030204" pitchFamily="34" charset="0"/>
-              </a:rPr>
-              <a:t>down </a:t>
-            </a:r>
-            <a:r>
-              <a:rPr lang="en-US" dirty="0" smtClean="0">
-                <a:latin typeface="Calibri Light" panose="020F0302020204030204" pitchFamily="34" charset="0"/>
-              </a:rPr>
-              <a:t>after </a:t>
-            </a:r>
-            <a:r>
-              <a:rPr lang="en-US" dirty="0" smtClean="0">
-                <a:latin typeface="Calibri Light" panose="020F0302020204030204" pitchFamily="34" charset="0"/>
-              </a:rPr>
-              <a:t>the IETF </a:t>
-            </a:r>
-            <a:r>
-              <a:rPr lang="en-US" dirty="0" smtClean="0">
-                <a:latin typeface="Calibri Light" panose="020F0302020204030204" pitchFamily="34" charset="0"/>
-              </a:rPr>
-              <a:t>105 meeting</a:t>
-            </a:r>
-            <a:r>
-              <a:rPr lang="en-US" dirty="0" smtClean="0">
-                <a:latin typeface="Calibri Light" panose="020F0302020204030204" pitchFamily="34" charset="0"/>
-              </a:rPr>
-              <a:t>. </a:t>
+              <a:t>Adrian stepped down after the IETF 105 meeting. </a:t>
             </a:r>
           </a:p>
           <a:p>
@@ -25211,7 +25399,19 @@
               <a:rPr lang="en-US" sz="2800" i="1" dirty="0" smtClean="0">
                 <a:latin typeface="Calibri Light" panose="020F0302020204030204" pitchFamily="34" charset="0"/>
               </a:rPr>
-              <a:t>Thank you Adrian for serving as PCE chair (again) and guiding us during this transition. </a:t>
+              <a:t>Thank you Adrian for serving as PCE chair </a:t>
+            </a:r>
+            <a:r>
+              <a:rPr lang="en-US" sz="2800" i="1" dirty="0" smtClean="0">
+                <a:latin typeface="Calibri Light" panose="020F0302020204030204" pitchFamily="34" charset="0"/>
+              </a:rPr>
+              <a:t>and </a:t>
+            </a:r>
+            <a:r>
+              <a:rPr lang="en-US" sz="2800" i="1" dirty="0" smtClean="0">
+                <a:latin typeface="Calibri Light" panose="020F0302020204030204" pitchFamily="34" charset="0"/>
+              </a:rPr>
+              <a:t>guiding us during this transition. </a:t>
             </a:r>
             <a:endParaRPr lang="en-US" sz="2800" i="1" dirty="0">
               <a:latin typeface="Calibri Light" panose="020F0302020204030204" pitchFamily="34" charset="0"/>
@@ -25503,33 +25703,51 @@
               <a:rPr lang="en-US" sz="2400" dirty="0">
                 <a:latin typeface="Calibri Light" panose="020F0302020204030204" pitchFamily="34" charset="0"/>
               </a:rPr>
-              <a:t>Please be vocal on the list</a:t>
-            </a:r>
+              <a:t>Please be vocal on the list to help us gauge the consensus better. </a:t>
+            </a:r>
+          </a:p>
+          <a:p>
             <a:r>
               <a:rPr lang="en-US" sz="2400" dirty="0">
                 <a:latin typeface="Calibri Light" panose="020F0302020204030204" pitchFamily="34" charset="0"/>
               </a:rPr>
-              <a:t> </a:t>
+              <a:t>Please review ideas from your </a:t>
+            </a:r>
+            <a:r>
+              <a:rPr lang="en-US" sz="2400" dirty="0" smtClean="0">
+                <a:latin typeface="Calibri Light" panose="020F0302020204030204" pitchFamily="34" charset="0"/>
+              </a:rPr>
+              <a:t>peers, these are </a:t>
+            </a:r>
+            <a:r>
+              <a:rPr lang="en-US" sz="2400" dirty="0" smtClean="0">
+                <a:latin typeface="Calibri Light" panose="020F0302020204030204" pitchFamily="34" charset="0"/>
+              </a:rPr>
+              <a:t>community </a:t>
+            </a:r>
+            <a:r>
+              <a:rPr lang="en-US" sz="2400" dirty="0" smtClean="0">
+                <a:latin typeface="Calibri Light" panose="020F0302020204030204" pitchFamily="34" charset="0"/>
+              </a:rPr>
+              <a:t>outputs of the working </a:t>
+            </a:r>
+            <a:r>
+              <a:rPr lang="en-US" sz="2400" dirty="0" smtClean="0">
+                <a:latin typeface="Calibri Light" panose="020F0302020204030204" pitchFamily="34" charset="0"/>
+              </a:rPr>
+              <a:t>group as a whole</a:t>
             </a:r>
             <a:r>
               <a:rPr lang="en-US" sz="2400" dirty="0">
                 <a:latin typeface="Calibri Light" panose="020F0302020204030204" pitchFamily="34" charset="0"/>
               </a:rPr>
-              <a:t>to help us gauge the consensus better. </a:t>
-            </a:r>
-          </a:p>
-          <a:p>
-            <a:r>
-              <a:rPr lang="en-US" sz="2400" dirty="0">
-                <a:latin typeface="Calibri Light" panose="020F0302020204030204" pitchFamily="34" charset="0"/>
-              </a:rPr>
-              <a:t>Please review ideas from your </a:t>
+              <a:t>.</a:t>
             </a:r>
             <a:r>
               <a:rPr lang="en-US" sz="2400" dirty="0" smtClean="0">
                 <a:latin typeface="Calibri Light" panose="020F0302020204030204" pitchFamily="34" charset="0"/>
               </a:rPr>
-              <a:t>peers, these are the community outputs of the working group!  </a:t>
+              <a:t>  </a:t>
             </a:r>
             <a:endParaRPr lang="en-US" sz="2400" dirty="0">
               <a:latin typeface="Calibri Light" panose="020F0302020204030204" pitchFamily="34" charset="0"/>
@@ -25958,25 +26176,7 @@
               <a:rPr lang="en-US" sz="2400" i="1" dirty="0" smtClean="0">
                 <a:latin typeface="+mn-lt"/>
               </a:rPr>
-              <a:t>Some </a:t>
-            </a:r>
-            <a:r>
-              <a:rPr lang="en-US" sz="2400" i="1" dirty="0" smtClean="0">
-                <a:latin typeface="+mn-lt"/>
-              </a:rPr>
-              <a:t>of </a:t>
-            </a:r>
-            <a:r>
-              <a:rPr lang="en-US" sz="2400" i="1" dirty="0" smtClean="0">
-                <a:latin typeface="+mn-lt"/>
-              </a:rPr>
-              <a:t>the documents </a:t>
-            </a:r>
-            <a:r>
-              <a:rPr lang="en-US" sz="2400" i="1" dirty="0" smtClean="0">
-                <a:latin typeface="+mn-lt"/>
-              </a:rPr>
-              <a:t>that authors believe are ready for WG LC still lacks this section.</a:t>
+              <a:t>Some of the documents that authors believe are ready for WG LC still lacks this section.</a:t>
             </a:r>
           </a:p>
         </p:txBody>
@@ -26508,9 +26708,6 @@
               </a:rPr>
               <a:t>draft-chen-pce-bier-06</a:t>
             </a:r>
-            <a:endParaRPr lang="en-US" sz="1600" dirty="0">
-              <a:latin typeface="Calibri Light" panose="020F0302020204030204" pitchFamily="34" charset="0"/>
-            </a:endParaRPr>
           </a:p>
         </p:txBody>
       </p:sp>

--- a/PCE WG Slide 106.pptx
+++ b/PCE WG Slide 106.pptx
@@ -6,10 +6,10 @@
     <p:sldMasterId id="2147483660" r:id="rId2"/>
   </p:sldMasterIdLst>
   <p:notesMasterIdLst>
-    <p:notesMasterId r:id="rId23"/>
+    <p:notesMasterId r:id="rId24"/>
   </p:notesMasterIdLst>
   <p:handoutMasterIdLst>
-    <p:handoutMasterId r:id="rId24"/>
+    <p:handoutMasterId r:id="rId25"/>
   </p:handoutMasterIdLst>
   <p:sldIdLst>
     <p:sldId id="256" r:id="rId3"/>
@@ -30,8 +30,9 @@
     <p:sldId id="265" r:id="rId18"/>
     <p:sldId id="281" r:id="rId19"/>
     <p:sldId id="292" r:id="rId20"/>
-    <p:sldId id="278" r:id="rId21"/>
-    <p:sldId id="273" r:id="rId22"/>
+    <p:sldId id="293" r:id="rId21"/>
+    <p:sldId id="278" r:id="rId22"/>
+    <p:sldId id="273" r:id="rId23"/>
   </p:sldIdLst>
   <p:sldSz cx="9144000" cy="6858000" type="screen4x3"/>
   <p:notesSz cx="6858000" cy="9144000"/>
@@ -231,7 +232,7 @@
           <a:p>
             <a:fld id="{28E57930-D69E-6240-960C-82C8DD17DC6D}" type="datetimeFigureOut">
               <a:rPr lang="en-US" smtClean="0"/>
-              <a:t>11/18/2019</a:t>
+              <a:t>11/19/2019</a:t>
             </a:fld>
             <a:endParaRPr lang="en-US"/>
           </a:p>
@@ -397,7 +398,7 @@
           <a:p>
             <a:fld id="{F0F0257D-9018-4B52-AFF7-0EB7F80C77FC}" type="datetimeFigureOut">
               <a:rPr lang="en-US" smtClean="0"/>
-              <a:t>11/18/2019</a:t>
+              <a:t>11/19/2019</a:t>
             </a:fld>
             <a:endParaRPr lang="en-US"/>
           </a:p>
@@ -712,14 +713,14 @@
           <a:ln w="9525"/>
           <a:extLst>
             <a:ext uri="{909E8E84-426E-40dd-AFC4-6F175D3DCCD1}">
-              <a14:hiddenFill xmlns="" xmlns:a14="http://schemas.microsoft.com/office/drawing/2010/main">
+              <a14:hiddenFill xmlns:a14="http://schemas.microsoft.com/office/drawing/2010/main" xmlns="">
                 <a:solidFill>
                   <a:srgbClr val="FFFFFF"/>
                 </a:solidFill>
               </a14:hiddenFill>
             </a:ext>
             <a:ext uri="{91240B29-F687-4f45-9708-019B960494DF}">
-              <a14:hiddenLine xmlns="" xmlns:a14="http://schemas.microsoft.com/office/drawing/2010/main" w="9525">
+              <a14:hiddenLine xmlns:a14="http://schemas.microsoft.com/office/drawing/2010/main" xmlns="" w="9525">
                 <a:solidFill>
                   <a:srgbClr val="000000"/>
                 </a:solidFill>
@@ -1018,7 +1019,7 @@
           <a:p>
             <a:fld id="{C56862E9-BCB8-4C32-A839-4551D2DA0BB5}" type="datetime1">
               <a:rPr lang="en-US" smtClean="0"/>
-              <a:t>11/18/2019</a:t>
+              <a:t>11/19/2019</a:t>
             </a:fld>
             <a:endParaRPr lang="en-US"/>
           </a:p>
@@ -1192,7 +1193,7 @@
           <a:p>
             <a:fld id="{B58E6C3B-19D5-48EB-A156-EEA1FF8D52D8}" type="datetime1">
               <a:rPr lang="en-US" smtClean="0"/>
-              <a:t>11/18/2019</a:t>
+              <a:t>11/19/2019</a:t>
             </a:fld>
             <a:endParaRPr lang="en-US"/>
           </a:p>
@@ -1376,7 +1377,7 @@
           <a:p>
             <a:fld id="{2561F180-BFA9-463D-83C1-2A5878AA4B5A}" type="datetime1">
               <a:rPr lang="en-US" smtClean="0"/>
-              <a:t>11/18/2019</a:t>
+              <a:t>11/19/2019</a:t>
             </a:fld>
             <a:endParaRPr lang="en-US"/>
           </a:p>
@@ -1653,7 +1654,7 @@
           <a:p>
             <a:fld id="{B3F2118E-CC4B-4661-8E9D-9D15D452151D}" type="datetime1">
               <a:rPr lang="en-US" smtClean="0"/>
-              <a:t>11/18/2019</a:t>
+              <a:t>11/19/2019</a:t>
             </a:fld>
             <a:endParaRPr lang="en-US"/>
           </a:p>
@@ -1903,7 +1904,7 @@
           <a:p>
             <a:fld id="{EF19DE57-57D2-4FF4-8B2D-38BDC1980949}" type="datetime1">
               <a:rPr lang="en-US" smtClean="0"/>
-              <a:t>11/18/2019</a:t>
+              <a:t>11/19/2019</a:t>
             </a:fld>
             <a:endParaRPr lang="en-US"/>
           </a:p>
@@ -2195,7 +2196,7 @@
           <a:p>
             <a:fld id="{4BD23EC6-E22C-4290-A82B-5E676893772A}" type="datetime1">
               <a:rPr lang="en-US" smtClean="0"/>
-              <a:t>11/18/2019</a:t>
+              <a:t>11/19/2019</a:t>
             </a:fld>
             <a:endParaRPr lang="en-US"/>
           </a:p>
@@ -2621,7 +2622,7 @@
           <a:p>
             <a:fld id="{04D55483-648C-4CDB-90F1-599B74DF8555}" type="datetime1">
               <a:rPr lang="en-US" smtClean="0"/>
-              <a:t>11/18/2019</a:t>
+              <a:t>11/19/2019</a:t>
             </a:fld>
             <a:endParaRPr lang="en-US"/>
           </a:p>
@@ -2743,7 +2744,7 @@
           <a:p>
             <a:fld id="{8A67A5CF-E1E3-4760-B2F8-28885E551981}" type="datetime1">
               <a:rPr lang="en-US" smtClean="0"/>
-              <a:t>11/18/2019</a:t>
+              <a:t>11/19/2019</a:t>
             </a:fld>
             <a:endParaRPr lang="en-US"/>
           </a:p>
@@ -2842,7 +2843,7 @@
           <a:p>
             <a:fld id="{684D8617-0B19-4E9D-B1C1-0620F360F541}" type="datetime1">
               <a:rPr lang="en-US" smtClean="0"/>
-              <a:t>11/18/2019</a:t>
+              <a:t>11/19/2019</a:t>
             </a:fld>
             <a:endParaRPr lang="en-US"/>
           </a:p>
@@ -3123,7 +3124,7 @@
           <a:p>
             <a:fld id="{E1B0AC81-FFAA-4D29-8F02-3252D4E141BA}" type="datetime1">
               <a:rPr lang="en-US" smtClean="0"/>
-              <a:t>11/18/2019</a:t>
+              <a:t>11/19/2019</a:t>
             </a:fld>
             <a:endParaRPr lang="en-US"/>
           </a:p>
@@ -3380,7 +3381,7 @@
           <a:p>
             <a:fld id="{BE517D80-95FA-4B8E-A64D-DBB94825870A}" type="datetime1">
               <a:rPr lang="en-US" smtClean="0"/>
-              <a:t>11/18/2019</a:t>
+              <a:t>11/19/2019</a:t>
             </a:fld>
             <a:endParaRPr lang="en-US"/>
           </a:p>
@@ -3597,7 +3598,7 @@
           <a:p>
             <a:fld id="{0F7C6A75-D2E7-485D-90E0-0B4296164B0C}" type="datetime1">
               <a:rPr lang="en-US" smtClean="0"/>
-              <a:t>11/18/2019</a:t>
+              <a:t>11/19/2019</a:t>
             </a:fld>
             <a:endParaRPr lang="en-US"/>
           </a:p>
@@ -4080,7 +4081,7 @@
                   </a:effectLst>
                   <a:extLst>
                     <a:ext uri="{91240B29-F687-4f45-9708-019B960494DF}">
-                      <a14:hiddenLine xmlns="" xmlns:a14="http://schemas.microsoft.com/office/drawing/2010/main" w="12700">
+                      <a14:hiddenLine xmlns:a14="http://schemas.microsoft.com/office/drawing/2010/main" xmlns="" w="12700">
                         <a:solidFill>
                           <a:srgbClr val="000000"/>
                         </a:solidFill>
@@ -4248,7 +4249,7 @@
                   </a:effectLst>
                   <a:extLst>
                     <a:ext uri="{91240B29-F687-4f45-9708-019B960494DF}">
-                      <a14:hiddenLine xmlns="" xmlns:a14="http://schemas.microsoft.com/office/drawing/2010/main" w="12700">
+                      <a14:hiddenLine xmlns:a14="http://schemas.microsoft.com/office/drawing/2010/main" xmlns="" w="12700">
                         <a:solidFill>
                           <a:srgbClr val="000000"/>
                         </a:solidFill>
@@ -4416,7 +4417,7 @@
                   </a:effectLst>
                   <a:extLst>
                     <a:ext uri="{91240B29-F687-4f45-9708-019B960494DF}">
-                      <a14:hiddenLine xmlns="" xmlns:a14="http://schemas.microsoft.com/office/drawing/2010/main" w="12700">
+                      <a14:hiddenLine xmlns:a14="http://schemas.microsoft.com/office/drawing/2010/main" xmlns="" w="12700">
                         <a:solidFill>
                           <a:srgbClr val="000000"/>
                         </a:solidFill>
@@ -4584,7 +4585,7 @@
                   </a:effectLst>
                   <a:extLst>
                     <a:ext uri="{91240B29-F687-4f45-9708-019B960494DF}">
-                      <a14:hiddenLine xmlns="" xmlns:a14="http://schemas.microsoft.com/office/drawing/2010/main" w="12700">
+                      <a14:hiddenLine xmlns:a14="http://schemas.microsoft.com/office/drawing/2010/main" xmlns="" w="12700">
                         <a:solidFill>
                           <a:srgbClr val="000000"/>
                         </a:solidFill>
@@ -4752,7 +4753,7 @@
                   </a:effectLst>
                   <a:extLst>
                     <a:ext uri="{91240B29-F687-4f45-9708-019B960494DF}">
-                      <a14:hiddenLine xmlns="" xmlns:a14="http://schemas.microsoft.com/office/drawing/2010/main" w="12700">
+                      <a14:hiddenLine xmlns:a14="http://schemas.microsoft.com/office/drawing/2010/main" xmlns="" w="12700">
                         <a:solidFill>
                           <a:srgbClr val="000000"/>
                         </a:solidFill>
@@ -4920,7 +4921,7 @@
                   </a:effectLst>
                   <a:extLst>
                     <a:ext uri="{91240B29-F687-4f45-9708-019B960494DF}">
-                      <a14:hiddenLine xmlns="" xmlns:a14="http://schemas.microsoft.com/office/drawing/2010/main" w="12700">
+                      <a14:hiddenLine xmlns:a14="http://schemas.microsoft.com/office/drawing/2010/main" xmlns="" w="12700">
                         <a:solidFill>
                           <a:srgbClr val="000000"/>
                         </a:solidFill>
@@ -5105,7 +5106,7 @@
                   </a:effectLst>
                   <a:extLst>
                     <a:ext uri="{91240B29-F687-4f45-9708-019B960494DF}">
-                      <a14:hiddenLine xmlns="" xmlns:a14="http://schemas.microsoft.com/office/drawing/2010/main" w="12700">
+                      <a14:hiddenLine xmlns:a14="http://schemas.microsoft.com/office/drawing/2010/main" xmlns="" w="12700">
                         <a:solidFill>
                           <a:srgbClr val="000000"/>
                         </a:solidFill>
@@ -5273,7 +5274,7 @@
                   </a:effectLst>
                   <a:extLst>
                     <a:ext uri="{91240B29-F687-4f45-9708-019B960494DF}">
-                      <a14:hiddenLine xmlns="" xmlns:a14="http://schemas.microsoft.com/office/drawing/2010/main" w="12700">
+                      <a14:hiddenLine xmlns:a14="http://schemas.microsoft.com/office/drawing/2010/main" xmlns="" w="12700">
                         <a:solidFill>
                           <a:srgbClr val="000000"/>
                         </a:solidFill>
@@ -5441,7 +5442,7 @@
                   </a:effectLst>
                   <a:extLst>
                     <a:ext uri="{91240B29-F687-4f45-9708-019B960494DF}">
-                      <a14:hiddenLine xmlns="" xmlns:a14="http://schemas.microsoft.com/office/drawing/2010/main" w="12700">
+                      <a14:hiddenLine xmlns:a14="http://schemas.microsoft.com/office/drawing/2010/main" xmlns="" w="12700">
                         <a:solidFill>
                           <a:srgbClr val="000000"/>
                         </a:solidFill>
@@ -5609,7 +5610,7 @@
                   </a:effectLst>
                   <a:extLst>
                     <a:ext uri="{91240B29-F687-4f45-9708-019B960494DF}">
-                      <a14:hiddenLine xmlns="" xmlns:a14="http://schemas.microsoft.com/office/drawing/2010/main" w="12700">
+                      <a14:hiddenLine xmlns:a14="http://schemas.microsoft.com/office/drawing/2010/main" xmlns="" w="12700">
                         <a:solidFill>
                           <a:srgbClr val="000000"/>
                         </a:solidFill>
@@ -5777,7 +5778,7 @@
                   </a:effectLst>
                   <a:extLst>
                     <a:ext uri="{91240B29-F687-4f45-9708-019B960494DF}">
-                      <a14:hiddenLine xmlns="" xmlns:a14="http://schemas.microsoft.com/office/drawing/2010/main" w="12700">
+                      <a14:hiddenLine xmlns:a14="http://schemas.microsoft.com/office/drawing/2010/main" xmlns="" w="12700">
                         <a:solidFill>
                           <a:srgbClr val="000000"/>
                         </a:solidFill>
@@ -5945,7 +5946,7 @@
                   </a:effectLst>
                   <a:extLst>
                     <a:ext uri="{91240B29-F687-4f45-9708-019B960494DF}">
-                      <a14:hiddenLine xmlns="" xmlns:a14="http://schemas.microsoft.com/office/drawing/2010/main" w="12700">
+                      <a14:hiddenLine xmlns:a14="http://schemas.microsoft.com/office/drawing/2010/main" xmlns="" w="12700">
                         <a:solidFill>
                           <a:srgbClr val="000000"/>
                         </a:solidFill>
@@ -6130,7 +6131,7 @@
                   </a:effectLst>
                   <a:extLst>
                     <a:ext uri="{91240B29-F687-4f45-9708-019B960494DF}">
-                      <a14:hiddenLine xmlns="" xmlns:a14="http://schemas.microsoft.com/office/drawing/2010/main" w="12700">
+                      <a14:hiddenLine xmlns:a14="http://schemas.microsoft.com/office/drawing/2010/main" xmlns="" w="12700">
                         <a:solidFill>
                           <a:srgbClr val="000000"/>
                         </a:solidFill>
@@ -6298,7 +6299,7 @@
                   </a:effectLst>
                   <a:extLst>
                     <a:ext uri="{91240B29-F687-4f45-9708-019B960494DF}">
-                      <a14:hiddenLine xmlns="" xmlns:a14="http://schemas.microsoft.com/office/drawing/2010/main" w="12700">
+                      <a14:hiddenLine xmlns:a14="http://schemas.microsoft.com/office/drawing/2010/main" xmlns="" w="12700">
                         <a:solidFill>
                           <a:srgbClr val="000000"/>
                         </a:solidFill>
@@ -6466,7 +6467,7 @@
                   </a:effectLst>
                   <a:extLst>
                     <a:ext uri="{91240B29-F687-4f45-9708-019B960494DF}">
-                      <a14:hiddenLine xmlns="" xmlns:a14="http://schemas.microsoft.com/office/drawing/2010/main" w="12700">
+                      <a14:hiddenLine xmlns:a14="http://schemas.microsoft.com/office/drawing/2010/main" xmlns="" w="12700">
                         <a:solidFill>
                           <a:srgbClr val="000000"/>
                         </a:solidFill>
@@ -6634,7 +6635,7 @@
                   </a:effectLst>
                   <a:extLst>
                     <a:ext uri="{91240B29-F687-4f45-9708-019B960494DF}">
-                      <a14:hiddenLine xmlns="" xmlns:a14="http://schemas.microsoft.com/office/drawing/2010/main" w="12700">
+                      <a14:hiddenLine xmlns:a14="http://schemas.microsoft.com/office/drawing/2010/main" xmlns="" w="12700">
                         <a:solidFill>
                           <a:srgbClr val="000000"/>
                         </a:solidFill>
@@ -6802,7 +6803,7 @@
                   </a:effectLst>
                   <a:extLst>
                     <a:ext uri="{91240B29-F687-4f45-9708-019B960494DF}">
-                      <a14:hiddenLine xmlns="" xmlns:a14="http://schemas.microsoft.com/office/drawing/2010/main" w="12700">
+                      <a14:hiddenLine xmlns:a14="http://schemas.microsoft.com/office/drawing/2010/main" xmlns="" w="12700">
                         <a:solidFill>
                           <a:srgbClr val="000000"/>
                         </a:solidFill>
@@ -6970,7 +6971,7 @@
                   </a:effectLst>
                   <a:extLst>
                     <a:ext uri="{91240B29-F687-4f45-9708-019B960494DF}">
-                      <a14:hiddenLine xmlns="" xmlns:a14="http://schemas.microsoft.com/office/drawing/2010/main" w="12700">
+                      <a14:hiddenLine xmlns:a14="http://schemas.microsoft.com/office/drawing/2010/main" xmlns="" w="12700">
                         <a:solidFill>
                           <a:srgbClr val="000000"/>
                         </a:solidFill>
@@ -7155,7 +7156,7 @@
                   </a:effectLst>
                   <a:extLst>
                     <a:ext uri="{91240B29-F687-4f45-9708-019B960494DF}">
-                      <a14:hiddenLine xmlns="" xmlns:a14="http://schemas.microsoft.com/office/drawing/2010/main" w="12700">
+                      <a14:hiddenLine xmlns:a14="http://schemas.microsoft.com/office/drawing/2010/main" xmlns="" w="12700">
                         <a:solidFill>
                           <a:srgbClr val="000000"/>
                         </a:solidFill>
@@ -7323,7 +7324,7 @@
                   </a:effectLst>
                   <a:extLst>
                     <a:ext uri="{91240B29-F687-4f45-9708-019B960494DF}">
-                      <a14:hiddenLine xmlns="" xmlns:a14="http://schemas.microsoft.com/office/drawing/2010/main" w="12700">
+                      <a14:hiddenLine xmlns:a14="http://schemas.microsoft.com/office/drawing/2010/main" xmlns="" w="12700">
                         <a:solidFill>
                           <a:srgbClr val="000000"/>
                         </a:solidFill>
@@ -7491,7 +7492,7 @@
                   </a:effectLst>
                   <a:extLst>
                     <a:ext uri="{91240B29-F687-4f45-9708-019B960494DF}">
-                      <a14:hiddenLine xmlns="" xmlns:a14="http://schemas.microsoft.com/office/drawing/2010/main" w="12700">
+                      <a14:hiddenLine xmlns:a14="http://schemas.microsoft.com/office/drawing/2010/main" xmlns="" w="12700">
                         <a:solidFill>
                           <a:srgbClr val="000000"/>
                         </a:solidFill>
@@ -7659,7 +7660,7 @@
                   </a:effectLst>
                   <a:extLst>
                     <a:ext uri="{91240B29-F687-4f45-9708-019B960494DF}">
-                      <a14:hiddenLine xmlns="" xmlns:a14="http://schemas.microsoft.com/office/drawing/2010/main" w="12700">
+                      <a14:hiddenLine xmlns:a14="http://schemas.microsoft.com/office/drawing/2010/main" xmlns="" w="12700">
                         <a:solidFill>
                           <a:srgbClr val="000000"/>
                         </a:solidFill>
@@ -7827,7 +7828,7 @@
                   </a:effectLst>
                   <a:extLst>
                     <a:ext uri="{91240B29-F687-4f45-9708-019B960494DF}">
-                      <a14:hiddenLine xmlns="" xmlns:a14="http://schemas.microsoft.com/office/drawing/2010/main" w="12700">
+                      <a14:hiddenLine xmlns:a14="http://schemas.microsoft.com/office/drawing/2010/main" xmlns="" w="12700">
                         <a:solidFill>
                           <a:srgbClr val="000000"/>
                         </a:solidFill>
@@ -7995,7 +7996,7 @@
                   </a:effectLst>
                   <a:extLst>
                     <a:ext uri="{91240B29-F687-4f45-9708-019B960494DF}">
-                      <a14:hiddenLine xmlns="" xmlns:a14="http://schemas.microsoft.com/office/drawing/2010/main" w="12700">
+                      <a14:hiddenLine xmlns:a14="http://schemas.microsoft.com/office/drawing/2010/main" xmlns="" w="12700">
                         <a:solidFill>
                           <a:srgbClr val="000000"/>
                         </a:solidFill>
@@ -8180,7 +8181,7 @@
                   </a:effectLst>
                   <a:extLst>
                     <a:ext uri="{91240B29-F687-4f45-9708-019B960494DF}">
-                      <a14:hiddenLine xmlns="" xmlns:a14="http://schemas.microsoft.com/office/drawing/2010/main" w="12700">
+                      <a14:hiddenLine xmlns:a14="http://schemas.microsoft.com/office/drawing/2010/main" xmlns="" w="12700">
                         <a:solidFill>
                           <a:srgbClr val="000000"/>
                         </a:solidFill>
@@ -8348,7 +8349,7 @@
                   </a:effectLst>
                   <a:extLst>
                     <a:ext uri="{91240B29-F687-4f45-9708-019B960494DF}">
-                      <a14:hiddenLine xmlns="" xmlns:a14="http://schemas.microsoft.com/office/drawing/2010/main" w="12700">
+                      <a14:hiddenLine xmlns:a14="http://schemas.microsoft.com/office/drawing/2010/main" xmlns="" w="12700">
                         <a:solidFill>
                           <a:srgbClr val="000000"/>
                         </a:solidFill>
@@ -8516,7 +8517,7 @@
                   </a:effectLst>
                   <a:extLst>
                     <a:ext uri="{91240B29-F687-4f45-9708-019B960494DF}">
-                      <a14:hiddenLine xmlns="" xmlns:a14="http://schemas.microsoft.com/office/drawing/2010/main" w="12700">
+                      <a14:hiddenLine xmlns:a14="http://schemas.microsoft.com/office/drawing/2010/main" xmlns="" w="12700">
                         <a:solidFill>
                           <a:srgbClr val="000000"/>
                         </a:solidFill>
@@ -8684,7 +8685,7 @@
                   </a:effectLst>
                   <a:extLst>
                     <a:ext uri="{91240B29-F687-4f45-9708-019B960494DF}">
-                      <a14:hiddenLine xmlns="" xmlns:a14="http://schemas.microsoft.com/office/drawing/2010/main" w="12700">
+                      <a14:hiddenLine xmlns:a14="http://schemas.microsoft.com/office/drawing/2010/main" xmlns="" w="12700">
                         <a:solidFill>
                           <a:srgbClr val="000000"/>
                         </a:solidFill>
@@ -8852,7 +8853,7 @@
                   </a:effectLst>
                   <a:extLst>
                     <a:ext uri="{91240B29-F687-4f45-9708-019B960494DF}">
-                      <a14:hiddenLine xmlns="" xmlns:a14="http://schemas.microsoft.com/office/drawing/2010/main" w="12700">
+                      <a14:hiddenLine xmlns:a14="http://schemas.microsoft.com/office/drawing/2010/main" xmlns="" w="12700">
                         <a:solidFill>
                           <a:srgbClr val="000000"/>
                         </a:solidFill>
@@ -9020,7 +9021,7 @@
                   </a:effectLst>
                   <a:extLst>
                     <a:ext uri="{91240B29-F687-4f45-9708-019B960494DF}">
-                      <a14:hiddenLine xmlns="" xmlns:a14="http://schemas.microsoft.com/office/drawing/2010/main" w="12700">
+                      <a14:hiddenLine xmlns:a14="http://schemas.microsoft.com/office/drawing/2010/main" xmlns="" w="12700">
                         <a:solidFill>
                           <a:srgbClr val="000000"/>
                         </a:solidFill>
@@ -9205,7 +9206,7 @@
                   </a:effectLst>
                   <a:extLst>
                     <a:ext uri="{91240B29-F687-4f45-9708-019B960494DF}">
-                      <a14:hiddenLine xmlns="" xmlns:a14="http://schemas.microsoft.com/office/drawing/2010/main" w="12700">
+                      <a14:hiddenLine xmlns:a14="http://schemas.microsoft.com/office/drawing/2010/main" xmlns="" w="12700">
                         <a:solidFill>
                           <a:srgbClr val="000000"/>
                         </a:solidFill>
@@ -9373,7 +9374,7 @@
                   </a:effectLst>
                   <a:extLst>
                     <a:ext uri="{91240B29-F687-4f45-9708-019B960494DF}">
-                      <a14:hiddenLine xmlns="" xmlns:a14="http://schemas.microsoft.com/office/drawing/2010/main" w="12700">
+                      <a14:hiddenLine xmlns:a14="http://schemas.microsoft.com/office/drawing/2010/main" xmlns="" w="12700">
                         <a:solidFill>
                           <a:srgbClr val="000000"/>
                         </a:solidFill>
@@ -9541,7 +9542,7 @@
                   </a:effectLst>
                   <a:extLst>
                     <a:ext uri="{91240B29-F687-4f45-9708-019B960494DF}">
-                      <a14:hiddenLine xmlns="" xmlns:a14="http://schemas.microsoft.com/office/drawing/2010/main" w="12700">
+                      <a14:hiddenLine xmlns:a14="http://schemas.microsoft.com/office/drawing/2010/main" xmlns="" w="12700">
                         <a:solidFill>
                           <a:srgbClr val="000000"/>
                         </a:solidFill>
@@ -9709,7 +9710,7 @@
                   </a:effectLst>
                   <a:extLst>
                     <a:ext uri="{91240B29-F687-4f45-9708-019B960494DF}">
-                      <a14:hiddenLine xmlns="" xmlns:a14="http://schemas.microsoft.com/office/drawing/2010/main" w="12700">
+                      <a14:hiddenLine xmlns:a14="http://schemas.microsoft.com/office/drawing/2010/main" xmlns="" w="12700">
                         <a:solidFill>
                           <a:srgbClr val="000000"/>
                         </a:solidFill>
@@ -9877,7 +9878,7 @@
                   </a:effectLst>
                   <a:extLst>
                     <a:ext uri="{91240B29-F687-4f45-9708-019B960494DF}">
-                      <a14:hiddenLine xmlns="" xmlns:a14="http://schemas.microsoft.com/office/drawing/2010/main" w="12700">
+                      <a14:hiddenLine xmlns:a14="http://schemas.microsoft.com/office/drawing/2010/main" xmlns="" w="12700">
                         <a:solidFill>
                           <a:srgbClr val="000000"/>
                         </a:solidFill>
@@ -10045,7 +10046,7 @@
                   </a:effectLst>
                   <a:extLst>
                     <a:ext uri="{91240B29-F687-4f45-9708-019B960494DF}">
-                      <a14:hiddenLine xmlns="" xmlns:a14="http://schemas.microsoft.com/office/drawing/2010/main" w="12700">
+                      <a14:hiddenLine xmlns:a14="http://schemas.microsoft.com/office/drawing/2010/main" xmlns="" w="12700">
                         <a:solidFill>
                           <a:srgbClr val="000000"/>
                         </a:solidFill>
@@ -10230,7 +10231,7 @@
                   </a:effectLst>
                   <a:extLst>
                     <a:ext uri="{91240B29-F687-4f45-9708-019B960494DF}">
-                      <a14:hiddenLine xmlns="" xmlns:a14="http://schemas.microsoft.com/office/drawing/2010/main" w="12700">
+                      <a14:hiddenLine xmlns:a14="http://schemas.microsoft.com/office/drawing/2010/main" xmlns="" w="12700">
                         <a:solidFill>
                           <a:srgbClr val="000000"/>
                         </a:solidFill>
@@ -10398,7 +10399,7 @@
                   </a:effectLst>
                   <a:extLst>
                     <a:ext uri="{91240B29-F687-4f45-9708-019B960494DF}">
-                      <a14:hiddenLine xmlns="" xmlns:a14="http://schemas.microsoft.com/office/drawing/2010/main" w="12700">
+                      <a14:hiddenLine xmlns:a14="http://schemas.microsoft.com/office/drawing/2010/main" xmlns="" w="12700">
                         <a:solidFill>
                           <a:srgbClr val="000000"/>
                         </a:solidFill>
@@ -10566,7 +10567,7 @@
                   </a:effectLst>
                   <a:extLst>
                     <a:ext uri="{91240B29-F687-4f45-9708-019B960494DF}">
-                      <a14:hiddenLine xmlns="" xmlns:a14="http://schemas.microsoft.com/office/drawing/2010/main" w="12700">
+                      <a14:hiddenLine xmlns:a14="http://schemas.microsoft.com/office/drawing/2010/main" xmlns="" w="12700">
                         <a:solidFill>
                           <a:srgbClr val="000000"/>
                         </a:solidFill>
@@ -10734,7 +10735,7 @@
                   </a:effectLst>
                   <a:extLst>
                     <a:ext uri="{91240B29-F687-4f45-9708-019B960494DF}">
-                      <a14:hiddenLine xmlns="" xmlns:a14="http://schemas.microsoft.com/office/drawing/2010/main" w="12700">
+                      <a14:hiddenLine xmlns:a14="http://schemas.microsoft.com/office/drawing/2010/main" xmlns="" w="12700">
                         <a:solidFill>
                           <a:srgbClr val="000000"/>
                         </a:solidFill>
@@ -10902,7 +10903,7 @@
                   </a:effectLst>
                   <a:extLst>
                     <a:ext uri="{91240B29-F687-4f45-9708-019B960494DF}">
-                      <a14:hiddenLine xmlns="" xmlns:a14="http://schemas.microsoft.com/office/drawing/2010/main" w="12700">
+                      <a14:hiddenLine xmlns:a14="http://schemas.microsoft.com/office/drawing/2010/main" xmlns="" w="12700">
                         <a:solidFill>
                           <a:srgbClr val="000000"/>
                         </a:solidFill>
@@ -11070,7 +11071,7 @@
                   </a:effectLst>
                   <a:extLst>
                     <a:ext uri="{91240B29-F687-4f45-9708-019B960494DF}">
-                      <a14:hiddenLine xmlns="" xmlns:a14="http://schemas.microsoft.com/office/drawing/2010/main" w="12700">
+                      <a14:hiddenLine xmlns:a14="http://schemas.microsoft.com/office/drawing/2010/main" xmlns="" w="12700">
                         <a:solidFill>
                           <a:srgbClr val="000000"/>
                         </a:solidFill>
@@ -11255,7 +11256,7 @@
                   </a:effectLst>
                   <a:extLst>
                     <a:ext uri="{91240B29-F687-4f45-9708-019B960494DF}">
-                      <a14:hiddenLine xmlns="" xmlns:a14="http://schemas.microsoft.com/office/drawing/2010/main" w="12700">
+                      <a14:hiddenLine xmlns:a14="http://schemas.microsoft.com/office/drawing/2010/main" xmlns="" w="12700">
                         <a:solidFill>
                           <a:srgbClr val="000000"/>
                         </a:solidFill>
@@ -11423,7 +11424,7 @@
                   </a:effectLst>
                   <a:extLst>
                     <a:ext uri="{91240B29-F687-4f45-9708-019B960494DF}">
-                      <a14:hiddenLine xmlns="" xmlns:a14="http://schemas.microsoft.com/office/drawing/2010/main" w="12700">
+                      <a14:hiddenLine xmlns:a14="http://schemas.microsoft.com/office/drawing/2010/main" xmlns="" w="12700">
                         <a:solidFill>
                           <a:srgbClr val="000000"/>
                         </a:solidFill>
@@ -11591,7 +11592,7 @@
                   </a:effectLst>
                   <a:extLst>
                     <a:ext uri="{91240B29-F687-4f45-9708-019B960494DF}">
-                      <a14:hiddenLine xmlns="" xmlns:a14="http://schemas.microsoft.com/office/drawing/2010/main" w="12700">
+                      <a14:hiddenLine xmlns:a14="http://schemas.microsoft.com/office/drawing/2010/main" xmlns="" w="12700">
                         <a:solidFill>
                           <a:srgbClr val="000000"/>
                         </a:solidFill>
@@ -11759,7 +11760,7 @@
                   </a:effectLst>
                   <a:extLst>
                     <a:ext uri="{91240B29-F687-4f45-9708-019B960494DF}">
-                      <a14:hiddenLine xmlns="" xmlns:a14="http://schemas.microsoft.com/office/drawing/2010/main" w="12700">
+                      <a14:hiddenLine xmlns:a14="http://schemas.microsoft.com/office/drawing/2010/main" xmlns="" w="12700">
                         <a:solidFill>
                           <a:srgbClr val="000000"/>
                         </a:solidFill>
@@ -11927,7 +11928,7 @@
                   </a:effectLst>
                   <a:extLst>
                     <a:ext uri="{91240B29-F687-4f45-9708-019B960494DF}">
-                      <a14:hiddenLine xmlns="" xmlns:a14="http://schemas.microsoft.com/office/drawing/2010/main" w="12700">
+                      <a14:hiddenLine xmlns:a14="http://schemas.microsoft.com/office/drawing/2010/main" xmlns="" w="12700">
                         <a:solidFill>
                           <a:srgbClr val="000000"/>
                         </a:solidFill>
@@ -12095,7 +12096,7 @@
                   </a:effectLst>
                   <a:extLst>
                     <a:ext uri="{91240B29-F687-4f45-9708-019B960494DF}">
-                      <a14:hiddenLine xmlns="" xmlns:a14="http://schemas.microsoft.com/office/drawing/2010/main" w="12700">
+                      <a14:hiddenLine xmlns:a14="http://schemas.microsoft.com/office/drawing/2010/main" xmlns="" w="12700">
                         <a:solidFill>
                           <a:srgbClr val="000000"/>
                         </a:solidFill>
@@ -12297,7 +12298,7 @@
                   </a:effectLst>
                   <a:extLst>
                     <a:ext uri="{91240B29-F687-4f45-9708-019B960494DF}">
-                      <a14:hiddenLine xmlns="" xmlns:a14="http://schemas.microsoft.com/office/drawing/2010/main" w="12700">
+                      <a14:hiddenLine xmlns:a14="http://schemas.microsoft.com/office/drawing/2010/main" xmlns="" w="12700">
                         <a:solidFill>
                           <a:srgbClr val="000000"/>
                         </a:solidFill>
@@ -12465,7 +12466,7 @@
                   </a:effectLst>
                   <a:extLst>
                     <a:ext uri="{91240B29-F687-4f45-9708-019B960494DF}">
-                      <a14:hiddenLine xmlns="" xmlns:a14="http://schemas.microsoft.com/office/drawing/2010/main" w="12700">
+                      <a14:hiddenLine xmlns:a14="http://schemas.microsoft.com/office/drawing/2010/main" xmlns="" w="12700">
                         <a:solidFill>
                           <a:srgbClr val="000000"/>
                         </a:solidFill>
@@ -12633,7 +12634,7 @@
                   </a:effectLst>
                   <a:extLst>
                     <a:ext uri="{91240B29-F687-4f45-9708-019B960494DF}">
-                      <a14:hiddenLine xmlns="" xmlns:a14="http://schemas.microsoft.com/office/drawing/2010/main" w="12700">
+                      <a14:hiddenLine xmlns:a14="http://schemas.microsoft.com/office/drawing/2010/main" xmlns="" w="12700">
                         <a:solidFill>
                           <a:srgbClr val="000000"/>
                         </a:solidFill>
@@ -12801,7 +12802,7 @@
                   </a:effectLst>
                   <a:extLst>
                     <a:ext uri="{91240B29-F687-4f45-9708-019B960494DF}">
-                      <a14:hiddenLine xmlns="" xmlns:a14="http://schemas.microsoft.com/office/drawing/2010/main" w="12700">
+                      <a14:hiddenLine xmlns:a14="http://schemas.microsoft.com/office/drawing/2010/main" xmlns="" w="12700">
                         <a:solidFill>
                           <a:srgbClr val="000000"/>
                         </a:solidFill>
@@ -12969,7 +12970,7 @@
                   </a:effectLst>
                   <a:extLst>
                     <a:ext uri="{91240B29-F687-4f45-9708-019B960494DF}">
-                      <a14:hiddenLine xmlns="" xmlns:a14="http://schemas.microsoft.com/office/drawing/2010/main" w="12700">
+                      <a14:hiddenLine xmlns:a14="http://schemas.microsoft.com/office/drawing/2010/main" xmlns="" w="12700">
                         <a:solidFill>
                           <a:srgbClr val="000000"/>
                         </a:solidFill>
@@ -13137,7 +13138,7 @@
                   </a:effectLst>
                   <a:extLst>
                     <a:ext uri="{91240B29-F687-4f45-9708-019B960494DF}">
-                      <a14:hiddenLine xmlns="" xmlns:a14="http://schemas.microsoft.com/office/drawing/2010/main" w="12700">
+                      <a14:hiddenLine xmlns:a14="http://schemas.microsoft.com/office/drawing/2010/main" xmlns="" w="12700">
                         <a:solidFill>
                           <a:srgbClr val="000000"/>
                         </a:solidFill>
@@ -13322,7 +13323,7 @@
                   </a:effectLst>
                   <a:extLst>
                     <a:ext uri="{91240B29-F687-4f45-9708-019B960494DF}">
-                      <a14:hiddenLine xmlns="" xmlns:a14="http://schemas.microsoft.com/office/drawing/2010/main" w="12700">
+                      <a14:hiddenLine xmlns:a14="http://schemas.microsoft.com/office/drawing/2010/main" xmlns="" w="12700">
                         <a:solidFill>
                           <a:srgbClr val="000000"/>
                         </a:solidFill>
@@ -13490,7 +13491,7 @@
                   </a:effectLst>
                   <a:extLst>
                     <a:ext uri="{91240B29-F687-4f45-9708-019B960494DF}">
-                      <a14:hiddenLine xmlns="" xmlns:a14="http://schemas.microsoft.com/office/drawing/2010/main" w="12700">
+                      <a14:hiddenLine xmlns:a14="http://schemas.microsoft.com/office/drawing/2010/main" xmlns="" w="12700">
                         <a:solidFill>
                           <a:srgbClr val="000000"/>
                         </a:solidFill>
@@ -13658,7 +13659,7 @@
                   </a:effectLst>
                   <a:extLst>
                     <a:ext uri="{91240B29-F687-4f45-9708-019B960494DF}">
-                      <a14:hiddenLine xmlns="" xmlns:a14="http://schemas.microsoft.com/office/drawing/2010/main" w="12700">
+                      <a14:hiddenLine xmlns:a14="http://schemas.microsoft.com/office/drawing/2010/main" xmlns="" w="12700">
                         <a:solidFill>
                           <a:srgbClr val="000000"/>
                         </a:solidFill>
@@ -13826,7 +13827,7 @@
                   </a:effectLst>
                   <a:extLst>
                     <a:ext uri="{91240B29-F687-4f45-9708-019B960494DF}">
-                      <a14:hiddenLine xmlns="" xmlns:a14="http://schemas.microsoft.com/office/drawing/2010/main" w="12700">
+                      <a14:hiddenLine xmlns:a14="http://schemas.microsoft.com/office/drawing/2010/main" xmlns="" w="12700">
                         <a:solidFill>
                           <a:srgbClr val="000000"/>
                         </a:solidFill>
@@ -13994,7 +13995,7 @@
                   </a:effectLst>
                   <a:extLst>
                     <a:ext uri="{91240B29-F687-4f45-9708-019B960494DF}">
-                      <a14:hiddenLine xmlns="" xmlns:a14="http://schemas.microsoft.com/office/drawing/2010/main" w="12700">
+                      <a14:hiddenLine xmlns:a14="http://schemas.microsoft.com/office/drawing/2010/main" xmlns="" w="12700">
                         <a:solidFill>
                           <a:srgbClr val="000000"/>
                         </a:solidFill>
@@ -14162,7 +14163,7 @@
                   </a:effectLst>
                   <a:extLst>
                     <a:ext uri="{91240B29-F687-4f45-9708-019B960494DF}">
-                      <a14:hiddenLine xmlns="" xmlns:a14="http://schemas.microsoft.com/office/drawing/2010/main" w="12700">
+                      <a14:hiddenLine xmlns:a14="http://schemas.microsoft.com/office/drawing/2010/main" xmlns="" w="12700">
                         <a:solidFill>
                           <a:srgbClr val="000000"/>
                         </a:solidFill>
@@ -14347,7 +14348,7 @@
                   </a:effectLst>
                   <a:extLst>
                     <a:ext uri="{91240B29-F687-4f45-9708-019B960494DF}">
-                      <a14:hiddenLine xmlns="" xmlns:a14="http://schemas.microsoft.com/office/drawing/2010/main" w="12700">
+                      <a14:hiddenLine xmlns:a14="http://schemas.microsoft.com/office/drawing/2010/main" xmlns="" w="12700">
                         <a:solidFill>
                           <a:srgbClr val="000000"/>
                         </a:solidFill>
@@ -14515,7 +14516,7 @@
                   </a:effectLst>
                   <a:extLst>
                     <a:ext uri="{91240B29-F687-4f45-9708-019B960494DF}">
-                      <a14:hiddenLine xmlns="" xmlns:a14="http://schemas.microsoft.com/office/drawing/2010/main" w="12700">
+                      <a14:hiddenLine xmlns:a14="http://schemas.microsoft.com/office/drawing/2010/main" xmlns="" w="12700">
                         <a:solidFill>
                           <a:srgbClr val="000000"/>
                         </a:solidFill>
@@ -14683,7 +14684,7 @@
                   </a:effectLst>
                   <a:extLst>
                     <a:ext uri="{91240B29-F687-4f45-9708-019B960494DF}">
-                      <a14:hiddenLine xmlns="" xmlns:a14="http://schemas.microsoft.com/office/drawing/2010/main" w="12700">
+                      <a14:hiddenLine xmlns:a14="http://schemas.microsoft.com/office/drawing/2010/main" xmlns="" w="12700">
                         <a:solidFill>
                           <a:srgbClr val="000000"/>
                         </a:solidFill>
@@ -14851,7 +14852,7 @@
                   </a:effectLst>
                   <a:extLst>
                     <a:ext uri="{91240B29-F687-4f45-9708-019B960494DF}">
-                      <a14:hiddenLine xmlns="" xmlns:a14="http://schemas.microsoft.com/office/drawing/2010/main" w="12700">
+                      <a14:hiddenLine xmlns:a14="http://schemas.microsoft.com/office/drawing/2010/main" xmlns="" w="12700">
                         <a:solidFill>
                           <a:srgbClr val="000000"/>
                         </a:solidFill>
@@ -15019,7 +15020,7 @@
                   </a:effectLst>
                   <a:extLst>
                     <a:ext uri="{91240B29-F687-4f45-9708-019B960494DF}">
-                      <a14:hiddenLine xmlns="" xmlns:a14="http://schemas.microsoft.com/office/drawing/2010/main" w="12700">
+                      <a14:hiddenLine xmlns:a14="http://schemas.microsoft.com/office/drawing/2010/main" xmlns="" w="12700">
                         <a:solidFill>
                           <a:srgbClr val="000000"/>
                         </a:solidFill>
@@ -15187,7 +15188,7 @@
                   </a:effectLst>
                   <a:extLst>
                     <a:ext uri="{91240B29-F687-4f45-9708-019B960494DF}">
-                      <a14:hiddenLine xmlns="" xmlns:a14="http://schemas.microsoft.com/office/drawing/2010/main" w="12700">
+                      <a14:hiddenLine xmlns:a14="http://schemas.microsoft.com/office/drawing/2010/main" xmlns="" w="12700">
                         <a:solidFill>
                           <a:srgbClr val="000000"/>
                         </a:solidFill>
@@ -15372,7 +15373,7 @@
                   </a:effectLst>
                   <a:extLst>
                     <a:ext uri="{91240B29-F687-4f45-9708-019B960494DF}">
-                      <a14:hiddenLine xmlns="" xmlns:a14="http://schemas.microsoft.com/office/drawing/2010/main" w="12700">
+                      <a14:hiddenLine xmlns:a14="http://schemas.microsoft.com/office/drawing/2010/main" xmlns="" w="12700">
                         <a:solidFill>
                           <a:srgbClr val="000000"/>
                         </a:solidFill>
@@ -15540,7 +15541,7 @@
                   </a:effectLst>
                   <a:extLst>
                     <a:ext uri="{91240B29-F687-4f45-9708-019B960494DF}">
-                      <a14:hiddenLine xmlns="" xmlns:a14="http://schemas.microsoft.com/office/drawing/2010/main" w="12700">
+                      <a14:hiddenLine xmlns:a14="http://schemas.microsoft.com/office/drawing/2010/main" xmlns="" w="12700">
                         <a:solidFill>
                           <a:srgbClr val="000000"/>
                         </a:solidFill>
@@ -15708,7 +15709,7 @@
                   </a:effectLst>
                   <a:extLst>
                     <a:ext uri="{91240B29-F687-4f45-9708-019B960494DF}">
-                      <a14:hiddenLine xmlns="" xmlns:a14="http://schemas.microsoft.com/office/drawing/2010/main" w="12700">
+                      <a14:hiddenLine xmlns:a14="http://schemas.microsoft.com/office/drawing/2010/main" xmlns="" w="12700">
                         <a:solidFill>
                           <a:srgbClr val="000000"/>
                         </a:solidFill>
@@ -15876,7 +15877,7 @@
                   </a:effectLst>
                   <a:extLst>
                     <a:ext uri="{91240B29-F687-4f45-9708-019B960494DF}">
-                      <a14:hiddenLine xmlns="" xmlns:a14="http://schemas.microsoft.com/office/drawing/2010/main" w="12700">
+                      <a14:hiddenLine xmlns:a14="http://schemas.microsoft.com/office/drawing/2010/main" xmlns="" w="12700">
                         <a:solidFill>
                           <a:srgbClr val="000000"/>
                         </a:solidFill>
@@ -16044,7 +16045,7 @@
                   </a:effectLst>
                   <a:extLst>
                     <a:ext uri="{91240B29-F687-4f45-9708-019B960494DF}">
-                      <a14:hiddenLine xmlns="" xmlns:a14="http://schemas.microsoft.com/office/drawing/2010/main" w="12700">
+                      <a14:hiddenLine xmlns:a14="http://schemas.microsoft.com/office/drawing/2010/main" xmlns="" w="12700">
                         <a:solidFill>
                           <a:srgbClr val="000000"/>
                         </a:solidFill>
@@ -16212,7 +16213,7 @@
                   </a:effectLst>
                   <a:extLst>
                     <a:ext uri="{91240B29-F687-4f45-9708-019B960494DF}">
-                      <a14:hiddenLine xmlns="" xmlns:a14="http://schemas.microsoft.com/office/drawing/2010/main" w="12700">
+                      <a14:hiddenLine xmlns:a14="http://schemas.microsoft.com/office/drawing/2010/main" xmlns="" w="12700">
                         <a:solidFill>
                           <a:srgbClr val="000000"/>
                         </a:solidFill>
@@ -16397,7 +16398,7 @@
                   </a:effectLst>
                   <a:extLst>
                     <a:ext uri="{91240B29-F687-4f45-9708-019B960494DF}">
-                      <a14:hiddenLine xmlns="" xmlns:a14="http://schemas.microsoft.com/office/drawing/2010/main" w="12700">
+                      <a14:hiddenLine xmlns:a14="http://schemas.microsoft.com/office/drawing/2010/main" xmlns="" w="12700">
                         <a:solidFill>
                           <a:srgbClr val="000000"/>
                         </a:solidFill>
@@ -16565,7 +16566,7 @@
                   </a:effectLst>
                   <a:extLst>
                     <a:ext uri="{91240B29-F687-4f45-9708-019B960494DF}">
-                      <a14:hiddenLine xmlns="" xmlns:a14="http://schemas.microsoft.com/office/drawing/2010/main" w="12700">
+                      <a14:hiddenLine xmlns:a14="http://schemas.microsoft.com/office/drawing/2010/main" xmlns="" w="12700">
                         <a:solidFill>
                           <a:srgbClr val="000000"/>
                         </a:solidFill>
@@ -16733,7 +16734,7 @@
                   </a:effectLst>
                   <a:extLst>
                     <a:ext uri="{91240B29-F687-4f45-9708-019B960494DF}">
-                      <a14:hiddenLine xmlns="" xmlns:a14="http://schemas.microsoft.com/office/drawing/2010/main" w="12700">
+                      <a14:hiddenLine xmlns:a14="http://schemas.microsoft.com/office/drawing/2010/main" xmlns="" w="12700">
                         <a:solidFill>
                           <a:srgbClr val="000000"/>
                         </a:solidFill>
@@ -16901,7 +16902,7 @@
                   </a:effectLst>
                   <a:extLst>
                     <a:ext uri="{91240B29-F687-4f45-9708-019B960494DF}">
-                      <a14:hiddenLine xmlns="" xmlns:a14="http://schemas.microsoft.com/office/drawing/2010/main" w="12700">
+                      <a14:hiddenLine xmlns:a14="http://schemas.microsoft.com/office/drawing/2010/main" xmlns="" w="12700">
                         <a:solidFill>
                           <a:srgbClr val="000000"/>
                         </a:solidFill>
@@ -17069,7 +17070,7 @@
                   </a:effectLst>
                   <a:extLst>
                     <a:ext uri="{91240B29-F687-4f45-9708-019B960494DF}">
-                      <a14:hiddenLine xmlns="" xmlns:a14="http://schemas.microsoft.com/office/drawing/2010/main" w="12700">
+                      <a14:hiddenLine xmlns:a14="http://schemas.microsoft.com/office/drawing/2010/main" xmlns="" w="12700">
                         <a:solidFill>
                           <a:srgbClr val="000000"/>
                         </a:solidFill>
@@ -17237,7 +17238,7 @@
                   </a:effectLst>
                   <a:extLst>
                     <a:ext uri="{91240B29-F687-4f45-9708-019B960494DF}">
-                      <a14:hiddenLine xmlns="" xmlns:a14="http://schemas.microsoft.com/office/drawing/2010/main" w="12700">
+                      <a14:hiddenLine xmlns:a14="http://schemas.microsoft.com/office/drawing/2010/main" xmlns="" w="12700">
                         <a:solidFill>
                           <a:srgbClr val="000000"/>
                         </a:solidFill>
@@ -17422,7 +17423,7 @@
                   </a:effectLst>
                   <a:extLst>
                     <a:ext uri="{91240B29-F687-4f45-9708-019B960494DF}">
-                      <a14:hiddenLine xmlns="" xmlns:a14="http://schemas.microsoft.com/office/drawing/2010/main" w="12700">
+                      <a14:hiddenLine xmlns:a14="http://schemas.microsoft.com/office/drawing/2010/main" xmlns="" w="12700">
                         <a:solidFill>
                           <a:srgbClr val="000000"/>
                         </a:solidFill>
@@ -17590,7 +17591,7 @@
                   </a:effectLst>
                   <a:extLst>
                     <a:ext uri="{91240B29-F687-4f45-9708-019B960494DF}">
-                      <a14:hiddenLine xmlns="" xmlns:a14="http://schemas.microsoft.com/office/drawing/2010/main" w="12700">
+                      <a14:hiddenLine xmlns:a14="http://schemas.microsoft.com/office/drawing/2010/main" xmlns="" w="12700">
                         <a:solidFill>
                           <a:srgbClr val="000000"/>
                         </a:solidFill>
@@ -17758,7 +17759,7 @@
                   </a:effectLst>
                   <a:extLst>
                     <a:ext uri="{91240B29-F687-4f45-9708-019B960494DF}">
-                      <a14:hiddenLine xmlns="" xmlns:a14="http://schemas.microsoft.com/office/drawing/2010/main" w="12700">
+                      <a14:hiddenLine xmlns:a14="http://schemas.microsoft.com/office/drawing/2010/main" xmlns="" w="12700">
                         <a:solidFill>
                           <a:srgbClr val="000000"/>
                         </a:solidFill>
@@ -17926,7 +17927,7 @@
                   </a:effectLst>
                   <a:extLst>
                     <a:ext uri="{91240B29-F687-4f45-9708-019B960494DF}">
-                      <a14:hiddenLine xmlns="" xmlns:a14="http://schemas.microsoft.com/office/drawing/2010/main" w="12700">
+                      <a14:hiddenLine xmlns:a14="http://schemas.microsoft.com/office/drawing/2010/main" xmlns="" w="12700">
                         <a:solidFill>
                           <a:srgbClr val="000000"/>
                         </a:solidFill>
@@ -18094,7 +18095,7 @@
                   </a:effectLst>
                   <a:extLst>
                     <a:ext uri="{91240B29-F687-4f45-9708-019B960494DF}">
-                      <a14:hiddenLine xmlns="" xmlns:a14="http://schemas.microsoft.com/office/drawing/2010/main" w="12700">
+                      <a14:hiddenLine xmlns:a14="http://schemas.microsoft.com/office/drawing/2010/main" xmlns="" w="12700">
                         <a:solidFill>
                           <a:srgbClr val="000000"/>
                         </a:solidFill>
@@ -18262,7 +18263,7 @@
                   </a:effectLst>
                   <a:extLst>
                     <a:ext uri="{91240B29-F687-4f45-9708-019B960494DF}">
-                      <a14:hiddenLine xmlns="" xmlns:a14="http://schemas.microsoft.com/office/drawing/2010/main" w="12700">
+                      <a14:hiddenLine xmlns:a14="http://schemas.microsoft.com/office/drawing/2010/main" xmlns="" w="12700">
                         <a:solidFill>
                           <a:srgbClr val="000000"/>
                         </a:solidFill>
@@ -18447,7 +18448,7 @@
                   </a:effectLst>
                   <a:extLst>
                     <a:ext uri="{91240B29-F687-4f45-9708-019B960494DF}">
-                      <a14:hiddenLine xmlns="" xmlns:a14="http://schemas.microsoft.com/office/drawing/2010/main" w="12700">
+                      <a14:hiddenLine xmlns:a14="http://schemas.microsoft.com/office/drawing/2010/main" xmlns="" w="12700">
                         <a:solidFill>
                           <a:srgbClr val="000000"/>
                         </a:solidFill>
@@ -18615,7 +18616,7 @@
                   </a:effectLst>
                   <a:extLst>
                     <a:ext uri="{91240B29-F687-4f45-9708-019B960494DF}">
-                      <a14:hiddenLine xmlns="" xmlns:a14="http://schemas.microsoft.com/office/drawing/2010/main" w="12700">
+                      <a14:hiddenLine xmlns:a14="http://schemas.microsoft.com/office/drawing/2010/main" xmlns="" w="12700">
                         <a:solidFill>
                           <a:srgbClr val="000000"/>
                         </a:solidFill>
@@ -18783,7 +18784,7 @@
                   </a:effectLst>
                   <a:extLst>
                     <a:ext uri="{91240B29-F687-4f45-9708-019B960494DF}">
-                      <a14:hiddenLine xmlns="" xmlns:a14="http://schemas.microsoft.com/office/drawing/2010/main" w="12700">
+                      <a14:hiddenLine xmlns:a14="http://schemas.microsoft.com/office/drawing/2010/main" xmlns="" w="12700">
                         <a:solidFill>
                           <a:srgbClr val="000000"/>
                         </a:solidFill>
@@ -18951,7 +18952,7 @@
                   </a:effectLst>
                   <a:extLst>
                     <a:ext uri="{91240B29-F687-4f45-9708-019B960494DF}">
-                      <a14:hiddenLine xmlns="" xmlns:a14="http://schemas.microsoft.com/office/drawing/2010/main" w="12700">
+                      <a14:hiddenLine xmlns:a14="http://schemas.microsoft.com/office/drawing/2010/main" xmlns="" w="12700">
                         <a:solidFill>
                           <a:srgbClr val="000000"/>
                         </a:solidFill>
@@ -19119,7 +19120,7 @@
                   </a:effectLst>
                   <a:extLst>
                     <a:ext uri="{91240B29-F687-4f45-9708-019B960494DF}">
-                      <a14:hiddenLine xmlns="" xmlns:a14="http://schemas.microsoft.com/office/drawing/2010/main" w="12700">
+                      <a14:hiddenLine xmlns:a14="http://schemas.microsoft.com/office/drawing/2010/main" xmlns="" w="12700">
                         <a:solidFill>
                           <a:srgbClr val="000000"/>
                         </a:solidFill>
@@ -19287,7 +19288,7 @@
                   </a:effectLst>
                   <a:extLst>
                     <a:ext uri="{91240B29-F687-4f45-9708-019B960494DF}">
-                      <a14:hiddenLine xmlns="" xmlns:a14="http://schemas.microsoft.com/office/drawing/2010/main" w="12700">
+                      <a14:hiddenLine xmlns:a14="http://schemas.microsoft.com/office/drawing/2010/main" xmlns="" w="12700">
                         <a:solidFill>
                           <a:srgbClr val="000000"/>
                         </a:solidFill>
@@ -19472,7 +19473,7 @@
                   </a:effectLst>
                   <a:extLst>
                     <a:ext uri="{91240B29-F687-4f45-9708-019B960494DF}">
-                      <a14:hiddenLine xmlns="" xmlns:a14="http://schemas.microsoft.com/office/drawing/2010/main" w="12700">
+                      <a14:hiddenLine xmlns:a14="http://schemas.microsoft.com/office/drawing/2010/main" xmlns="" w="12700">
                         <a:solidFill>
                           <a:srgbClr val="000000"/>
                         </a:solidFill>
@@ -19640,7 +19641,7 @@
                   </a:effectLst>
                   <a:extLst>
                     <a:ext uri="{91240B29-F687-4f45-9708-019B960494DF}">
-                      <a14:hiddenLine xmlns="" xmlns:a14="http://schemas.microsoft.com/office/drawing/2010/main" w="12700">
+                      <a14:hiddenLine xmlns:a14="http://schemas.microsoft.com/office/drawing/2010/main" xmlns="" w="12700">
                         <a:solidFill>
                           <a:srgbClr val="000000"/>
                         </a:solidFill>
@@ -19808,7 +19809,7 @@
                   </a:effectLst>
                   <a:extLst>
                     <a:ext uri="{91240B29-F687-4f45-9708-019B960494DF}">
-                      <a14:hiddenLine xmlns="" xmlns:a14="http://schemas.microsoft.com/office/drawing/2010/main" w="12700">
+                      <a14:hiddenLine xmlns:a14="http://schemas.microsoft.com/office/drawing/2010/main" xmlns="" w="12700">
                         <a:solidFill>
                           <a:srgbClr val="000000"/>
                         </a:solidFill>
@@ -19976,7 +19977,7 @@
                   </a:effectLst>
                   <a:extLst>
                     <a:ext uri="{91240B29-F687-4f45-9708-019B960494DF}">
-                      <a14:hiddenLine xmlns="" xmlns:a14="http://schemas.microsoft.com/office/drawing/2010/main" w="12700">
+                      <a14:hiddenLine xmlns:a14="http://schemas.microsoft.com/office/drawing/2010/main" xmlns="" w="12700">
                         <a:solidFill>
                           <a:srgbClr val="000000"/>
                         </a:solidFill>
@@ -20144,7 +20145,7 @@
                   </a:effectLst>
                   <a:extLst>
                     <a:ext uri="{91240B29-F687-4f45-9708-019B960494DF}">
-                      <a14:hiddenLine xmlns="" xmlns:a14="http://schemas.microsoft.com/office/drawing/2010/main" w="12700">
+                      <a14:hiddenLine xmlns:a14="http://schemas.microsoft.com/office/drawing/2010/main" xmlns="" w="12700">
                         <a:solidFill>
                           <a:srgbClr val="000000"/>
                         </a:solidFill>
@@ -20312,7 +20313,7 @@
                   </a:effectLst>
                   <a:extLst>
                     <a:ext uri="{91240B29-F687-4f45-9708-019B960494DF}">
-                      <a14:hiddenLine xmlns="" xmlns:a14="http://schemas.microsoft.com/office/drawing/2010/main" w="12700">
+                      <a14:hiddenLine xmlns:a14="http://schemas.microsoft.com/office/drawing/2010/main" xmlns="" w="12700">
                         <a:solidFill>
                           <a:srgbClr val="000000"/>
                         </a:solidFill>
@@ -20635,14 +20636,14 @@
           </a:ln>
           <a:extLst>
             <a:ext uri="{909E8E84-426E-40dd-AFC4-6F175D3DCCD1}">
-              <a14:hiddenFill xmlns="" xmlns:a14="http://schemas.microsoft.com/office/drawing/2010/main">
+              <a14:hiddenFill xmlns:a14="http://schemas.microsoft.com/office/drawing/2010/main" xmlns="">
                 <a:solidFill>
                   <a:srgbClr val="FFFFFF"/>
                 </a:solidFill>
               </a14:hiddenFill>
             </a:ext>
             <a:ext uri="{91240B29-F687-4f45-9708-019B960494DF}">
-              <a14:hiddenLine xmlns="" xmlns:a14="http://schemas.microsoft.com/office/drawing/2010/main" w="12700">
+              <a14:hiddenLine xmlns:a14="http://schemas.microsoft.com/office/drawing/2010/main" xmlns="" w="12700">
                 <a:solidFill>
                   <a:srgbClr val="000000"/>
                 </a:solidFill>
@@ -20693,14 +20694,14 @@
           </a:ln>
           <a:extLst>
             <a:ext uri="{909E8E84-426E-40dd-AFC4-6F175D3DCCD1}">
-              <a14:hiddenFill xmlns="" xmlns:a14="http://schemas.microsoft.com/office/drawing/2010/main">
+              <a14:hiddenFill xmlns:a14="http://schemas.microsoft.com/office/drawing/2010/main" xmlns="">
                 <a:solidFill>
                   <a:srgbClr val="FFFFFF"/>
                 </a:solidFill>
               </a14:hiddenFill>
             </a:ext>
             <a:ext uri="{91240B29-F687-4f45-9708-019B960494DF}">
-              <a14:hiddenLine xmlns="" xmlns:a14="http://schemas.microsoft.com/office/drawing/2010/main" w="12700">
+              <a14:hiddenLine xmlns:a14="http://schemas.microsoft.com/office/drawing/2010/main" xmlns="" w="12700">
                 <a:solidFill>
                   <a:srgbClr val="000000"/>
                 </a:solidFill>
@@ -20790,14 +20791,14 @@
           </a:ln>
           <a:extLst>
             <a:ext uri="{909E8E84-426E-40dd-AFC4-6F175D3DCCD1}">
-              <a14:hiddenFill xmlns="" xmlns:a14="http://schemas.microsoft.com/office/drawing/2010/main">
+              <a14:hiddenFill xmlns:a14="http://schemas.microsoft.com/office/drawing/2010/main" xmlns="">
                 <a:solidFill>
                   <a:srgbClr val="FFFFFF"/>
                 </a:solidFill>
               </a14:hiddenFill>
             </a:ext>
             <a:ext uri="{91240B29-F687-4f45-9708-019B960494DF}">
-              <a14:hiddenLine xmlns="" xmlns:a14="http://schemas.microsoft.com/office/drawing/2010/main" w="12700">
+              <a14:hiddenLine xmlns:a14="http://schemas.microsoft.com/office/drawing/2010/main" xmlns="" w="12700">
                 <a:solidFill>
                   <a:srgbClr val="000000"/>
                 </a:solidFill>
@@ -21398,9 +21399,6 @@
               </a:rPr>
               <a:t> )</a:t>
             </a:r>
-            <a:endParaRPr lang="en-US" sz="2000" dirty="0" smtClean="0">
-              <a:latin typeface="Calibri Light" panose="020F0302020204030204" pitchFamily="34" charset="0"/>
-            </a:endParaRPr>
           </a:p>
           <a:p>
             <a:r>
@@ -21425,20 +21423,61 @@
               <a:rPr lang="en-US" sz="2000" dirty="0" smtClean="0">
                 <a:latin typeface="Calibri Light" panose="020F0302020204030204" pitchFamily="34" charset="0"/>
               </a:rPr>
+              <a:t> ( </a:t>
+            </a:r>
+            <a:r>
+              <a:rPr lang="en-US" sz="2000" dirty="0" smtClean="0">
+                <a:latin typeface="Calibri Light" panose="020F0302020204030204" pitchFamily="34" charset="0"/>
+                <a:hlinkClick r:id="rId3"/>
+              </a:rPr>
+              <a:t>dhruv.ietf@gmail.com</a:t>
+            </a:r>
+            <a:r>
+              <a:rPr lang="en-US" sz="2000" dirty="0" smtClean="0">
+                <a:latin typeface="Calibri Light" panose="020F0302020204030204" pitchFamily="34" charset="0"/>
+              </a:rPr>
+              <a:t> )</a:t>
+            </a:r>
+          </a:p>
+          <a:p>
+            <a:r>
+              <a:rPr lang="en-US" sz="2000" dirty="0" smtClean="0">
+                <a:latin typeface="Calibri Light" panose="020F0302020204030204" pitchFamily="34" charset="0"/>
+              </a:rPr>
+              <a:t>Secretary</a:t>
+            </a:r>
+          </a:p>
+          <a:p>
+            <a:r>
+              <a:rPr lang="en-US" sz="2000" dirty="0" err="1" smtClean="0">
+                <a:latin typeface="Calibri Light" panose="020F0302020204030204" pitchFamily="34" charset="0"/>
+              </a:rPr>
+              <a:t>Hariharan</a:t>
+            </a:r>
+            <a:r>
+              <a:rPr lang="en-US" sz="2000" dirty="0" smtClean="0">
+                <a:latin typeface="Calibri Light" panose="020F0302020204030204" pitchFamily="34" charset="0"/>
+              </a:rPr>
               <a:t> </a:t>
             </a:r>
             <a:r>
+              <a:rPr lang="en-US" sz="2000" dirty="0" err="1" smtClean="0">
+                <a:latin typeface="Calibri Light" panose="020F0302020204030204" pitchFamily="34" charset="0"/>
+              </a:rPr>
+              <a:t>Ananthakrishnan</a:t>
+            </a:r>
+            <a:r>
               <a:rPr lang="en-US" sz="2000" dirty="0" smtClean="0">
                 <a:latin typeface="Calibri Light" panose="020F0302020204030204" pitchFamily="34" charset="0"/>
               </a:rPr>
-              <a:t>( </a:t>
+              <a:t> ( </a:t>
             </a:r>
             <a:r>
               <a:rPr lang="en-US" sz="2000" dirty="0" smtClean="0">
                 <a:latin typeface="Calibri Light" panose="020F0302020204030204" pitchFamily="34" charset="0"/>
-                <a:hlinkClick r:id="rId3"/>
-              </a:rPr>
-              <a:t>dhruv.ietf@gmail.com</a:t>
+                <a:hlinkClick r:id="rId4"/>
+              </a:rPr>
+              <a:t>hari@netfix.com</a:t>
             </a:r>
             <a:r>
               <a:rPr lang="en-US" sz="2000" dirty="0" smtClean="0">
@@ -21446,56 +21485,6 @@
               </a:rPr>
               <a:t> )</a:t>
             </a:r>
-          </a:p>
-          <a:p>
-            <a:r>
-              <a:rPr lang="en-US" sz="2000" dirty="0" smtClean="0">
-                <a:latin typeface="Calibri Light" panose="020F0302020204030204" pitchFamily="34" charset="0"/>
-              </a:rPr>
-              <a:t>Secretary</a:t>
-            </a:r>
-          </a:p>
-          <a:p>
-            <a:r>
-              <a:rPr lang="en-US" sz="2000" dirty="0" err="1" smtClean="0">
-                <a:latin typeface="Calibri Light" panose="020F0302020204030204" pitchFamily="34" charset="0"/>
-              </a:rPr>
-              <a:t>Hariharan</a:t>
-            </a:r>
-            <a:r>
-              <a:rPr lang="en-US" sz="2000" dirty="0" smtClean="0">
-                <a:latin typeface="Calibri Light" panose="020F0302020204030204" pitchFamily="34" charset="0"/>
-              </a:rPr>
-              <a:t> </a:t>
-            </a:r>
-            <a:r>
-              <a:rPr lang="en-US" sz="2000" dirty="0" err="1" smtClean="0">
-                <a:latin typeface="Calibri Light" panose="020F0302020204030204" pitchFamily="34" charset="0"/>
-              </a:rPr>
-              <a:t>Ananthakrishnan</a:t>
-            </a:r>
-            <a:r>
-              <a:rPr lang="en-US" sz="2000" dirty="0" smtClean="0">
-                <a:latin typeface="Calibri Light" panose="020F0302020204030204" pitchFamily="34" charset="0"/>
-              </a:rPr>
-              <a:t> ( </a:t>
-            </a:r>
-            <a:r>
-              <a:rPr lang="en-US" sz="2000" dirty="0" smtClean="0">
-                <a:latin typeface="Calibri Light" panose="020F0302020204030204" pitchFamily="34" charset="0"/>
-                <a:hlinkClick r:id="rId4"/>
-              </a:rPr>
-              <a:t>hari@netfix.com</a:t>
-            </a:r>
-            <a:r>
-              <a:rPr lang="en-US" sz="2000" dirty="0" smtClean="0">
-                <a:latin typeface="Calibri Light" panose="020F0302020204030204" pitchFamily="34" charset="0"/>
-              </a:rPr>
-              <a:t> )</a:t>
-            </a:r>
-            <a:endParaRPr lang="en-US" sz="2000" dirty="0" smtClean="0">
-              <a:latin typeface="Calibri Light" panose="020F0302020204030204" pitchFamily="34" charset="0"/>
-            </a:endParaRPr>
           </a:p>
         </p:txBody>
       </p:sp>
@@ -22287,19 +22276,7 @@
               <a:rPr lang="en-US" sz="2100" dirty="0" smtClean="0">
                 <a:latin typeface="Calibri Light" panose="020F0302020204030204" pitchFamily="34" charset="0"/>
               </a:rPr>
-              <a:t>(DISCUSS is cleared, </a:t>
-            </a:r>
-            <a:r>
-              <a:rPr lang="en-US" sz="2100" dirty="0" smtClean="0">
-                <a:latin typeface="Calibri Light" panose="020F0302020204030204" pitchFamily="34" charset="0"/>
-              </a:rPr>
-              <a:t>last few </a:t>
-            </a:r>
-            <a:r>
-              <a:rPr lang="en-US" sz="2100" dirty="0" smtClean="0">
-                <a:latin typeface="Calibri Light" panose="020F0302020204030204" pitchFamily="34" charset="0"/>
-              </a:rPr>
-              <a:t>pending comments)</a:t>
+              <a:t>(DISCUSS is cleared, last few pending comments)</a:t>
             </a:r>
           </a:p>
           <a:p>
@@ -23321,53 +23298,50 @@
               </a:rPr>
               <a:t>-association-policy</a:t>
             </a:r>
+          </a:p>
+          <a:p>
+            <a:r>
+              <a:rPr lang="en-US" sz="2400" dirty="0" smtClean="0">
+                <a:latin typeface="Calibri Light" panose="020F0302020204030204" pitchFamily="34" charset="0"/>
+              </a:rPr>
+              <a:t>draft-</a:t>
+            </a:r>
+            <a:r>
+              <a:rPr lang="en-US" sz="2400" dirty="0" err="1" smtClean="0">
+                <a:latin typeface="Calibri Light" panose="020F0302020204030204" pitchFamily="34" charset="0"/>
+              </a:rPr>
+              <a:t>ietf</a:t>
+            </a:r>
+            <a:r>
+              <a:rPr lang="en-US" sz="2400" dirty="0" smtClean="0">
+                <a:latin typeface="Calibri Light" panose="020F0302020204030204" pitchFamily="34" charset="0"/>
+              </a:rPr>
+              <a:t>-</a:t>
+            </a:r>
+            <a:r>
+              <a:rPr lang="en-US" sz="2400" dirty="0" err="1" smtClean="0">
+                <a:latin typeface="Calibri Light" panose="020F0302020204030204" pitchFamily="34" charset="0"/>
+              </a:rPr>
+              <a:t>pce</a:t>
+            </a:r>
+            <a:r>
+              <a:rPr lang="en-US" sz="2400" dirty="0" smtClean="0">
+                <a:latin typeface="Calibri Light" panose="020F0302020204030204" pitchFamily="34" charset="0"/>
+              </a:rPr>
+              <a:t>-association-</a:t>
+            </a:r>
+            <a:r>
+              <a:rPr lang="en-US" sz="2400" dirty="0" err="1" smtClean="0">
+                <a:latin typeface="Calibri Light" panose="020F0302020204030204" pitchFamily="34" charset="0"/>
+              </a:rPr>
+              <a:t>bidir</a:t>
+            </a:r>
             <a:endParaRPr lang="en-US" sz="2400" dirty="0" smtClean="0">
               <a:latin typeface="Calibri Light" panose="020F0302020204030204" pitchFamily="34" charset="0"/>
             </a:endParaRPr>
           </a:p>
           <a:p>
             <a:r>
-              <a:rPr lang="en-US" sz="2400" dirty="0" smtClean="0">
-                <a:latin typeface="Calibri Light" panose="020F0302020204030204" pitchFamily="34" charset="0"/>
-              </a:rPr>
-              <a:t>draft-</a:t>
-            </a:r>
-            <a:r>
-              <a:rPr lang="en-US" sz="2400" dirty="0" err="1" smtClean="0">
-                <a:latin typeface="Calibri Light" panose="020F0302020204030204" pitchFamily="34" charset="0"/>
-              </a:rPr>
-              <a:t>ietf</a:t>
-            </a:r>
-            <a:r>
-              <a:rPr lang="en-US" sz="2400" dirty="0" smtClean="0">
-                <a:latin typeface="Calibri Light" panose="020F0302020204030204" pitchFamily="34" charset="0"/>
-              </a:rPr>
-              <a:t>-</a:t>
-            </a:r>
-            <a:r>
-              <a:rPr lang="en-US" sz="2400" dirty="0" err="1" smtClean="0">
-                <a:latin typeface="Calibri Light" panose="020F0302020204030204" pitchFamily="34" charset="0"/>
-              </a:rPr>
-              <a:t>pce</a:t>
-            </a:r>
-            <a:r>
-              <a:rPr lang="en-US" sz="2400" dirty="0" smtClean="0">
-                <a:latin typeface="Calibri Light" panose="020F0302020204030204" pitchFamily="34" charset="0"/>
-              </a:rPr>
-              <a:t>-association-</a:t>
-            </a:r>
-            <a:r>
-              <a:rPr lang="en-US" sz="2400" dirty="0" err="1" smtClean="0">
-                <a:latin typeface="Calibri Light" panose="020F0302020204030204" pitchFamily="34" charset="0"/>
-              </a:rPr>
-              <a:t>bidir</a:t>
-            </a:r>
-            <a:endParaRPr lang="en-US" sz="2400" dirty="0" smtClean="0">
-              <a:latin typeface="Calibri Light" panose="020F0302020204030204" pitchFamily="34" charset="0"/>
-            </a:endParaRPr>
-          </a:p>
-          <a:p>
-            <a:r>
               <a:rPr lang="en-US" sz="2400" dirty="0">
                 <a:latin typeface="Calibri Light" panose="020F0302020204030204" pitchFamily="34" charset="0"/>
               </a:rPr>
@@ -23482,23 +23456,8 @@
               <a:rPr lang="en-US" sz="2100" dirty="0" smtClean="0">
                 <a:latin typeface="Calibri Light" panose="020F0302020204030204" pitchFamily="34" charset="0"/>
               </a:rPr>
-              <a:t>Some reorganization </a:t>
-            </a:r>
-            <a:r>
-              <a:rPr lang="en-US" sz="2100" dirty="0" smtClean="0">
-                <a:latin typeface="Calibri Light" panose="020F0302020204030204" pitchFamily="34" charset="0"/>
-              </a:rPr>
-              <a:t>for readability would be </a:t>
-            </a:r>
-            <a:r>
-              <a:rPr lang="en-US" sz="2100" dirty="0" smtClean="0">
-                <a:latin typeface="Calibri Light" panose="020F0302020204030204" pitchFamily="34" charset="0"/>
-              </a:rPr>
-              <a:t>further useful </a:t>
-            </a:r>
-            <a:endParaRPr lang="en-US" sz="2100" dirty="0" smtClean="0">
-              <a:latin typeface="Calibri Light" panose="020F0302020204030204" pitchFamily="34" charset="0"/>
-            </a:endParaRPr>
+              <a:t>Some reorganization for readability would be further useful </a:t>
+            </a:r>
           </a:p>
           <a:p>
             <a:r>
@@ -23786,13 +23745,7 @@
               <a:rPr lang="en-US" sz="2100" dirty="0" smtClean="0">
                 <a:latin typeface="Calibri Light" panose="020F0302020204030204" pitchFamily="34" charset="0"/>
               </a:rPr>
-              <a:t>Presented at IETF </a:t>
-            </a:r>
-            <a:r>
-              <a:rPr lang="en-US" sz="2100" dirty="0" smtClean="0">
-                <a:latin typeface="Calibri Light" panose="020F0302020204030204" pitchFamily="34" charset="0"/>
-              </a:rPr>
-              <a:t>104 </a:t>
+              <a:t>Presented at IETF 104 </a:t>
             </a:r>
           </a:p>
           <a:p>
@@ -24065,6 +24018,9 @@
               </a:rPr>
               <a:t>-flexible-grid</a:t>
             </a:r>
+            <a:endParaRPr lang="en-IN" sz="2400" dirty="0" smtClean="0">
+              <a:latin typeface="Calibri Light" panose="020F0302020204030204" pitchFamily="34" charset="0"/>
+            </a:endParaRPr>
           </a:p>
           <a:p>
             <a:pPr lvl="1"/>
@@ -24235,7 +24191,7 @@
       </p:grpSpPr>
       <p:sp>
         <p:nvSpPr>
-          <p:cNvPr id="2" name="Titre 1"/>
+          <p:cNvPr id="2" name="Title 1"/>
           <p:cNvSpPr>
             <a:spLocks noGrp="1"/>
           </p:cNvSpPr>
@@ -24249,15 +24205,16 @@
           <a:lstStyle/>
           <a:p>
             <a:r>
-              <a:rPr lang="en-US" dirty="0"/>
-              <a:t>Adoption Poll Queue</a:t>
-            </a:r>
+              <a:rPr lang="en-US" dirty="0" smtClean="0"/>
+              <a:t>Recent WG documents</a:t>
+            </a:r>
+            <a:endParaRPr lang="en-IN" dirty="0"/>
           </a:p>
         </p:txBody>
       </p:sp>
       <p:sp>
         <p:nvSpPr>
-          <p:cNvPr id="3" name="Espace réservé du contenu 2"/>
+          <p:cNvPr id="3" name="Content Placeholder 2"/>
           <p:cNvSpPr>
             <a:spLocks noGrp="1"/>
           </p:cNvSpPr>
@@ -24273,76 +24230,85 @@
           <a:lstStyle/>
           <a:p>
             <a:r>
-              <a:rPr lang="en-US" sz="2400" dirty="0">
+              <a:rPr lang="en-IN" sz="2400" dirty="0" smtClean="0">
                 <a:latin typeface="Calibri Light" panose="020F0302020204030204" pitchFamily="34" charset="0"/>
               </a:rPr>
               <a:t>draft-</a:t>
             </a:r>
             <a:r>
-              <a:rPr lang="en-US" sz="2400" dirty="0" err="1">
-                <a:latin typeface="Calibri Light" panose="020F0302020204030204" pitchFamily="34" charset="0"/>
-              </a:rPr>
-              <a:t>leedhody</a:t>
-            </a:r>
-            <a:r>
-              <a:rPr lang="en-US" sz="2400" dirty="0">
+              <a:rPr lang="en-IN" sz="2400" dirty="0" err="1" smtClean="0">
+                <a:latin typeface="Calibri Light" panose="020F0302020204030204" pitchFamily="34" charset="0"/>
+              </a:rPr>
+              <a:t>ietf</a:t>
+            </a:r>
+            <a:r>
+              <a:rPr lang="en-IN" sz="2400" dirty="0" smtClean="0">
                 <a:latin typeface="Calibri Light" panose="020F0302020204030204" pitchFamily="34" charset="0"/>
               </a:rPr>
               <a:t>-</a:t>
             </a:r>
             <a:r>
-              <a:rPr lang="en-US" sz="2400" dirty="0" err="1">
+              <a:rPr lang="en-IN" sz="2400" dirty="0" err="1" smtClean="0">
                 <a:latin typeface="Calibri Light" panose="020F0302020204030204" pitchFamily="34" charset="0"/>
               </a:rPr>
               <a:t>pce</a:t>
             </a:r>
             <a:r>
-              <a:rPr lang="en-US" sz="2400" dirty="0">
-                <a:latin typeface="Calibri Light" panose="020F0302020204030204" pitchFamily="34" charset="0"/>
-              </a:rPr>
-              <a:t>-</a:t>
-            </a:r>
-            <a:r>
-              <a:rPr lang="en-US" sz="2400" dirty="0" err="1">
-                <a:latin typeface="Calibri Light" panose="020F0302020204030204" pitchFamily="34" charset="0"/>
-              </a:rPr>
-              <a:t>vn</a:t>
-            </a:r>
-            <a:r>
-              <a:rPr lang="en-US" sz="2400" dirty="0">
-                <a:latin typeface="Calibri Light" panose="020F0302020204030204" pitchFamily="34" charset="0"/>
-              </a:rPr>
-              <a:t>-association </a:t>
-            </a:r>
-            <a:endParaRPr lang="en-US" sz="2400" dirty="0" smtClean="0">
+              <a:rPr lang="en-IN" sz="2400" dirty="0" smtClean="0">
+                <a:latin typeface="Calibri Light" panose="020F0302020204030204" pitchFamily="34" charset="0"/>
+              </a:rPr>
+              <a:t>-binding-label-</a:t>
+            </a:r>
+            <a:r>
+              <a:rPr lang="en-IN" sz="2400" dirty="0" err="1" smtClean="0">
+                <a:latin typeface="Calibri Light" panose="020F0302020204030204" pitchFamily="34" charset="0"/>
+              </a:rPr>
+              <a:t>sid</a:t>
+            </a:r>
+            <a:endParaRPr lang="en-IN" sz="2400" dirty="0" smtClean="0">
               <a:latin typeface="Calibri Light" panose="020F0302020204030204" pitchFamily="34" charset="0"/>
             </a:endParaRPr>
           </a:p>
           <a:p>
             <a:pPr lvl="1"/>
             <a:r>
-              <a:rPr lang="en-US" sz="2000" dirty="0" smtClean="0">
-                <a:latin typeface="Calibri Light" panose="020F0302020204030204" pitchFamily="34" charset="0"/>
-              </a:rPr>
-              <a:t>Poll </a:t>
-            </a:r>
-            <a:r>
-              <a:rPr lang="en-US" sz="2000" dirty="0">
-                <a:latin typeface="Calibri Light" panose="020F0302020204030204" pitchFamily="34" charset="0"/>
-              </a:rPr>
-              <a:t>on -07 ends 2019-08-</a:t>
-            </a:r>
-            <a:r>
-              <a:rPr lang="en-US" sz="2000" dirty="0" smtClean="0">
-                <a:latin typeface="Calibri Light" panose="020F0302020204030204" pitchFamily="34" charset="0"/>
-              </a:rPr>
-              <a:t>04</a:t>
-            </a:r>
-            <a:endParaRPr lang="en-US" sz="2000" dirty="0">
+              <a:rPr lang="en-US" sz="2100" dirty="0" smtClean="0">
+                <a:latin typeface="Calibri Light" panose="020F0302020204030204" pitchFamily="34" charset="0"/>
+              </a:rPr>
+              <a:t>Adopted </a:t>
+            </a:r>
+            <a:r>
+              <a:rPr lang="en-US" sz="2100" dirty="0" smtClean="0">
+                <a:latin typeface="Calibri Light" panose="020F0302020204030204" pitchFamily="34" charset="0"/>
+              </a:rPr>
+              <a:t>after 105</a:t>
+            </a:r>
+            <a:endParaRPr lang="en-US" sz="2100" dirty="0" smtClean="0">
               <a:latin typeface="Calibri Light" panose="020F0302020204030204" pitchFamily="34" charset="0"/>
             </a:endParaRPr>
           </a:p>
           <a:p>
+            <a:pPr lvl="1"/>
+            <a:r>
+              <a:rPr lang="en-US" sz="2100" dirty="0" smtClean="0">
+                <a:latin typeface="Calibri Light" panose="020F0302020204030204" pitchFamily="34" charset="0"/>
+              </a:rPr>
+              <a:t>One update </a:t>
+            </a:r>
+            <a:r>
+              <a:rPr lang="en-US" sz="2100" dirty="0" smtClean="0">
+                <a:latin typeface="Calibri Light" panose="020F0302020204030204" pitchFamily="34" charset="0"/>
+              </a:rPr>
+              <a:t>(-</a:t>
+            </a:r>
+            <a:r>
+              <a:rPr lang="en-US" sz="2100" dirty="0" smtClean="0">
+                <a:latin typeface="Calibri Light" panose="020F0302020204030204" pitchFamily="34" charset="0"/>
+              </a:rPr>
+              <a:t>01) posted since</a:t>
+            </a:r>
+          </a:p>
+          <a:p>
             <a:r>
               <a:rPr lang="en-US" sz="2400" dirty="0">
                 <a:latin typeface="Calibri Light" panose="020F0302020204030204" pitchFamily="34" charset="0"/>
@@ -24353,7 +24319,7 @@
               <a:rPr lang="en-US" sz="2400" dirty="0" err="1">
                 <a:latin typeface="Calibri Light" panose="020F0302020204030204" pitchFamily="34" charset="0"/>
               </a:rPr>
-              <a:t>sivabalan</a:t>
+              <a:t>ietf</a:t>
             </a:r>
             <a:r>
               <a:rPr lang="en-US" sz="2400" dirty="0">
@@ -24371,226 +24337,107 @@
               <a:rPr lang="en-US" sz="2400" dirty="0">
                 <a:latin typeface="Calibri Light" panose="020F0302020204030204" pitchFamily="34" charset="0"/>
               </a:rPr>
-              <a:t>-binding-label-</a:t>
+              <a:t>-</a:t>
+            </a:r>
+            <a:r>
+              <a:rPr lang="en-US" sz="2400" dirty="0" err="1">
+                <a:latin typeface="Calibri Light" panose="020F0302020204030204" pitchFamily="34" charset="0"/>
+              </a:rPr>
+              <a:t>vn</a:t>
+            </a:r>
+            <a:r>
+              <a:rPr lang="en-US" sz="2400" dirty="0">
+                <a:latin typeface="Calibri Light" panose="020F0302020204030204" pitchFamily="34" charset="0"/>
+              </a:rPr>
+              <a:t>-association</a:t>
+            </a:r>
+          </a:p>
+          <a:p>
+            <a:pPr lvl="1"/>
+            <a:r>
+              <a:rPr lang="en-US" sz="2100" dirty="0">
+                <a:latin typeface="Calibri Light" panose="020F0302020204030204" pitchFamily="34" charset="0"/>
+              </a:rPr>
+              <a:t>Adopted after 105</a:t>
+            </a:r>
+          </a:p>
+          <a:p>
+            <a:pPr lvl="1"/>
+            <a:r>
+              <a:rPr lang="en-US" sz="2100" dirty="0">
+                <a:latin typeface="Calibri Light" panose="020F0302020204030204" pitchFamily="34" charset="0"/>
+              </a:rPr>
+              <a:t>One update (-01) posted </a:t>
+            </a:r>
+            <a:r>
+              <a:rPr lang="en-US" sz="2100" dirty="0" smtClean="0">
+                <a:latin typeface="Calibri Light" panose="020F0302020204030204" pitchFamily="34" charset="0"/>
+              </a:rPr>
+              <a:t>since</a:t>
+            </a:r>
+          </a:p>
+          <a:p>
+            <a:r>
+              <a:rPr lang="en-US" sz="2400" dirty="0" smtClean="0">
+                <a:latin typeface="Calibri Light" panose="020F0302020204030204" pitchFamily="34" charset="0"/>
+              </a:rPr>
+              <a:t>draft-</a:t>
             </a:r>
             <a:r>
               <a:rPr lang="en-US" sz="2400" dirty="0" err="1" smtClean="0">
                 <a:latin typeface="Calibri Light" panose="020F0302020204030204" pitchFamily="34" charset="0"/>
               </a:rPr>
-              <a:t>sid</a:t>
-            </a:r>
-            <a:endParaRPr lang="en-US" sz="2400" dirty="0">
-              <a:latin typeface="Calibri Light" panose="020F0302020204030204" pitchFamily="34" charset="0"/>
-            </a:endParaRPr>
-          </a:p>
-          <a:p>
-            <a:r>
-              <a:rPr lang="en-US" sz="2400" dirty="0">
-                <a:latin typeface="Calibri Light" panose="020F0302020204030204" pitchFamily="34" charset="0"/>
-              </a:rPr>
-              <a:t>draft-</a:t>
-            </a:r>
-            <a:r>
-              <a:rPr lang="en-US" sz="2400" dirty="0" err="1">
-                <a:latin typeface="Calibri Light" panose="020F0302020204030204" pitchFamily="34" charset="0"/>
-              </a:rPr>
-              <a:t>zhao</a:t>
-            </a:r>
-            <a:r>
-              <a:rPr lang="en-US" sz="2400" dirty="0">
+              <a:t>ietf</a:t>
+            </a:r>
+            <a:r>
+              <a:rPr lang="en-US" sz="2400" dirty="0" smtClean="0">
                 <a:latin typeface="Calibri Light" panose="020F0302020204030204" pitchFamily="34" charset="0"/>
               </a:rPr>
               <a:t>-</a:t>
             </a:r>
             <a:r>
-              <a:rPr lang="en-US" sz="2400" dirty="0" err="1">
+              <a:rPr lang="en-US" sz="2400" dirty="0" err="1" smtClean="0">
                 <a:latin typeface="Calibri Light" panose="020F0302020204030204" pitchFamily="34" charset="0"/>
               </a:rPr>
               <a:t>pce</a:t>
             </a:r>
             <a:r>
-              <a:rPr lang="en-US" sz="2400" dirty="0">
+              <a:rPr lang="en-US" sz="2400" dirty="0" smtClean="0">
                 <a:latin typeface="Calibri Light" panose="020F0302020204030204" pitchFamily="34" charset="0"/>
               </a:rPr>
               <a:t>-</a:t>
             </a:r>
             <a:r>
-              <a:rPr lang="en-US" sz="2400" dirty="0" err="1">
-                <a:latin typeface="Calibri Light" panose="020F0302020204030204" pitchFamily="34" charset="0"/>
-              </a:rPr>
-              <a:t>pcep</a:t>
-            </a:r>
-            <a:r>
-              <a:rPr lang="en-US" sz="2400" dirty="0">
-                <a:latin typeface="Calibri Light" panose="020F0302020204030204" pitchFamily="34" charset="0"/>
-              </a:rPr>
-              <a:t>-extension-</a:t>
-            </a:r>
-            <a:r>
-              <a:rPr lang="en-US" sz="2400" dirty="0" err="1">
-                <a:latin typeface="Calibri Light" panose="020F0302020204030204" pitchFamily="34" charset="0"/>
-              </a:rPr>
-              <a:t>pce</a:t>
-            </a:r>
-            <a:r>
-              <a:rPr lang="en-US" sz="2400" dirty="0">
-                <a:latin typeface="Calibri Light" panose="020F0302020204030204" pitchFamily="34" charset="0"/>
-              </a:rPr>
-              <a:t>-controller-</a:t>
-            </a:r>
-            <a:r>
-              <a:rPr lang="en-US" sz="2400" dirty="0" err="1">
+              <a:rPr lang="en-US" sz="2400" dirty="0" err="1" smtClean="0">
                 <a:latin typeface="Calibri Light" panose="020F0302020204030204" pitchFamily="34" charset="0"/>
               </a:rPr>
               <a:t>sr</a:t>
             </a:r>
-            <a:endParaRPr lang="en-US" sz="2400" dirty="0">
-              <a:latin typeface="Calibri Light" panose="020F0302020204030204" pitchFamily="34" charset="0"/>
-            </a:endParaRPr>
-          </a:p>
-          <a:p>
-            <a:r>
-              <a:rPr lang="en-US" sz="2400" dirty="0">
-                <a:latin typeface="Calibri Light" panose="020F0302020204030204" pitchFamily="34" charset="0"/>
-              </a:rPr>
-              <a:t>draft-li-</a:t>
-            </a:r>
-            <a:r>
-              <a:rPr lang="en-US" sz="2400" dirty="0" err="1">
-                <a:latin typeface="Calibri Light" panose="020F0302020204030204" pitchFamily="34" charset="0"/>
-              </a:rPr>
-              <a:t>pce</a:t>
-            </a:r>
-            <a:r>
-              <a:rPr lang="en-US" sz="2400" dirty="0">
-                <a:latin typeface="Calibri Light" panose="020F0302020204030204" pitchFamily="34" charset="0"/>
-              </a:rPr>
-              <a:t>-</a:t>
-            </a:r>
-            <a:r>
-              <a:rPr lang="en-US" sz="2400" dirty="0" err="1">
-                <a:latin typeface="Calibri Light" panose="020F0302020204030204" pitchFamily="34" charset="0"/>
-              </a:rPr>
-              <a:t>sr</a:t>
-            </a:r>
-            <a:r>
-              <a:rPr lang="en-US" sz="2400" dirty="0">
+            <a:r>
+              <a:rPr lang="en-US" sz="2400" dirty="0" smtClean="0">
                 <a:latin typeface="Calibri Light" panose="020F0302020204030204" pitchFamily="34" charset="0"/>
               </a:rPr>
               <a:t>-path-segment</a:t>
             </a:r>
           </a:p>
           <a:p>
-            <a:r>
-              <a:rPr lang="en-US" sz="2400" dirty="0">
-                <a:latin typeface="Calibri Light" panose="020F0302020204030204" pitchFamily="34" charset="0"/>
-              </a:rPr>
-              <a:t>draft-li-</a:t>
-            </a:r>
-            <a:r>
-              <a:rPr lang="en-US" sz="2400" dirty="0" err="1">
-                <a:latin typeface="Calibri Light" panose="020F0302020204030204" pitchFamily="34" charset="0"/>
-              </a:rPr>
-              <a:t>pce</a:t>
-            </a:r>
-            <a:r>
-              <a:rPr lang="en-US" sz="2400" dirty="0">
-                <a:latin typeface="Calibri Light" panose="020F0302020204030204" pitchFamily="34" charset="0"/>
-              </a:rPr>
-              <a:t>-</a:t>
-            </a:r>
-            <a:r>
-              <a:rPr lang="en-US" sz="2400" dirty="0" err="1">
-                <a:latin typeface="Calibri Light" panose="020F0302020204030204" pitchFamily="34" charset="0"/>
-              </a:rPr>
-              <a:t>sr</a:t>
-            </a:r>
-            <a:r>
-              <a:rPr lang="en-US" sz="2400" dirty="0">
-                <a:latin typeface="Calibri Light" panose="020F0302020204030204" pitchFamily="34" charset="0"/>
-              </a:rPr>
-              <a:t>-</a:t>
-            </a:r>
-            <a:r>
-              <a:rPr lang="en-US" sz="2400" dirty="0" err="1">
-                <a:latin typeface="Calibri Light" panose="020F0302020204030204" pitchFamily="34" charset="0"/>
-              </a:rPr>
-              <a:t>bidir</a:t>
-            </a:r>
-            <a:r>
-              <a:rPr lang="en-US" sz="2400" dirty="0">
-                <a:latin typeface="Calibri Light" panose="020F0302020204030204" pitchFamily="34" charset="0"/>
-              </a:rPr>
-              <a:t>-path</a:t>
-            </a:r>
-          </a:p>
-          <a:p>
-            <a:r>
-              <a:rPr lang="en-US" sz="2400" dirty="0">
-                <a:latin typeface="Calibri Light" panose="020F0302020204030204" pitchFamily="34" charset="0"/>
-              </a:rPr>
-              <a:t>draft-</a:t>
-            </a:r>
-            <a:r>
-              <a:rPr lang="en-US" sz="2400" dirty="0" err="1">
-                <a:latin typeface="Calibri Light" panose="020F0302020204030204" pitchFamily="34" charset="0"/>
-              </a:rPr>
-              <a:t>dugeon</a:t>
-            </a:r>
-            <a:r>
-              <a:rPr lang="en-US" sz="2400" dirty="0">
-                <a:latin typeface="Calibri Light" panose="020F0302020204030204" pitchFamily="34" charset="0"/>
-              </a:rPr>
-              <a:t>-</a:t>
-            </a:r>
-            <a:r>
-              <a:rPr lang="en-US" sz="2400" dirty="0" err="1">
-                <a:latin typeface="Calibri Light" panose="020F0302020204030204" pitchFamily="34" charset="0"/>
-              </a:rPr>
-              <a:t>pce-stateful-interdomain</a:t>
-            </a:r>
-            <a:endParaRPr lang="en-US" sz="2400" dirty="0">
-              <a:latin typeface="Calibri Light" panose="020F0302020204030204" pitchFamily="34" charset="0"/>
-            </a:endParaRPr>
-          </a:p>
-          <a:p>
-            <a:r>
-              <a:rPr lang="en-US" sz="2400" dirty="0">
-                <a:latin typeface="Calibri Light" panose="020F0302020204030204" pitchFamily="34" charset="0"/>
-              </a:rPr>
-              <a:t>draft-</a:t>
-            </a:r>
-            <a:r>
-              <a:rPr lang="en-US" sz="2400" dirty="0" err="1">
-                <a:latin typeface="Calibri Light" panose="020F0302020204030204" pitchFamily="34" charset="0"/>
-              </a:rPr>
-              <a:t>barth</a:t>
-            </a:r>
-            <a:r>
-              <a:rPr lang="en-US" sz="2400" dirty="0">
-                <a:latin typeface="Calibri Light" panose="020F0302020204030204" pitchFamily="34" charset="0"/>
-              </a:rPr>
-              <a:t>-</a:t>
-            </a:r>
-            <a:r>
-              <a:rPr lang="en-US" sz="2400" dirty="0" err="1">
-                <a:latin typeface="Calibri Light" panose="020F0302020204030204" pitchFamily="34" charset="0"/>
-              </a:rPr>
-              <a:t>pce</a:t>
-            </a:r>
-            <a:r>
-              <a:rPr lang="en-US" sz="2400" dirty="0">
-                <a:latin typeface="Calibri Light" panose="020F0302020204030204" pitchFamily="34" charset="0"/>
-              </a:rPr>
-              <a:t>-segment-routing-policy-</a:t>
-            </a:r>
-            <a:r>
-              <a:rPr lang="en-US" sz="2400" dirty="0" err="1">
-                <a:latin typeface="Calibri Light" panose="020F0302020204030204" pitchFamily="34" charset="0"/>
-              </a:rPr>
-              <a:t>cp</a:t>
-            </a:r>
-            <a:endParaRPr lang="en-US" sz="2400" dirty="0">
+            <a:pPr lvl="1"/>
+            <a:r>
+              <a:rPr lang="en-US" sz="2000" dirty="0">
+                <a:latin typeface="Calibri Light" panose="020F0302020204030204" pitchFamily="34" charset="0"/>
+              </a:rPr>
+              <a:t>Adopted after 105</a:t>
+            </a:r>
+          </a:p>
+          <a:p>
+            <a:pPr lvl="1"/>
+            <a:r>
+              <a:rPr lang="en-US" sz="2000" dirty="0" smtClean="0">
+                <a:latin typeface="Calibri Light" panose="020F0302020204030204" pitchFamily="34" charset="0"/>
+              </a:rPr>
+              <a:t>No update</a:t>
+            </a:r>
+            <a:endParaRPr lang="en-US" sz="2000" dirty="0">
               <a:latin typeface="Calibri Light" panose="020F0302020204030204" pitchFamily="34" charset="0"/>
             </a:endParaRPr>
           </a:p>
@@ -24645,7 +24492,7 @@
     </p:spTree>
     <p:extLst>
       <p:ext uri="{BB962C8B-B14F-4D97-AF65-F5344CB8AC3E}">
-        <p14:creationId xmlns:p14="http://schemas.microsoft.com/office/powerpoint/2010/main" val="2194100049"/>
+        <p14:creationId xmlns:p14="http://schemas.microsoft.com/office/powerpoint/2010/main" val="1333532410"/>
       </p:ext>
     </p:extLst>
   </p:cSld>
@@ -25049,6 +24896,304 @@
       </p:grpSpPr>
       <p:sp>
         <p:nvSpPr>
+          <p:cNvPr id="2" name="Titre 1"/>
+          <p:cNvSpPr>
+            <a:spLocks noGrp="1"/>
+          </p:cNvSpPr>
+          <p:nvPr>
+            <p:ph type="title"/>
+          </p:nvPr>
+        </p:nvSpPr>
+        <p:spPr/>
+        <p:txBody>
+          <a:bodyPr/>
+          <a:lstStyle/>
+          <a:p>
+            <a:r>
+              <a:rPr lang="en-US" dirty="0"/>
+              <a:t>Adoption Poll Queue</a:t>
+            </a:r>
+          </a:p>
+        </p:txBody>
+      </p:sp>
+      <p:sp>
+        <p:nvSpPr>
+          <p:cNvPr id="3" name="Espace réservé du contenu 2"/>
+          <p:cNvSpPr>
+            <a:spLocks noGrp="1"/>
+          </p:cNvSpPr>
+          <p:nvPr>
+            <p:ph idx="1"/>
+          </p:nvPr>
+        </p:nvSpPr>
+        <p:spPr/>
+        <p:txBody>
+          <a:bodyPr>
+            <a:normAutofit/>
+          </a:bodyPr>
+          <a:lstStyle/>
+          <a:p>
+            <a:r>
+              <a:rPr lang="en-US" sz="2400" dirty="0" smtClean="0">
+                <a:latin typeface="Calibri Light" panose="020F0302020204030204" pitchFamily="34" charset="0"/>
+              </a:rPr>
+              <a:t>draft-</a:t>
+            </a:r>
+            <a:r>
+              <a:rPr lang="en-US" sz="2400" dirty="0" err="1" smtClean="0">
+                <a:latin typeface="Calibri Light" panose="020F0302020204030204" pitchFamily="34" charset="0"/>
+              </a:rPr>
+              <a:t>zhao</a:t>
+            </a:r>
+            <a:r>
+              <a:rPr lang="en-US" sz="2400" dirty="0" smtClean="0">
+                <a:latin typeface="Calibri Light" panose="020F0302020204030204" pitchFamily="34" charset="0"/>
+              </a:rPr>
+              <a:t>-</a:t>
+            </a:r>
+            <a:r>
+              <a:rPr lang="en-US" sz="2400" dirty="0" err="1" smtClean="0">
+                <a:latin typeface="Calibri Light" panose="020F0302020204030204" pitchFamily="34" charset="0"/>
+              </a:rPr>
+              <a:t>pce</a:t>
+            </a:r>
+            <a:r>
+              <a:rPr lang="en-US" sz="2400" dirty="0" smtClean="0">
+                <a:latin typeface="Calibri Light" panose="020F0302020204030204" pitchFamily="34" charset="0"/>
+              </a:rPr>
+              <a:t>-</a:t>
+            </a:r>
+            <a:r>
+              <a:rPr lang="en-US" sz="2400" dirty="0" err="1" smtClean="0">
+                <a:latin typeface="Calibri Light" panose="020F0302020204030204" pitchFamily="34" charset="0"/>
+              </a:rPr>
+              <a:t>pcep</a:t>
+            </a:r>
+            <a:r>
+              <a:rPr lang="en-US" sz="2400" dirty="0" smtClean="0">
+                <a:latin typeface="Calibri Light" panose="020F0302020204030204" pitchFamily="34" charset="0"/>
+              </a:rPr>
+              <a:t>-extension-</a:t>
+            </a:r>
+            <a:r>
+              <a:rPr lang="en-US" sz="2400" dirty="0" err="1" smtClean="0">
+                <a:latin typeface="Calibri Light" panose="020F0302020204030204" pitchFamily="34" charset="0"/>
+              </a:rPr>
+              <a:t>pce</a:t>
+            </a:r>
+            <a:r>
+              <a:rPr lang="en-US" sz="2400" dirty="0" smtClean="0">
+                <a:latin typeface="Calibri Light" panose="020F0302020204030204" pitchFamily="34" charset="0"/>
+              </a:rPr>
+              <a:t>-controller-</a:t>
+            </a:r>
+            <a:r>
+              <a:rPr lang="en-US" sz="2400" dirty="0" err="1" smtClean="0">
+                <a:latin typeface="Calibri Light" panose="020F0302020204030204" pitchFamily="34" charset="0"/>
+              </a:rPr>
+              <a:t>sr</a:t>
+            </a:r>
+            <a:endParaRPr lang="en-US" sz="2400" dirty="0">
+              <a:latin typeface="Calibri Light" panose="020F0302020204030204" pitchFamily="34" charset="0"/>
+            </a:endParaRPr>
+          </a:p>
+          <a:p>
+            <a:r>
+              <a:rPr lang="en-US" sz="2400" dirty="0" smtClean="0">
+                <a:latin typeface="Calibri Light" panose="020F0302020204030204" pitchFamily="34" charset="0"/>
+              </a:rPr>
+              <a:t>draft-li-</a:t>
+            </a:r>
+            <a:r>
+              <a:rPr lang="en-US" sz="2400" dirty="0" err="1" smtClean="0">
+                <a:latin typeface="Calibri Light" panose="020F0302020204030204" pitchFamily="34" charset="0"/>
+              </a:rPr>
+              <a:t>pce</a:t>
+            </a:r>
+            <a:r>
+              <a:rPr lang="en-US" sz="2400" dirty="0" smtClean="0">
+                <a:latin typeface="Calibri Light" panose="020F0302020204030204" pitchFamily="34" charset="0"/>
+              </a:rPr>
+              <a:t>-</a:t>
+            </a:r>
+            <a:r>
+              <a:rPr lang="en-US" sz="2400" dirty="0" err="1" smtClean="0">
+                <a:latin typeface="Calibri Light" panose="020F0302020204030204" pitchFamily="34" charset="0"/>
+              </a:rPr>
+              <a:t>sr</a:t>
+            </a:r>
+            <a:r>
+              <a:rPr lang="en-US" sz="2400" dirty="0" smtClean="0">
+                <a:latin typeface="Calibri Light" panose="020F0302020204030204" pitchFamily="34" charset="0"/>
+              </a:rPr>
+              <a:t>-</a:t>
+            </a:r>
+            <a:r>
+              <a:rPr lang="en-US" sz="2400" dirty="0" err="1" smtClean="0">
+                <a:latin typeface="Calibri Light" panose="020F0302020204030204" pitchFamily="34" charset="0"/>
+              </a:rPr>
+              <a:t>bidir</a:t>
+            </a:r>
+            <a:r>
+              <a:rPr lang="en-US" sz="2400" dirty="0" smtClean="0">
+                <a:latin typeface="Calibri Light" panose="020F0302020204030204" pitchFamily="34" charset="0"/>
+              </a:rPr>
+              <a:t>-path</a:t>
+            </a:r>
+            <a:endParaRPr lang="en-US" sz="2400" dirty="0">
+              <a:latin typeface="Calibri Light" panose="020F0302020204030204" pitchFamily="34" charset="0"/>
+            </a:endParaRPr>
+          </a:p>
+          <a:p>
+            <a:r>
+              <a:rPr lang="en-US" sz="2400" dirty="0">
+                <a:latin typeface="Calibri Light" panose="020F0302020204030204" pitchFamily="34" charset="0"/>
+              </a:rPr>
+              <a:t>draft-</a:t>
+            </a:r>
+            <a:r>
+              <a:rPr lang="en-US" sz="2400" dirty="0" err="1">
+                <a:latin typeface="Calibri Light" panose="020F0302020204030204" pitchFamily="34" charset="0"/>
+              </a:rPr>
+              <a:t>dugeon</a:t>
+            </a:r>
+            <a:r>
+              <a:rPr lang="en-US" sz="2400" dirty="0">
+                <a:latin typeface="Calibri Light" panose="020F0302020204030204" pitchFamily="34" charset="0"/>
+              </a:rPr>
+              <a:t>-</a:t>
+            </a:r>
+            <a:r>
+              <a:rPr lang="en-US" sz="2400" dirty="0" err="1">
+                <a:latin typeface="Calibri Light" panose="020F0302020204030204" pitchFamily="34" charset="0"/>
+              </a:rPr>
+              <a:t>pce-stateful-interdomain</a:t>
+            </a:r>
+            <a:endParaRPr lang="en-US" sz="2400" dirty="0">
+              <a:latin typeface="Calibri Light" panose="020F0302020204030204" pitchFamily="34" charset="0"/>
+            </a:endParaRPr>
+          </a:p>
+          <a:p>
+            <a:r>
+              <a:rPr lang="en-US" sz="2400" dirty="0">
+                <a:latin typeface="Calibri Light" panose="020F0302020204030204" pitchFamily="34" charset="0"/>
+              </a:rPr>
+              <a:t>draft-</a:t>
+            </a:r>
+            <a:r>
+              <a:rPr lang="en-US" sz="2400" dirty="0" err="1">
+                <a:latin typeface="Calibri Light" panose="020F0302020204030204" pitchFamily="34" charset="0"/>
+              </a:rPr>
+              <a:t>barth</a:t>
+            </a:r>
+            <a:r>
+              <a:rPr lang="en-US" sz="2400" dirty="0">
+                <a:latin typeface="Calibri Light" panose="020F0302020204030204" pitchFamily="34" charset="0"/>
+              </a:rPr>
+              <a:t>-</a:t>
+            </a:r>
+            <a:r>
+              <a:rPr lang="en-US" sz="2400" dirty="0" err="1">
+                <a:latin typeface="Calibri Light" panose="020F0302020204030204" pitchFamily="34" charset="0"/>
+              </a:rPr>
+              <a:t>pce</a:t>
+            </a:r>
+            <a:r>
+              <a:rPr lang="en-US" sz="2400" dirty="0">
+                <a:latin typeface="Calibri Light" panose="020F0302020204030204" pitchFamily="34" charset="0"/>
+              </a:rPr>
+              <a:t>-segment-routing-policy-</a:t>
+            </a:r>
+            <a:r>
+              <a:rPr lang="en-US" sz="2400" dirty="0" err="1">
+                <a:latin typeface="Calibri Light" panose="020F0302020204030204" pitchFamily="34" charset="0"/>
+              </a:rPr>
+              <a:t>cp</a:t>
+            </a:r>
+            <a:endParaRPr lang="en-US" sz="2400" dirty="0">
+              <a:latin typeface="Calibri Light" panose="020F0302020204030204" pitchFamily="34" charset="0"/>
+            </a:endParaRPr>
+          </a:p>
+        </p:txBody>
+      </p:sp>
+      <p:sp>
+        <p:nvSpPr>
+          <p:cNvPr id="4" name="Footer Placeholder 3"/>
+          <p:cNvSpPr>
+            <a:spLocks noGrp="1"/>
+          </p:cNvSpPr>
+          <p:nvPr>
+            <p:ph type="ftr" sz="quarter" idx="11"/>
+          </p:nvPr>
+        </p:nvSpPr>
+        <p:spPr/>
+        <p:txBody>
+          <a:bodyPr/>
+          <a:lstStyle/>
+          <a:p>
+            <a:r>
+              <a:rPr lang="en-US" smtClean="0"/>
+              <a:t>PCE WG @ IETF 106, Singapore</a:t>
+            </a:r>
+            <a:endParaRPr lang="en-US"/>
+          </a:p>
+        </p:txBody>
+      </p:sp>
+      <p:sp>
+        <p:nvSpPr>
+          <p:cNvPr id="5" name="Slide Number Placeholder 4"/>
+          <p:cNvSpPr>
+            <a:spLocks noGrp="1"/>
+          </p:cNvSpPr>
+          <p:nvPr>
+            <p:ph type="sldNum" sz="quarter" idx="12"/>
+          </p:nvPr>
+        </p:nvSpPr>
+        <p:spPr/>
+        <p:txBody>
+          <a:bodyPr/>
+          <a:lstStyle/>
+          <a:p>
+            <a:fld id="{B46CAD5C-20D6-4792-892D-3D51AC2D7322}" type="slidenum">
+              <a:rPr lang="en-US" smtClean="0"/>
+              <a:t>20</a:t>
+            </a:fld>
+            <a:endParaRPr lang="en-US"/>
+          </a:p>
+        </p:txBody>
+      </p:sp>
+    </p:spTree>
+    <p:extLst>
+      <p:ext uri="{BB962C8B-B14F-4D97-AF65-F5344CB8AC3E}">
+        <p14:creationId xmlns:p14="http://schemas.microsoft.com/office/powerpoint/2010/main" val="2194100049"/>
+      </p:ext>
+    </p:extLst>
+  </p:cSld>
+  <p:clrMapOvr>
+    <a:masterClrMapping/>
+  </p:clrMapOvr>
+</p:sld>
+</file>
+
+<file path=ppt/slides/slide21.xml><?xml version="1.0" encoding="utf-8"?>
+<p:sld xmlns:a="http://schemas.openxmlformats.org/drawingml/2006/main" xmlns:r="http://schemas.openxmlformats.org/officeDocument/2006/relationships" xmlns:p="http://schemas.openxmlformats.org/presentationml/2006/main">
+  <p:cSld>
+    <p:spTree>
+      <p:nvGrpSpPr>
+        <p:cNvPr id="1" name=""/>
+        <p:cNvGrpSpPr/>
+        <p:nvPr/>
+      </p:nvGrpSpPr>
+      <p:grpSpPr>
+        <a:xfrm>
+          <a:off x="0" y="0"/>
+          <a:ext cx="0" cy="0"/>
+          <a:chOff x="0" y="0"/>
+          <a:chExt cx="0" cy="0"/>
+        </a:xfrm>
+      </p:grpSpPr>
+      <p:sp>
+        <p:nvSpPr>
           <p:cNvPr id="4" name="Titre 3"/>
           <p:cNvSpPr>
             <a:spLocks noGrp="1"/>
@@ -25399,19 +25544,7 @@
               <a:rPr lang="en-US" sz="2800" i="1" dirty="0" smtClean="0">
                 <a:latin typeface="Calibri Light" panose="020F0302020204030204" pitchFamily="34" charset="0"/>
               </a:rPr>
-              <a:t>Thank you Adrian for serving as PCE chair </a:t>
-            </a:r>
-            <a:r>
-              <a:rPr lang="en-US" sz="2800" i="1" dirty="0" smtClean="0">
-                <a:latin typeface="Calibri Light" panose="020F0302020204030204" pitchFamily="34" charset="0"/>
-              </a:rPr>
-              <a:t>and </a:t>
-            </a:r>
-            <a:r>
-              <a:rPr lang="en-US" sz="2800" i="1" dirty="0" smtClean="0">
-                <a:latin typeface="Calibri Light" panose="020F0302020204030204" pitchFamily="34" charset="0"/>
-              </a:rPr>
-              <a:t>guiding us during this transition. </a:t>
+              <a:t>Thank you Adrian for serving as PCE chair and guiding us during this transition. </a:t>
             </a:r>
             <a:endParaRPr lang="en-US" sz="2800" i="1" dirty="0">
               <a:latin typeface="Calibri Light" panose="020F0302020204030204" pitchFamily="34" charset="0"/>
@@ -25668,7 +25801,11 @@
           <a:p>
             <a:r>
               <a:rPr lang="en-US" dirty="0" smtClean="0"/>
-              <a:t>Please be Vocal</a:t>
+              <a:t>Please be </a:t>
+            </a:r>
+            <a:r>
+              <a:rPr lang="en-US" dirty="0" smtClean="0"/>
+              <a:t>Vocal</a:t>
             </a:r>
             <a:endParaRPr lang="en-US" dirty="0"/>
           </a:p>
@@ -25705,37 +25842,33 @@
               </a:rPr>
               <a:t>Please be vocal on the list to help us gauge the consensus better. </a:t>
             </a:r>
+            <a:endParaRPr lang="en-US" sz="2400" dirty="0" smtClean="0">
+              <a:latin typeface="Calibri Light" panose="020F0302020204030204" pitchFamily="34" charset="0"/>
+            </a:endParaRPr>
           </a:p>
           <a:p>
             <a:r>
               <a:rPr lang="en-US" sz="2400" dirty="0">
                 <a:latin typeface="Calibri Light" panose="020F0302020204030204" pitchFamily="34" charset="0"/>
               </a:rPr>
+              <a:t>The working group mailing lists are looked at by the IESG, IAB, and others (internal and external to IETF) to determine interest/participation level in our standards process. </a:t>
+            </a:r>
+            <a:endParaRPr lang="en-US" sz="2400" dirty="0">
+              <a:latin typeface="Calibri Light" panose="020F0302020204030204" pitchFamily="34" charset="0"/>
+            </a:endParaRPr>
+          </a:p>
+          <a:p>
+            <a:r>
+              <a:rPr lang="en-US" sz="2400" dirty="0">
+                <a:latin typeface="Calibri Light" panose="020F0302020204030204" pitchFamily="34" charset="0"/>
+              </a:rPr>
               <a:t>Please review ideas from your </a:t>
             </a:r>
             <a:r>
               <a:rPr lang="en-US" sz="2400" dirty="0" smtClean="0">
                 <a:latin typeface="Calibri Light" panose="020F0302020204030204" pitchFamily="34" charset="0"/>
               </a:rPr>
-              <a:t>peers, these are </a:t>
-            </a:r>
-            <a:r>
-              <a:rPr lang="en-US" sz="2400" dirty="0" smtClean="0">
-                <a:latin typeface="Calibri Light" panose="020F0302020204030204" pitchFamily="34" charset="0"/>
-              </a:rPr>
-              <a:t>community </a:t>
-            </a:r>
-            <a:r>
-              <a:rPr lang="en-US" sz="2400" dirty="0" smtClean="0">
-                <a:latin typeface="Calibri Light" panose="020F0302020204030204" pitchFamily="34" charset="0"/>
-              </a:rPr>
-              <a:t>outputs of the working </a:t>
-            </a:r>
-            <a:r>
-              <a:rPr lang="en-US" sz="2400" dirty="0" smtClean="0">
-                <a:latin typeface="Calibri Light" panose="020F0302020204030204" pitchFamily="34" charset="0"/>
-              </a:rPr>
-              <a:t>group as a whole</a:t>
+              <a:t>peers, these are community outputs of the working group as a whole</a:t>
             </a:r>
             <a:r>
               <a:rPr lang="en-US" sz="2400" dirty="0">
@@ -26116,56 +26249,56 @@
           <a:lstStyle/>
           <a:p>
             <a:r>
-              <a:rPr lang="en-US" sz="2800" dirty="0" smtClean="0">
-                <a:latin typeface="+mn-lt"/>
+              <a:rPr lang="en-US" sz="2400" dirty="0" smtClean="0">
+                <a:latin typeface="Calibri Light" panose="020F0302020204030204" pitchFamily="34" charset="0"/>
               </a:rPr>
               <a:t>All </a:t>
             </a:r>
             <a:r>
-              <a:rPr lang="en-US" sz="2800" dirty="0">
-                <a:latin typeface="+mn-lt"/>
+              <a:rPr lang="en-US" sz="2400" dirty="0">
+                <a:latin typeface="Calibri Light" panose="020F0302020204030204" pitchFamily="34" charset="0"/>
               </a:rPr>
               <a:t>WG I-Ds are required to include an 'Implementation Status' Section (as per RFC7942) to document known existing or planned implementations. The chairs can make exceptions on a per-document basis</a:t>
             </a:r>
             <a:r>
-              <a:rPr lang="en-US" sz="2800" dirty="0" smtClean="0">
-                <a:latin typeface="+mn-lt"/>
+              <a:rPr lang="en-US" sz="2400" dirty="0" smtClean="0">
+                <a:latin typeface="Calibri Light" panose="020F0302020204030204" pitchFamily="34" charset="0"/>
               </a:rPr>
               <a:t>.</a:t>
             </a:r>
-            <a:endParaRPr lang="en-US" sz="2800" dirty="0">
-              <a:latin typeface="+mn-lt"/>
+            <a:endParaRPr lang="en-US" sz="2400" dirty="0">
+              <a:latin typeface="Calibri Light" panose="020F0302020204030204" pitchFamily="34" charset="0"/>
             </a:endParaRPr>
           </a:p>
           <a:p>
             <a:pPr lvl="1"/>
             <a:r>
-              <a:rPr lang="en-US" sz="2400" dirty="0">
-                <a:latin typeface="+mn-lt"/>
+              <a:rPr lang="en-US" sz="2100" dirty="0">
+                <a:latin typeface="Calibri Light" panose="020F0302020204030204" pitchFamily="34" charset="0"/>
               </a:rPr>
               <a:t>It is expected that all WG I-Ds requesting WG LC from May 2019 must follow the above implementation policy. </a:t>
             </a:r>
-            <a:endParaRPr lang="en-US" sz="2400" dirty="0" smtClean="0">
-              <a:latin typeface="+mn-lt"/>
+            <a:endParaRPr lang="en-US" sz="2100" dirty="0" smtClean="0">
+              <a:latin typeface="Calibri Light" panose="020F0302020204030204" pitchFamily="34" charset="0"/>
             </a:endParaRPr>
           </a:p>
           <a:p>
             <a:pPr lvl="1"/>
             <a:r>
-              <a:rPr lang="en-US" sz="2400" dirty="0" smtClean="0">
-                <a:latin typeface="+mn-lt"/>
+              <a:rPr lang="en-US" sz="2100" dirty="0" smtClean="0">
+                <a:latin typeface="Calibri Light" panose="020F0302020204030204" pitchFamily="34" charset="0"/>
               </a:rPr>
               <a:t>Reach </a:t>
             </a:r>
             <a:r>
-              <a:rPr lang="en-US" sz="2400" dirty="0">
-                <a:latin typeface="+mn-lt"/>
+              <a:rPr lang="en-US" sz="2100" dirty="0">
+                <a:latin typeface="Calibri Light" panose="020F0302020204030204" pitchFamily="34" charset="0"/>
               </a:rPr>
               <a:t>out to the chairs in case an exception needs to be made for your document</a:t>
             </a:r>
             <a:r>
-              <a:rPr lang="en-US" sz="2400" dirty="0" smtClean="0">
-                <a:latin typeface="+mn-lt"/>
+              <a:rPr lang="en-US" sz="2100" dirty="0" smtClean="0">
+                <a:latin typeface="Calibri Light" panose="020F0302020204030204" pitchFamily="34" charset="0"/>
               </a:rPr>
               <a:t>.</a:t>
             </a:r>
@@ -26173,8 +26306,8 @@
           <a:p>
             <a:pPr lvl="1"/>
             <a:r>
-              <a:rPr lang="en-US" sz="2400" i="1" dirty="0" smtClean="0">
-                <a:latin typeface="+mn-lt"/>
+              <a:rPr lang="en-US" sz="2100" i="1" dirty="0" smtClean="0">
+                <a:latin typeface="Calibri Light" panose="020F0302020204030204" pitchFamily="34" charset="0"/>
               </a:rPr>
               <a:t>Some of the documents that authors believe are ready for WG LC still lacks this section.</a:t>
             </a:r>
